--- a/slides.pptx
+++ b/slides.pptx
@@ -5,31 +5,33 @@
     <p:sldMasterId id="2147483660" r:id="rId1"/>
   </p:sldMasterIdLst>
   <p:notesMasterIdLst>
-    <p:notesMasterId r:id="rId24"/>
+    <p:notesMasterId r:id="rId26"/>
   </p:notesMasterIdLst>
   <p:sldIdLst>
-    <p:sldId id="277" r:id="rId2"/>
-    <p:sldId id="267" r:id="rId3"/>
-    <p:sldId id="274" r:id="rId4"/>
-    <p:sldId id="273" r:id="rId5"/>
-    <p:sldId id="276" r:id="rId6"/>
-    <p:sldId id="279" r:id="rId7"/>
-    <p:sldId id="281" r:id="rId8"/>
-    <p:sldId id="290" r:id="rId9"/>
-    <p:sldId id="285" r:id="rId10"/>
-    <p:sldId id="280" r:id="rId11"/>
-    <p:sldId id="286" r:id="rId12"/>
-    <p:sldId id="283" r:id="rId13"/>
-    <p:sldId id="284" r:id="rId14"/>
-    <p:sldId id="288" r:id="rId15"/>
-    <p:sldId id="295" r:id="rId16"/>
-    <p:sldId id="296" r:id="rId17"/>
-    <p:sldId id="287" r:id="rId18"/>
-    <p:sldId id="289" r:id="rId19"/>
-    <p:sldId id="292" r:id="rId20"/>
-    <p:sldId id="294" r:id="rId21"/>
-    <p:sldId id="291" r:id="rId22"/>
-    <p:sldId id="293" r:id="rId23"/>
+    <p:sldId id="278" r:id="rId2"/>
+    <p:sldId id="277" r:id="rId3"/>
+    <p:sldId id="267" r:id="rId4"/>
+    <p:sldId id="274" r:id="rId5"/>
+    <p:sldId id="273" r:id="rId6"/>
+    <p:sldId id="276" r:id="rId7"/>
+    <p:sldId id="296" r:id="rId8"/>
+    <p:sldId id="279" r:id="rId9"/>
+    <p:sldId id="281" r:id="rId10"/>
+    <p:sldId id="290" r:id="rId11"/>
+    <p:sldId id="285" r:id="rId12"/>
+    <p:sldId id="280" r:id="rId13"/>
+    <p:sldId id="286" r:id="rId14"/>
+    <p:sldId id="283" r:id="rId15"/>
+    <p:sldId id="284" r:id="rId16"/>
+    <p:sldId id="288" r:id="rId17"/>
+    <p:sldId id="295" r:id="rId18"/>
+    <p:sldId id="287" r:id="rId19"/>
+    <p:sldId id="289" r:id="rId20"/>
+    <p:sldId id="292" r:id="rId21"/>
+    <p:sldId id="294" r:id="rId22"/>
+    <p:sldId id="297" r:id="rId23"/>
+    <p:sldId id="291" r:id="rId24"/>
+    <p:sldId id="293" r:id="rId25"/>
   </p:sldIdLst>
   <p:sldSz cx="10799763" cy="7199313"/>
   <p:notesSz cx="6858000" cy="9144000"/>
@@ -134,10 +136,6 @@
     </p:ext>
   </p:extLst>
 </p:presentation>
-</file>
-
-<file path=ppt/revisionInfo.xml><?xml version="1.0" encoding="utf-8"?>
-<p1510:revInfo xmlns:a="http://schemas.openxmlformats.org/drawingml/2006/main" xmlns:r="http://schemas.openxmlformats.org/officeDocument/2006/relationships" xmlns:p1510="http://schemas.microsoft.com/office/powerpoint/2015/10/main"/>
 </file>
 
 <file path=ppt/ink/ink1.xml><?xml version="1.0" encoding="utf-8"?>
@@ -474,7 +472,7 @@
           <a:p>
             <a:fld id="{09031AF9-4526-4BC8-882C-7C21445B178E}" type="datetimeFigureOut">
               <a:rPr lang="de-AT" smtClean="0"/>
-              <a:t>08.06.2017</a:t>
+              <a:t>04.04.2018</a:t>
             </a:fld>
             <a:endParaRPr lang="de-AT"/>
           </a:p>
@@ -786,6 +784,24 @@
           <a:bodyPr/>
           <a:lstStyle/>
           <a:p>
+            <a:r>
+              <a:rPr lang="en-US" dirty="0"/>
+              <a:t>[</a:t>
+            </a:r>
+            <a:r>
+              <a:rPr lang="en-US" b="1" dirty="0"/>
+              <a:t>2</a:t>
+            </a:r>
+            <a:r>
+              <a:rPr lang="en-US" dirty="0"/>
+              <a:t> min]</a:t>
+            </a:r>
+          </a:p>
+          <a:p>
+            <a:r>
+              <a:rPr lang="en-US" dirty="0"/>
+              <a:t>- COMIC (alt-tab, make sure photos app is started!)</a:t>
+            </a:r>
             <a:endParaRPr lang="de-AT" dirty="0"/>
           </a:p>
         </p:txBody>
@@ -807,7 +823,7 @@
           <a:p>
             <a:fld id="{D535D1E4-52CB-411B-8F94-5CB57141024F}" type="slidenum">
               <a:rPr lang="de-AT" smtClean="0"/>
-              <a:t>1</a:t>
+              <a:t>2</a:t>
             </a:fld>
             <a:endParaRPr lang="de-AT"/>
           </a:p>
@@ -870,6 +886,43 @@
           <a:bodyPr/>
           <a:lstStyle/>
           <a:p>
+            <a:r>
+              <a:rPr lang="en-US" dirty="0"/>
+              <a:t>[</a:t>
+            </a:r>
+            <a:r>
+              <a:rPr lang="en-US" b="1" dirty="0"/>
+              <a:t>1</a:t>
+            </a:r>
+            <a:r>
+              <a:rPr lang="en-US" dirty="0"/>
+              <a:t> min]</a:t>
+            </a:r>
+          </a:p>
+          <a:p>
+            <a:pPr marL="0" marR="0" lvl="0" indent="0" algn="l" defTabSz="914400" rtl="0" eaLnBrk="1" fontAlgn="auto" latinLnBrk="0" hangingPunct="1">
+              <a:lnSpc>
+                <a:spcPct val="100000"/>
+              </a:lnSpc>
+              <a:spcBef>
+                <a:spcPts val="0"/>
+              </a:spcBef>
+              <a:spcAft>
+                <a:spcPts val="0"/>
+              </a:spcAft>
+              <a:buClrTx/>
+              <a:buSzTx/>
+              <a:buFontTx/>
+              <a:buNone/>
+              <a:tabLst/>
+              <a:defRPr/>
+            </a:pPr>
+            <a:r>
+              <a:rPr lang="en-US" dirty="0"/>
+              <a:t>- “The guy who created this, likes to think a lot – very philosophical questions”</a:t>
+            </a:r>
+          </a:p>
+          <a:p>
             <a:endParaRPr lang="de-AT" dirty="0"/>
           </a:p>
         </p:txBody>
@@ -891,7 +944,7 @@
           <a:p>
             <a:fld id="{D535D1E4-52CB-411B-8F94-5CB57141024F}" type="slidenum">
               <a:rPr lang="de-AT" smtClean="0"/>
-              <a:t>12</a:t>
+              <a:t>14</a:t>
             </a:fld>
             <a:endParaRPr lang="de-AT"/>
           </a:p>
@@ -954,6 +1007,10 @@
           <a:bodyPr/>
           <a:lstStyle/>
           <a:p>
+            <a:r>
+              <a:rPr lang="en-US" dirty="0"/>
+              <a:t>no state management exposed</a:t>
+            </a:r>
             <a:endParaRPr lang="de-AT" dirty="0"/>
           </a:p>
         </p:txBody>
@@ -975,7 +1032,7 @@
           <a:p>
             <a:fld id="{D535D1E4-52CB-411B-8F94-5CB57141024F}" type="slidenum">
               <a:rPr lang="de-AT" smtClean="0"/>
-              <a:t>13</a:t>
+              <a:t>15</a:t>
             </a:fld>
             <a:endParaRPr lang="de-AT"/>
           </a:p>
@@ -1038,6 +1095,43 @@
           <a:bodyPr/>
           <a:lstStyle/>
           <a:p>
+            <a:r>
+              <a:rPr lang="en-US" dirty="0"/>
+              <a:t>[</a:t>
+            </a:r>
+            <a:r>
+              <a:rPr lang="en-US" b="1" dirty="0"/>
+              <a:t>1</a:t>
+            </a:r>
+            <a:r>
+              <a:rPr lang="en-US" dirty="0"/>
+              <a:t> min]</a:t>
+            </a:r>
+          </a:p>
+          <a:p>
+            <a:pPr marL="0" marR="0" lvl="0" indent="0" algn="l" defTabSz="914400" rtl="0" eaLnBrk="1" fontAlgn="auto" latinLnBrk="0" hangingPunct="1">
+              <a:lnSpc>
+                <a:spcPct val="100000"/>
+              </a:lnSpc>
+              <a:spcBef>
+                <a:spcPts val="0"/>
+              </a:spcBef>
+              <a:spcAft>
+                <a:spcPts val="0"/>
+              </a:spcAft>
+              <a:buClrTx/>
+              <a:buSzTx/>
+              <a:buFontTx/>
+              <a:buNone/>
+              <a:tabLst/>
+              <a:defRPr/>
+            </a:pPr>
+            <a:r>
+              <a:rPr lang="en-US" dirty="0"/>
+              <a:t>- “The guy who created this, likes to think a lot – very philosophical questions”</a:t>
+            </a:r>
+          </a:p>
+          <a:p>
             <a:endParaRPr lang="de-AT" dirty="0"/>
           </a:p>
         </p:txBody>
@@ -1059,7 +1153,7 @@
           <a:p>
             <a:fld id="{D535D1E4-52CB-411B-8F94-5CB57141024F}" type="slidenum">
               <a:rPr lang="de-AT" smtClean="0"/>
-              <a:t>14</a:t>
+              <a:t>16</a:t>
             </a:fld>
             <a:endParaRPr lang="de-AT"/>
           </a:p>
@@ -1122,6 +1216,43 @@
           <a:bodyPr/>
           <a:lstStyle/>
           <a:p>
+            <a:r>
+              <a:rPr lang="en-US" dirty="0"/>
+              <a:t>[</a:t>
+            </a:r>
+            <a:r>
+              <a:rPr lang="en-US" b="1" dirty="0"/>
+              <a:t>1</a:t>
+            </a:r>
+            <a:r>
+              <a:rPr lang="en-US" dirty="0"/>
+              <a:t> min]</a:t>
+            </a:r>
+          </a:p>
+          <a:p>
+            <a:pPr marL="0" marR="0" lvl="0" indent="0" algn="l" defTabSz="914400" rtl="0" eaLnBrk="1" fontAlgn="auto" latinLnBrk="0" hangingPunct="1">
+              <a:lnSpc>
+                <a:spcPct val="100000"/>
+              </a:lnSpc>
+              <a:spcBef>
+                <a:spcPts val="0"/>
+              </a:spcBef>
+              <a:spcAft>
+                <a:spcPts val="0"/>
+              </a:spcAft>
+              <a:buClrTx/>
+              <a:buSzTx/>
+              <a:buFontTx/>
+              <a:buNone/>
+              <a:tabLst/>
+              <a:defRPr/>
+            </a:pPr>
+            <a:r>
+              <a:rPr lang="en-US" dirty="0"/>
+              <a:t>- “The guy who created this, likes to think a lot – very philosophical questions”</a:t>
+            </a:r>
+          </a:p>
+          <a:p>
             <a:endParaRPr lang="de-AT" dirty="0"/>
           </a:p>
         </p:txBody>
@@ -1143,7 +1274,7 @@
           <a:p>
             <a:fld id="{D535D1E4-52CB-411B-8F94-5CB57141024F}" type="slidenum">
               <a:rPr lang="de-AT" smtClean="0"/>
-              <a:t>18</a:t>
+              <a:t>19</a:t>
             </a:fld>
             <a:endParaRPr lang="de-AT"/>
           </a:p>
@@ -1206,6 +1337,53 @@
           <a:bodyPr/>
           <a:lstStyle/>
           <a:p>
+            <a:r>
+              <a:rPr lang="en-US" dirty="0"/>
+              <a:t>[</a:t>
+            </a:r>
+            <a:r>
+              <a:rPr lang="en-US" b="1" dirty="0"/>
+              <a:t>30</a:t>
+            </a:r>
+            <a:r>
+              <a:rPr lang="en-US" dirty="0"/>
+              <a:t> sec]</a:t>
+            </a:r>
+          </a:p>
+          <a:p>
+            <a:pPr marL="171450" indent="-171450">
+              <a:buFontTx/>
+              <a:buChar char="-"/>
+            </a:pPr>
+            <a:r>
+              <a:rPr lang="en-US" dirty="0"/>
+              <a:t>End of April in Stockholm organized by </a:t>
+            </a:r>
+            <a:r>
+              <a:rPr lang="en-US" dirty="0" err="1"/>
+              <a:t>Futurice</a:t>
+            </a:r>
+            <a:endParaRPr lang="en-US" dirty="0"/>
+          </a:p>
+          <a:p>
+            <a:pPr marL="171450" indent="-171450">
+              <a:buFontTx/>
+              <a:buChar char="-"/>
+            </a:pPr>
+            <a:r>
+              <a:rPr lang="en-US" dirty="0"/>
+              <a:t>~ 50 people</a:t>
+            </a:r>
+          </a:p>
+          <a:p>
+            <a:pPr marL="171450" indent="-171450">
+              <a:buFontTx/>
+              <a:buChar char="-"/>
+            </a:pPr>
+            <a:r>
+              <a:rPr lang="en-US" dirty="0"/>
+              <a:t>Liked the idea, no experience</a:t>
+            </a:r>
             <a:endParaRPr lang="de-AT" dirty="0"/>
           </a:p>
         </p:txBody>
@@ -1227,7 +1405,7 @@
           <a:p>
             <a:fld id="{D535D1E4-52CB-411B-8F94-5CB57141024F}" type="slidenum">
               <a:rPr lang="de-AT" smtClean="0"/>
-              <a:t>2</a:t>
+              <a:t>3</a:t>
             </a:fld>
             <a:endParaRPr lang="de-AT"/>
           </a:p>
@@ -1311,7 +1489,7 @@
           <a:p>
             <a:fld id="{D535D1E4-52CB-411B-8F94-5CB57141024F}" type="slidenum">
               <a:rPr lang="de-AT" smtClean="0"/>
-              <a:t>3</a:t>
+              <a:t>4</a:t>
             </a:fld>
             <a:endParaRPr lang="de-AT"/>
           </a:p>
@@ -1374,6 +1552,43 @@
           <a:bodyPr/>
           <a:lstStyle/>
           <a:p>
+            <a:r>
+              <a:rPr lang="en-US" dirty="0"/>
+              <a:t>[</a:t>
+            </a:r>
+            <a:r>
+              <a:rPr lang="en-US" b="1" dirty="0"/>
+              <a:t>1</a:t>
+            </a:r>
+            <a:r>
+              <a:rPr lang="en-US" dirty="0"/>
+              <a:t> min]</a:t>
+            </a:r>
+          </a:p>
+          <a:p>
+            <a:pPr marL="0" marR="0" lvl="0" indent="0" algn="l" defTabSz="914400" rtl="0" eaLnBrk="1" fontAlgn="auto" latinLnBrk="0" hangingPunct="1">
+              <a:lnSpc>
+                <a:spcPct val="100000"/>
+              </a:lnSpc>
+              <a:spcBef>
+                <a:spcPts val="0"/>
+              </a:spcBef>
+              <a:spcAft>
+                <a:spcPts val="0"/>
+              </a:spcAft>
+              <a:buClrTx/>
+              <a:buSzTx/>
+              <a:buFontTx/>
+              <a:buNone/>
+              <a:tabLst/>
+              <a:defRPr/>
+            </a:pPr>
+            <a:r>
+              <a:rPr lang="en-US" dirty="0"/>
+              <a:t>- “The guy who created this, likes to think a lot – very philosophical questions”</a:t>
+            </a:r>
+          </a:p>
+          <a:p>
             <a:endParaRPr lang="de-AT" dirty="0"/>
           </a:p>
         </p:txBody>
@@ -1395,7 +1610,7 @@
           <a:p>
             <a:fld id="{D535D1E4-52CB-411B-8F94-5CB57141024F}" type="slidenum">
               <a:rPr lang="de-AT" smtClean="0"/>
-              <a:t>4</a:t>
+              <a:t>5</a:t>
             </a:fld>
             <a:endParaRPr lang="de-AT"/>
           </a:p>
@@ -1458,6 +1673,18 @@
           <a:bodyPr/>
           <a:lstStyle/>
           <a:p>
+            <a:r>
+              <a:rPr lang="en-US" dirty="0"/>
+              <a:t>[</a:t>
+            </a:r>
+            <a:r>
+              <a:rPr lang="en-US" b="1" dirty="0"/>
+              <a:t>30</a:t>
+            </a:r>
+            <a:r>
+              <a:rPr lang="en-US" dirty="0"/>
+              <a:t> sec]</a:t>
+            </a:r>
             <a:endParaRPr lang="de-AT" dirty="0"/>
           </a:p>
         </p:txBody>
@@ -1479,7 +1706,7 @@
           <a:p>
             <a:fld id="{6FEFBD4E-7912-4039-AA28-A59E869A1C94}" type="slidenum">
               <a:rPr lang="de-AT" smtClean="0"/>
-              <a:t>5</a:t>
+              <a:t>6</a:t>
             </a:fld>
             <a:endParaRPr lang="de-AT"/>
           </a:p>
@@ -1542,6 +1769,18 @@
           <a:bodyPr/>
           <a:lstStyle/>
           <a:p>
+            <a:r>
+              <a:rPr lang="en-US" dirty="0"/>
+              <a:t>[</a:t>
+            </a:r>
+            <a:r>
+              <a:rPr lang="en-US" b="1" dirty="0"/>
+              <a:t>30</a:t>
+            </a:r>
+            <a:r>
+              <a:rPr lang="en-US" dirty="0"/>
+              <a:t> sec]</a:t>
+            </a:r>
             <a:endParaRPr lang="de-AT" dirty="0"/>
           </a:p>
         </p:txBody>
@@ -1561,9 +1800,9 @@
           <a:bodyPr/>
           <a:lstStyle/>
           <a:p>
-            <a:fld id="{D535D1E4-52CB-411B-8F94-5CB57141024F}" type="slidenum">
+            <a:fld id="{6FEFBD4E-7912-4039-AA28-A59E869A1C94}" type="slidenum">
               <a:rPr lang="de-AT" smtClean="0"/>
-              <a:t>6</a:t>
+              <a:t>7</a:t>
             </a:fld>
             <a:endParaRPr lang="de-AT"/>
           </a:p>
@@ -1572,7 +1811,7 @@
     </p:spTree>
     <p:extLst>
       <p:ext uri="{BB962C8B-B14F-4D97-AF65-F5344CB8AC3E}">
-        <p14:creationId xmlns:p14="http://schemas.microsoft.com/office/powerpoint/2010/main" val="3946234267"/>
+        <p14:creationId xmlns:p14="http://schemas.microsoft.com/office/powerpoint/2010/main" val="1468250943"/>
       </p:ext>
     </p:extLst>
   </p:cSld>
@@ -1626,6 +1865,43 @@
           <a:bodyPr/>
           <a:lstStyle/>
           <a:p>
+            <a:r>
+              <a:rPr lang="en-US" dirty="0"/>
+              <a:t>[</a:t>
+            </a:r>
+            <a:r>
+              <a:rPr lang="en-US" b="1" dirty="0"/>
+              <a:t>1</a:t>
+            </a:r>
+            <a:r>
+              <a:rPr lang="en-US" dirty="0"/>
+              <a:t> min]</a:t>
+            </a:r>
+          </a:p>
+          <a:p>
+            <a:pPr marL="0" marR="0" lvl="0" indent="0" algn="l" defTabSz="914400" rtl="0" eaLnBrk="1" fontAlgn="auto" latinLnBrk="0" hangingPunct="1">
+              <a:lnSpc>
+                <a:spcPct val="100000"/>
+              </a:lnSpc>
+              <a:spcBef>
+                <a:spcPts val="0"/>
+              </a:spcBef>
+              <a:spcAft>
+                <a:spcPts val="0"/>
+              </a:spcAft>
+              <a:buClrTx/>
+              <a:buSzTx/>
+              <a:buFontTx/>
+              <a:buNone/>
+              <a:tabLst/>
+              <a:defRPr/>
+            </a:pPr>
+            <a:r>
+              <a:rPr lang="en-US" dirty="0"/>
+              <a:t>- “The guy who created this, likes to think a lot – very philosophical questions”</a:t>
+            </a:r>
+          </a:p>
+          <a:p>
             <a:endParaRPr lang="de-AT" dirty="0"/>
           </a:p>
         </p:txBody>
@@ -1647,7 +1923,7 @@
           <a:p>
             <a:fld id="{D535D1E4-52CB-411B-8F94-5CB57141024F}" type="slidenum">
               <a:rPr lang="de-AT" smtClean="0"/>
-              <a:t>7</a:t>
+              <a:t>9</a:t>
             </a:fld>
             <a:endParaRPr lang="de-AT"/>
           </a:p>
@@ -1731,7 +2007,7 @@
           <a:p>
             <a:fld id="{D535D1E4-52CB-411B-8F94-5CB57141024F}" type="slidenum">
               <a:rPr lang="de-AT" smtClean="0"/>
-              <a:t>8</a:t>
+              <a:t>10</a:t>
             </a:fld>
             <a:endParaRPr lang="de-AT"/>
           </a:p>
@@ -1794,6 +2070,43 @@
           <a:bodyPr/>
           <a:lstStyle/>
           <a:p>
+            <a:r>
+              <a:rPr lang="en-US" dirty="0"/>
+              <a:t>[</a:t>
+            </a:r>
+            <a:r>
+              <a:rPr lang="en-US" b="1" dirty="0"/>
+              <a:t>1</a:t>
+            </a:r>
+            <a:r>
+              <a:rPr lang="en-US" dirty="0"/>
+              <a:t> min]</a:t>
+            </a:r>
+          </a:p>
+          <a:p>
+            <a:pPr marL="0" marR="0" lvl="0" indent="0" algn="l" defTabSz="914400" rtl="0" eaLnBrk="1" fontAlgn="auto" latinLnBrk="0" hangingPunct="1">
+              <a:lnSpc>
+                <a:spcPct val="100000"/>
+              </a:lnSpc>
+              <a:spcBef>
+                <a:spcPts val="0"/>
+              </a:spcBef>
+              <a:spcAft>
+                <a:spcPts val="0"/>
+              </a:spcAft>
+              <a:buClrTx/>
+              <a:buSzTx/>
+              <a:buFontTx/>
+              <a:buNone/>
+              <a:tabLst/>
+              <a:defRPr/>
+            </a:pPr>
+            <a:r>
+              <a:rPr lang="en-US" dirty="0"/>
+              <a:t>- “The guy who created this, likes to think a lot – very philosophical questions”</a:t>
+            </a:r>
+          </a:p>
+          <a:p>
             <a:endParaRPr lang="de-AT" dirty="0"/>
           </a:p>
         </p:txBody>
@@ -1815,7 +2128,7 @@
           <a:p>
             <a:fld id="{D535D1E4-52CB-411B-8F94-5CB57141024F}" type="slidenum">
               <a:rPr lang="de-AT" smtClean="0"/>
-              <a:t>9</a:t>
+              <a:t>11</a:t>
             </a:fld>
             <a:endParaRPr lang="de-AT"/>
           </a:p>
@@ -1965,7 +2278,7 @@
           <a:p>
             <a:fld id="{A90C04E3-F3E1-43FC-9C55-01969964AD02}" type="datetimeFigureOut">
               <a:rPr lang="de-AT" smtClean="0"/>
-              <a:t>08.06.2017</a:t>
+              <a:t>04.04.2018</a:t>
             </a:fld>
             <a:endParaRPr lang="de-AT"/>
           </a:p>
@@ -2135,7 +2448,7 @@
           <a:p>
             <a:fld id="{A90C04E3-F3E1-43FC-9C55-01969964AD02}" type="datetimeFigureOut">
               <a:rPr lang="de-AT" smtClean="0"/>
-              <a:t>08.06.2017</a:t>
+              <a:t>04.04.2018</a:t>
             </a:fld>
             <a:endParaRPr lang="de-AT"/>
           </a:p>
@@ -2315,7 +2628,7 @@
           <a:p>
             <a:fld id="{A90C04E3-F3E1-43FC-9C55-01969964AD02}" type="datetimeFigureOut">
               <a:rPr lang="de-AT" smtClean="0"/>
-              <a:t>08.06.2017</a:t>
+              <a:t>04.04.2018</a:t>
             </a:fld>
             <a:endParaRPr lang="de-AT"/>
           </a:p>
@@ -2485,7 +2798,7 @@
           <a:p>
             <a:fld id="{A90C04E3-F3E1-43FC-9C55-01969964AD02}" type="datetimeFigureOut">
               <a:rPr lang="de-AT" smtClean="0"/>
-              <a:t>08.06.2017</a:t>
+              <a:t>04.04.2018</a:t>
             </a:fld>
             <a:endParaRPr lang="de-AT"/>
           </a:p>
@@ -2729,7 +3042,7 @@
           <a:p>
             <a:fld id="{A90C04E3-F3E1-43FC-9C55-01969964AD02}" type="datetimeFigureOut">
               <a:rPr lang="de-AT" smtClean="0"/>
-              <a:t>08.06.2017</a:t>
+              <a:t>04.04.2018</a:t>
             </a:fld>
             <a:endParaRPr lang="de-AT"/>
           </a:p>
@@ -2961,7 +3274,7 @@
           <a:p>
             <a:fld id="{A90C04E3-F3E1-43FC-9C55-01969964AD02}" type="datetimeFigureOut">
               <a:rPr lang="de-AT" smtClean="0"/>
-              <a:t>08.06.2017</a:t>
+              <a:t>04.04.2018</a:t>
             </a:fld>
             <a:endParaRPr lang="de-AT"/>
           </a:p>
@@ -3328,7 +3641,7 @@
           <a:p>
             <a:fld id="{A90C04E3-F3E1-43FC-9C55-01969964AD02}" type="datetimeFigureOut">
               <a:rPr lang="de-AT" smtClean="0"/>
-              <a:t>08.06.2017</a:t>
+              <a:t>04.04.2018</a:t>
             </a:fld>
             <a:endParaRPr lang="de-AT"/>
           </a:p>
@@ -3446,7 +3759,7 @@
           <a:p>
             <a:fld id="{A90C04E3-F3E1-43FC-9C55-01969964AD02}" type="datetimeFigureOut">
               <a:rPr lang="de-AT" smtClean="0"/>
-              <a:t>08.06.2017</a:t>
+              <a:t>04.04.2018</a:t>
             </a:fld>
             <a:endParaRPr lang="de-AT"/>
           </a:p>
@@ -3541,7 +3854,7 @@
           <a:p>
             <a:fld id="{A90C04E3-F3E1-43FC-9C55-01969964AD02}" type="datetimeFigureOut">
               <a:rPr lang="de-AT" smtClean="0"/>
-              <a:t>08.06.2017</a:t>
+              <a:t>04.04.2018</a:t>
             </a:fld>
             <a:endParaRPr lang="de-AT"/>
           </a:p>
@@ -3818,7 +4131,7 @@
           <a:p>
             <a:fld id="{A90C04E3-F3E1-43FC-9C55-01969964AD02}" type="datetimeFigureOut">
               <a:rPr lang="de-AT" smtClean="0"/>
-              <a:t>08.06.2017</a:t>
+              <a:t>04.04.2018</a:t>
             </a:fld>
             <a:endParaRPr lang="de-AT"/>
           </a:p>
@@ -4075,7 +4388,7 @@
           <a:p>
             <a:fld id="{A90C04E3-F3E1-43FC-9C55-01969964AD02}" type="datetimeFigureOut">
               <a:rPr lang="de-AT" smtClean="0"/>
-              <a:t>08.06.2017</a:t>
+              <a:t>04.04.2018</a:t>
             </a:fld>
             <a:endParaRPr lang="de-AT"/>
           </a:p>
@@ -4288,7 +4601,7 @@
           <a:p>
             <a:fld id="{A90C04E3-F3E1-43FC-9C55-01969964AD02}" type="datetimeFigureOut">
               <a:rPr lang="de-AT" smtClean="0"/>
-              <a:t>08.06.2017</a:t>
+              <a:t>04.04.2018</a:t>
             </a:fld>
             <a:endParaRPr lang="de-AT"/>
           </a:p>
@@ -4701,205 +5014,538 @@
           <a:chExt cx="0" cy="0"/>
         </a:xfrm>
       </p:grpSpPr>
-      <p:sp>
-        <p:nvSpPr>
-          <p:cNvPr id="3" name="Textfeld 2"/>
-          <p:cNvSpPr txBox="1"/>
-          <p:nvPr/>
-        </p:nvSpPr>
-        <p:spPr>
-          <a:xfrm>
-            <a:off x="1509740" y="2298274"/>
-            <a:ext cx="7780283" cy="3351687"/>
-          </a:xfrm>
-          <a:prstGeom prst="rect">
-            <a:avLst/>
-          </a:prstGeom>
-          <a:noFill/>
-        </p:spPr>
-        <p:txBody>
-          <a:bodyPr wrap="square" rtlCol="0">
-            <a:spAutoFit/>
-          </a:bodyPr>
-          <a:lstStyle/>
-          <a:p>
-            <a:pPr>
-              <a:lnSpc>
-                <a:spcPct val="120000"/>
-              </a:lnSpc>
-              <a:spcAft>
-                <a:spcPts val="3000"/>
-              </a:spcAft>
-            </a:pPr>
-            <a:r>
-              <a:rPr lang="en-US" sz="2400" dirty="0">
-                <a:solidFill>
-                  <a:schemeClr val="bg1"/>
-                </a:solidFill>
-                <a:latin typeface="Fira Code" panose="020B0509050000020004" pitchFamily="49" charset="0"/>
-                <a:ea typeface="Fira Code" panose="020B0509050000020004" pitchFamily="49" charset="0"/>
-              </a:rPr>
-              <a:t>hey there... 😉</a:t>
-            </a:r>
-          </a:p>
-          <a:p>
-            <a:pPr>
-              <a:lnSpc>
-                <a:spcPct val="120000"/>
-              </a:lnSpc>
-              <a:spcAft>
-                <a:spcPts val="3000"/>
-              </a:spcAft>
-            </a:pPr>
-            <a:r>
-              <a:rPr lang="en-US" sz="2400" dirty="0" err="1">
-                <a:solidFill>
-                  <a:schemeClr val="bg1"/>
-                </a:solidFill>
-                <a:latin typeface="Fira Code" panose="020B0509050000020004" pitchFamily="49" charset="0"/>
-                <a:ea typeface="Fira Code" panose="020B0509050000020004" pitchFamily="49" charset="0"/>
-              </a:rPr>
-              <a:t>i’m</a:t>
-            </a:r>
-            <a:r>
-              <a:rPr lang="en-US" sz="2400" dirty="0">
-                <a:solidFill>
-                  <a:schemeClr val="bg1"/>
-                </a:solidFill>
-                <a:latin typeface="Fira Code" panose="020B0509050000020004" pitchFamily="49" charset="0"/>
-                <a:ea typeface="Fira Code" panose="020B0509050000020004" pitchFamily="49" charset="0"/>
-              </a:rPr>
-              <a:t> so sorry, there is no </a:t>
-            </a:r>
-            <a:r>
-              <a:rPr lang="en-US" sz="2400" dirty="0" err="1">
-                <a:solidFill>
-                  <a:schemeClr val="bg1"/>
-                </a:solidFill>
-                <a:latin typeface="Fira Code" panose="020B0509050000020004" pitchFamily="49" charset="0"/>
-                <a:ea typeface="Fira Code" panose="020B0509050000020004" pitchFamily="49" charset="0"/>
-              </a:rPr>
-              <a:t>zork</a:t>
-            </a:r>
-            <a:r>
-              <a:rPr lang="en-US" sz="2400" dirty="0">
-                <a:solidFill>
-                  <a:schemeClr val="bg1"/>
-                </a:solidFill>
-                <a:latin typeface="Fira Code" panose="020B0509050000020004" pitchFamily="49" charset="0"/>
-                <a:ea typeface="Fira Code" panose="020B0509050000020004" pitchFamily="49" charset="0"/>
-              </a:rPr>
-              <a:t> today </a:t>
-            </a:r>
-            <a:r>
-              <a:rPr lang="de-AT" sz="2400" dirty="0">
-                <a:solidFill>
-                  <a:schemeClr val="bg1"/>
-                </a:solidFill>
-              </a:rPr>
-              <a:t>😢</a:t>
-            </a:r>
-            <a:endParaRPr lang="en-US" sz="2400" dirty="0">
-              <a:solidFill>
-                <a:schemeClr val="bg1"/>
-              </a:solidFill>
-              <a:latin typeface="Fira Code" panose="020B0509050000020004" pitchFamily="49" charset="0"/>
-              <a:ea typeface="Fira Code" panose="020B0509050000020004" pitchFamily="49" charset="0"/>
-            </a:endParaRPr>
-          </a:p>
-          <a:p>
-            <a:pPr>
-              <a:lnSpc>
-                <a:spcPct val="120000"/>
-              </a:lnSpc>
-              <a:spcAft>
-                <a:spcPts val="3000"/>
-              </a:spcAft>
-            </a:pPr>
-            <a:r>
-              <a:rPr lang="en-US" sz="2400" dirty="0">
-                <a:solidFill>
-                  <a:schemeClr val="bg1"/>
-                </a:solidFill>
-                <a:latin typeface="Fira Code" panose="020B0509050000020004" pitchFamily="49" charset="0"/>
-                <a:ea typeface="Fira Code" panose="020B0509050000020004" pitchFamily="49" charset="0"/>
-              </a:rPr>
-              <a:t>... but let’s start with a quick look at java…script </a:t>
-            </a:r>
-            <a:r>
-              <a:rPr lang="de-AT" sz="2400" dirty="0">
-                <a:solidFill>
-                  <a:schemeClr val="bg1"/>
-                </a:solidFill>
-              </a:rPr>
-              <a:t>😀</a:t>
-            </a:r>
-            <a:endParaRPr lang="de-AT" sz="2400" dirty="0">
-              <a:solidFill>
-                <a:schemeClr val="bg1"/>
-              </a:solidFill>
-              <a:latin typeface="Fira Code" panose="020B0509050000020004" pitchFamily="49" charset="0"/>
-              <a:ea typeface="Fira Code" panose="020B0509050000020004" pitchFamily="49" charset="0"/>
-            </a:endParaRPr>
-          </a:p>
-          <a:p>
-            <a:pPr algn="ctr">
-              <a:lnSpc>
-                <a:spcPct val="120000"/>
-              </a:lnSpc>
-              <a:spcAft>
-                <a:spcPts val="3000"/>
-              </a:spcAft>
-            </a:pPr>
-            <a:r>
-              <a:rPr lang="en-US" dirty="0">
-                <a:solidFill>
-                  <a:schemeClr val="bg1"/>
-                </a:solidFill>
-                <a:latin typeface="Fira Code" panose="020B0509050000020004" pitchFamily="49" charset="0"/>
-                <a:ea typeface="Fira Code" panose="020B0509050000020004" pitchFamily="49" charset="0"/>
-              </a:rPr>
-              <a:t>(</a:t>
-            </a:r>
-            <a:r>
-              <a:rPr lang="en-US" dirty="0">
-                <a:solidFill>
-                  <a:schemeClr val="bg1"/>
-                </a:solidFill>
-                <a:latin typeface="Fira Code" panose="020B0509050000020004" pitchFamily="49" charset="0"/>
-                <a:ea typeface="Fira Code" panose="020B0509050000020004" pitchFamily="49" charset="0"/>
-                <a:hlinkClick r:id="rId3"/>
-              </a:rPr>
-              <a:t>http://leftoversalad.tumblr.com/post/103503118002</a:t>
-            </a:r>
-            <a:r>
-              <a:rPr lang="en-US" dirty="0">
-                <a:solidFill>
-                  <a:schemeClr val="bg1"/>
-                </a:solidFill>
-                <a:latin typeface="Fira Code" panose="020B0509050000020004" pitchFamily="49" charset="0"/>
-                <a:ea typeface="Fira Code" panose="020B0509050000020004" pitchFamily="49" charset="0"/>
-              </a:rPr>
-              <a:t>)</a:t>
-            </a:r>
-            <a:endParaRPr lang="de-AT" sz="2400" dirty="0">
-              <a:solidFill>
-                <a:schemeClr val="bg1"/>
-              </a:solidFill>
-            </a:endParaRPr>
-          </a:p>
-        </p:txBody>
-      </p:sp>
     </p:spTree>
     <p:extLst>
       <p:ext uri="{BB962C8B-B14F-4D97-AF65-F5344CB8AC3E}">
-        <p14:creationId xmlns:p14="http://schemas.microsoft.com/office/powerpoint/2010/main" val="3597115507"/>
+        <p14:creationId xmlns:p14="http://schemas.microsoft.com/office/powerpoint/2010/main" val="1315137418"/>
       </p:ext>
     </p:extLst>
   </p:cSld>
   <p:clrMapOvr>
     <a:masterClrMapping/>
   </p:clrMapOvr>
+</p:sld>
+</file>
+
+<file path=ppt/slides/slide10.xml><?xml version="1.0" encoding="utf-8"?>
+<p:sld xmlns:a="http://schemas.openxmlformats.org/drawingml/2006/main" xmlns:r="http://schemas.openxmlformats.org/officeDocument/2006/relationships" xmlns:p="http://schemas.openxmlformats.org/presentationml/2006/main">
+  <p:cSld>
+    <p:spTree>
+      <p:nvGrpSpPr>
+        <p:cNvPr id="1" name=""/>
+        <p:cNvGrpSpPr/>
+        <p:nvPr/>
+      </p:nvGrpSpPr>
+      <p:grpSpPr>
+        <a:xfrm>
+          <a:off x="0" y="0"/>
+          <a:ext cx="0" cy="0"/>
+          <a:chOff x="0" y="0"/>
+          <a:chExt cx="0" cy="0"/>
+        </a:xfrm>
+      </p:grpSpPr>
+      <p:sp>
+        <p:nvSpPr>
+          <p:cNvPr id="3" name="Titel 2"/>
+          <p:cNvSpPr>
+            <a:spLocks noGrp="1"/>
+          </p:cNvSpPr>
+          <p:nvPr>
+            <p:ph type="title"/>
+          </p:nvPr>
+        </p:nvSpPr>
+        <p:spPr>
+          <a:xfrm>
+            <a:off x="742484" y="383299"/>
+            <a:ext cx="9314796" cy="1391534"/>
+          </a:xfrm>
+        </p:spPr>
+        <p:txBody>
+          <a:bodyPr/>
+          <a:lstStyle/>
+          <a:p>
+            <a:pPr algn="ctr"/>
+            <a:r>
+              <a:rPr lang="en-US" sz="5400" cap="all" dirty="0"/>
+              <a:t>Pure Functions</a:t>
+            </a:r>
+            <a:br>
+              <a:rPr lang="en-US" sz="5400" cap="all" dirty="0"/>
+            </a:br>
+            <a:r>
+              <a:rPr lang="en-US" sz="2800" cap="all" dirty="0"/>
+              <a:t>no side effects</a:t>
+            </a:r>
+            <a:endParaRPr lang="de-AT" cap="all" dirty="0"/>
+          </a:p>
+        </p:txBody>
+      </p:sp>
+      <p:sp>
+        <p:nvSpPr>
+          <p:cNvPr id="7" name="Rechteck 6"/>
+          <p:cNvSpPr/>
+          <p:nvPr/>
+        </p:nvSpPr>
+        <p:spPr>
+          <a:xfrm>
+            <a:off x="2207555" y="3385227"/>
+            <a:ext cx="6384652" cy="1077218"/>
+          </a:xfrm>
+          <a:prstGeom prst="rect">
+            <a:avLst/>
+          </a:prstGeom>
+        </p:spPr>
+        <p:txBody>
+          <a:bodyPr wrap="square">
+            <a:spAutoFit/>
+          </a:bodyPr>
+          <a:lstStyle/>
+          <a:p>
+            <a:pPr>
+              <a:spcAft>
+                <a:spcPts val="600"/>
+              </a:spcAft>
+            </a:pPr>
+            <a:r>
+              <a:rPr lang="en-US" dirty="0">
+                <a:solidFill>
+                  <a:srgbClr val="008000"/>
+                </a:solidFill>
+                <a:latin typeface="Fira Code" panose="020B0509050000020004" pitchFamily="49" charset="0"/>
+              </a:rPr>
+              <a:t>// - same input =&gt; same output</a:t>
+            </a:r>
+            <a:endParaRPr lang="en-US" dirty="0">
+              <a:solidFill>
+                <a:srgbClr val="000000"/>
+              </a:solidFill>
+              <a:latin typeface="Fira Code" panose="020B0509050000020004" pitchFamily="49" charset="0"/>
+            </a:endParaRPr>
+          </a:p>
+          <a:p>
+            <a:pPr>
+              <a:spcAft>
+                <a:spcPts val="600"/>
+              </a:spcAft>
+            </a:pPr>
+            <a:r>
+              <a:rPr lang="en-US" dirty="0">
+                <a:solidFill>
+                  <a:srgbClr val="008000"/>
+                </a:solidFill>
+                <a:latin typeface="Fira Code" panose="020B0509050000020004" pitchFamily="49" charset="0"/>
+              </a:rPr>
+              <a:t>// - produce no side effects</a:t>
+            </a:r>
+            <a:endParaRPr lang="en-US" dirty="0">
+              <a:solidFill>
+                <a:srgbClr val="000000"/>
+              </a:solidFill>
+              <a:latin typeface="Fira Code" panose="020B0509050000020004" pitchFamily="49" charset="0"/>
+            </a:endParaRPr>
+          </a:p>
+          <a:p>
+            <a:pPr>
+              <a:spcAft>
+                <a:spcPts val="600"/>
+              </a:spcAft>
+            </a:pPr>
+            <a:r>
+              <a:rPr lang="en-US" dirty="0">
+                <a:solidFill>
+                  <a:srgbClr val="008000"/>
+                </a:solidFill>
+                <a:latin typeface="Fira Code" panose="020B0509050000020004" pitchFamily="49" charset="0"/>
+              </a:rPr>
+              <a:t>// - does not rely on external mutable state</a:t>
+            </a:r>
+            <a:endParaRPr lang="en-US" b="0" dirty="0">
+              <a:solidFill>
+                <a:srgbClr val="000000"/>
+              </a:solidFill>
+              <a:effectLst/>
+              <a:latin typeface="Fira Code" panose="020B0509050000020004" pitchFamily="49" charset="0"/>
+            </a:endParaRPr>
+          </a:p>
+        </p:txBody>
+      </p:sp>
+      <p:sp>
+        <p:nvSpPr>
+          <p:cNvPr id="4" name="Rechteck 3"/>
+          <p:cNvSpPr/>
+          <p:nvPr/>
+        </p:nvSpPr>
+        <p:spPr>
+          <a:xfrm>
+            <a:off x="720054" y="2708119"/>
+            <a:ext cx="4363107" cy="1354217"/>
+          </a:xfrm>
+          <a:prstGeom prst="rect">
+            <a:avLst/>
+          </a:prstGeom>
+        </p:spPr>
+        <p:txBody>
+          <a:bodyPr wrap="square">
+            <a:spAutoFit/>
+          </a:bodyPr>
+          <a:lstStyle/>
+          <a:p>
+            <a:pPr algn="ctr">
+              <a:spcAft>
+                <a:spcPts val="600"/>
+              </a:spcAft>
+            </a:pPr>
+            <a:r>
+              <a:rPr lang="de-AT" dirty="0">
+                <a:solidFill>
+                  <a:srgbClr val="008000"/>
+                </a:solidFill>
+                <a:latin typeface="Fira Code" panose="020B0509050000020004" pitchFamily="49" charset="0"/>
+              </a:rPr>
+              <a:t>// === PURE === //</a:t>
+            </a:r>
+            <a:br>
+              <a:rPr lang="de-AT" dirty="0">
+                <a:solidFill>
+                  <a:srgbClr val="008000"/>
+                </a:solidFill>
+                <a:latin typeface="Fira Code" panose="020B0509050000020004" pitchFamily="49" charset="0"/>
+              </a:rPr>
+            </a:br>
+            <a:endParaRPr lang="de-AT" dirty="0">
+              <a:solidFill>
+                <a:srgbClr val="000000"/>
+              </a:solidFill>
+              <a:latin typeface="Fira Code" panose="020B0509050000020004" pitchFamily="49" charset="0"/>
+            </a:endParaRPr>
+          </a:p>
+          <a:p>
+            <a:pPr>
+              <a:spcAft>
+                <a:spcPts val="600"/>
+              </a:spcAft>
+            </a:pPr>
+            <a:r>
+              <a:rPr lang="de-AT" dirty="0" err="1">
+                <a:solidFill>
+                  <a:srgbClr val="000000"/>
+                </a:solidFill>
+                <a:latin typeface="Fira Code" panose="020B0509050000020004" pitchFamily="49" charset="0"/>
+              </a:rPr>
+              <a:t>Math.max</a:t>
+            </a:r>
+            <a:r>
+              <a:rPr lang="de-AT" dirty="0">
+                <a:solidFill>
+                  <a:srgbClr val="000000"/>
+                </a:solidFill>
+                <a:latin typeface="Fira Code" panose="020B0509050000020004" pitchFamily="49" charset="0"/>
+              </a:rPr>
+              <a:t>(...</a:t>
+            </a:r>
+            <a:r>
+              <a:rPr lang="de-AT" dirty="0" err="1">
+                <a:solidFill>
+                  <a:srgbClr val="000000"/>
+                </a:solidFill>
+                <a:latin typeface="Fira Code" panose="020B0509050000020004" pitchFamily="49" charset="0"/>
+              </a:rPr>
+              <a:t>values</a:t>
+            </a:r>
+            <a:r>
+              <a:rPr lang="de-AT" dirty="0">
+                <a:solidFill>
+                  <a:srgbClr val="000000"/>
+                </a:solidFill>
+                <a:latin typeface="Fira Code" panose="020B0509050000020004" pitchFamily="49" charset="0"/>
+              </a:rPr>
+              <a:t>: </a:t>
+            </a:r>
+            <a:r>
+              <a:rPr lang="de-AT" dirty="0" err="1">
+                <a:solidFill>
+                  <a:srgbClr val="000000"/>
+                </a:solidFill>
+                <a:latin typeface="Fira Code" panose="020B0509050000020004" pitchFamily="49" charset="0"/>
+              </a:rPr>
+              <a:t>number</a:t>
+            </a:r>
+            <a:r>
+              <a:rPr lang="de-AT" dirty="0">
+                <a:solidFill>
+                  <a:srgbClr val="000000"/>
+                </a:solidFill>
+                <a:latin typeface="Fira Code" panose="020B0509050000020004" pitchFamily="49" charset="0"/>
+              </a:rPr>
+              <a:t>[]);</a:t>
+            </a:r>
+          </a:p>
+          <a:p>
+            <a:pPr>
+              <a:spcAft>
+                <a:spcPts val="600"/>
+              </a:spcAft>
+            </a:pPr>
+            <a:r>
+              <a:rPr lang="de-AT" dirty="0" err="1">
+                <a:solidFill>
+                  <a:srgbClr val="0000FF"/>
+                </a:solidFill>
+                <a:latin typeface="Fira Code" panose="020B0509050000020004" pitchFamily="49" charset="0"/>
+              </a:rPr>
+              <a:t>const</a:t>
+            </a:r>
+            <a:r>
+              <a:rPr lang="de-AT" dirty="0">
+                <a:solidFill>
+                  <a:srgbClr val="000000"/>
+                </a:solidFill>
+                <a:latin typeface="Fira Code" panose="020B0509050000020004" pitchFamily="49" charset="0"/>
+              </a:rPr>
+              <a:t> double = x </a:t>
+            </a:r>
+            <a:r>
+              <a:rPr lang="de-AT" dirty="0">
+                <a:solidFill>
+                  <a:srgbClr val="0000FF"/>
+                </a:solidFill>
+                <a:latin typeface="Fira Code" panose="020B0509050000020004" pitchFamily="49" charset="0"/>
+              </a:rPr>
+              <a:t>=&gt;</a:t>
+            </a:r>
+            <a:r>
+              <a:rPr lang="de-AT" dirty="0">
+                <a:solidFill>
+                  <a:srgbClr val="000000"/>
+                </a:solidFill>
+                <a:latin typeface="Fira Code" panose="020B0509050000020004" pitchFamily="49" charset="0"/>
+              </a:rPr>
+              <a:t> x * </a:t>
+            </a:r>
+            <a:r>
+              <a:rPr lang="de-AT" dirty="0">
+                <a:solidFill>
+                  <a:srgbClr val="09885A"/>
+                </a:solidFill>
+                <a:latin typeface="Fira Code" panose="020B0509050000020004" pitchFamily="49" charset="0"/>
+              </a:rPr>
+              <a:t>2</a:t>
+            </a:r>
+            <a:r>
+              <a:rPr lang="de-AT" dirty="0">
+                <a:solidFill>
+                  <a:srgbClr val="000000"/>
+                </a:solidFill>
+                <a:latin typeface="Fira Code" panose="020B0509050000020004" pitchFamily="49" charset="0"/>
+              </a:rPr>
+              <a:t>;</a:t>
+            </a:r>
+          </a:p>
+        </p:txBody>
+      </p:sp>
+      <p:sp>
+        <p:nvSpPr>
+          <p:cNvPr id="8" name="Rechteck 7"/>
+          <p:cNvSpPr/>
+          <p:nvPr/>
+        </p:nvSpPr>
+        <p:spPr>
+          <a:xfrm>
+            <a:off x="5424692" y="2708119"/>
+            <a:ext cx="4655017" cy="1908215"/>
+          </a:xfrm>
+          <a:prstGeom prst="rect">
+            <a:avLst/>
+          </a:prstGeom>
+        </p:spPr>
+        <p:txBody>
+          <a:bodyPr wrap="square">
+            <a:spAutoFit/>
+          </a:bodyPr>
+          <a:lstStyle/>
+          <a:p>
+            <a:pPr algn="ctr">
+              <a:spcAft>
+                <a:spcPts val="600"/>
+              </a:spcAft>
+            </a:pPr>
+            <a:r>
+              <a:rPr lang="de-AT" dirty="0">
+                <a:solidFill>
+                  <a:srgbClr val="008000"/>
+                </a:solidFill>
+                <a:latin typeface="Fira Code" panose="020B0509050000020004" pitchFamily="49" charset="0"/>
+              </a:rPr>
+              <a:t>// === IMPURE === //</a:t>
+            </a:r>
+            <a:br>
+              <a:rPr lang="de-AT" dirty="0">
+                <a:solidFill>
+                  <a:srgbClr val="008000"/>
+                </a:solidFill>
+                <a:latin typeface="Fira Code" panose="020B0509050000020004" pitchFamily="49" charset="0"/>
+              </a:rPr>
+            </a:br>
+            <a:endParaRPr lang="de-AT" dirty="0">
+              <a:solidFill>
+                <a:srgbClr val="000000"/>
+              </a:solidFill>
+              <a:latin typeface="Fira Code" panose="020B0509050000020004" pitchFamily="49" charset="0"/>
+            </a:endParaRPr>
+          </a:p>
+          <a:p>
+            <a:pPr>
+              <a:spcAft>
+                <a:spcPts val="600"/>
+              </a:spcAft>
+            </a:pPr>
+            <a:r>
+              <a:rPr lang="de-AT" dirty="0" err="1">
+                <a:solidFill>
+                  <a:srgbClr val="000000"/>
+                </a:solidFill>
+                <a:latin typeface="Fira Code" panose="020B0509050000020004" pitchFamily="49" charset="0"/>
+              </a:rPr>
+              <a:t>Math.random</a:t>
+            </a:r>
+            <a:r>
+              <a:rPr lang="de-AT" dirty="0">
+                <a:solidFill>
+                  <a:srgbClr val="000000"/>
+                </a:solidFill>
+                <a:latin typeface="Fira Code" panose="020B0509050000020004" pitchFamily="49" charset="0"/>
+              </a:rPr>
+              <a:t>()</a:t>
+            </a:r>
+          </a:p>
+          <a:p>
+            <a:pPr>
+              <a:spcAft>
+                <a:spcPts val="600"/>
+              </a:spcAft>
+            </a:pPr>
+            <a:r>
+              <a:rPr lang="de-AT" dirty="0" err="1">
+                <a:solidFill>
+                  <a:srgbClr val="0000FF"/>
+                </a:solidFill>
+                <a:latin typeface="Fira Code" panose="020B0509050000020004" pitchFamily="49" charset="0"/>
+              </a:rPr>
+              <a:t>function</a:t>
+            </a:r>
+            <a:r>
+              <a:rPr lang="de-AT" dirty="0">
+                <a:solidFill>
+                  <a:srgbClr val="000000"/>
+                </a:solidFill>
+                <a:latin typeface="Fira Code" panose="020B0509050000020004" pitchFamily="49" charset="0"/>
+              </a:rPr>
+              <a:t> </a:t>
+            </a:r>
+            <a:r>
+              <a:rPr lang="de-AT" dirty="0" err="1">
+                <a:solidFill>
+                  <a:srgbClr val="000000"/>
+                </a:solidFill>
+                <a:latin typeface="Fira Code" panose="020B0509050000020004" pitchFamily="49" charset="0"/>
+              </a:rPr>
+              <a:t>addToCart</a:t>
+            </a:r>
+            <a:r>
+              <a:rPr lang="de-AT" dirty="0">
+                <a:solidFill>
+                  <a:srgbClr val="000000"/>
+                </a:solidFill>
+                <a:latin typeface="Fira Code" panose="020B0509050000020004" pitchFamily="49" charset="0"/>
+              </a:rPr>
+              <a:t>(item): </a:t>
+            </a:r>
+            <a:r>
+              <a:rPr lang="de-AT" dirty="0" err="1">
+                <a:solidFill>
+                  <a:srgbClr val="000000"/>
+                </a:solidFill>
+                <a:latin typeface="Fira Code" panose="020B0509050000020004" pitchFamily="49" charset="0"/>
+              </a:rPr>
+              <a:t>void</a:t>
+            </a:r>
+            <a:r>
+              <a:rPr lang="de-AT" dirty="0">
+                <a:solidFill>
+                  <a:srgbClr val="000000"/>
+                </a:solidFill>
+                <a:latin typeface="Fira Code" panose="020B0509050000020004" pitchFamily="49" charset="0"/>
+              </a:rPr>
+              <a:t> {</a:t>
+            </a:r>
+            <a:br>
+              <a:rPr lang="de-AT" dirty="0">
+                <a:solidFill>
+                  <a:srgbClr val="000000"/>
+                </a:solidFill>
+                <a:latin typeface="Fira Code" panose="020B0509050000020004" pitchFamily="49" charset="0"/>
+              </a:rPr>
+            </a:br>
+            <a:r>
+              <a:rPr lang="de-AT" dirty="0">
+                <a:solidFill>
+                  <a:srgbClr val="000000"/>
+                </a:solidFill>
+                <a:latin typeface="Fira Code" panose="020B0509050000020004" pitchFamily="49" charset="0"/>
+              </a:rPr>
+              <a:t>  </a:t>
+            </a:r>
+            <a:r>
+              <a:rPr lang="de-AT" dirty="0" err="1">
+                <a:solidFill>
+                  <a:srgbClr val="000000"/>
+                </a:solidFill>
+                <a:latin typeface="Fira Code" panose="020B0509050000020004" pitchFamily="49" charset="0"/>
+              </a:rPr>
+              <a:t>cart.add</a:t>
+            </a:r>
+            <a:r>
+              <a:rPr lang="de-AT" dirty="0">
+                <a:solidFill>
+                  <a:srgbClr val="000000"/>
+                </a:solidFill>
+                <a:latin typeface="Fira Code" panose="020B0509050000020004" pitchFamily="49" charset="0"/>
+              </a:rPr>
+              <a:t>(item);</a:t>
+            </a:r>
+            <a:br>
+              <a:rPr lang="de-AT" dirty="0">
+                <a:solidFill>
+                  <a:srgbClr val="000000"/>
+                </a:solidFill>
+                <a:latin typeface="Fira Code" panose="020B0509050000020004" pitchFamily="49" charset="0"/>
+              </a:rPr>
+            </a:br>
+            <a:r>
+              <a:rPr lang="de-AT" dirty="0">
+                <a:solidFill>
+                  <a:srgbClr val="000000"/>
+                </a:solidFill>
+                <a:latin typeface="Fira Code" panose="020B0509050000020004" pitchFamily="49" charset="0"/>
+              </a:rPr>
+              <a:t>}</a:t>
+            </a:r>
+          </a:p>
+        </p:txBody>
+      </p:sp>
+    </p:spTree>
+    <p:extLst>
+      <p:ext uri="{BB962C8B-B14F-4D97-AF65-F5344CB8AC3E}">
+        <p14:creationId xmlns:p14="http://schemas.microsoft.com/office/powerpoint/2010/main" val="3466436804"/>
+      </p:ext>
+    </p:extLst>
+  </p:cSld>
+  <p:clrMapOvr>
+    <a:masterClrMapping/>
+  </p:clrMapOvr>
+  <p:transition spd="med">
+    <p:push dir="u"/>
+  </p:transition>
   <p:timing>
     <p:tnLst>
       <p:par>
@@ -4912,9 +5558,6 @@
                     <p:cTn id="3" fill="hold">
                       <p:stCondLst>
                         <p:cond delay="indefinite"/>
-                        <p:cond evt="onBegin" delay="0">
-                          <p:tn val="2"/>
-                        </p:cond>
                       </p:stCondLst>
                       <p:childTnLst>
                         <p:par>
@@ -4924,27 +5567,51 @@
                             </p:stCondLst>
                             <p:childTnLst>
                               <p:par>
-                                <p:cTn id="5" presetID="1" presetClass="entr" presetSubtype="0" fill="hold" grpId="0" nodeType="withEffect">
+                                <p:cTn id="5" presetID="42" presetClass="path" presetSubtype="0" accel="50000" decel="50000" fill="hold" grpId="0" nodeType="clickEffect">
                                   <p:stCondLst>
                                     <p:cond delay="0"/>
                                   </p:stCondLst>
-                                  <p:iterate type="lt">
-                                    <p:tmAbs val="70"/>
-                                  </p:iterate>
+                                  <p:childTnLst>
+                                    <p:animMotion origin="layout" path="M 3.49699E-6 -3.20838E-6 L 3.49699E-6 0.3279 " pathEditMode="relative" rAng="0" ptsTypes="AA">
+                                      <p:cBhvr>
+                                        <p:cTn id="6" dur="500" fill="hold"/>
+                                        <p:tgtEl>
+                                          <p:spTgt spid="7"/>
+                                        </p:tgtEl>
+                                        <p:attrNameLst>
+                                          <p:attrName>ppt_x</p:attrName>
+                                          <p:attrName>ppt_y</p:attrName>
+                                        </p:attrNameLst>
+                                      </p:cBhvr>
+                                      <p:rCtr x="0" y="16384"/>
+                                    </p:animMotion>
+                                  </p:childTnLst>
+                                </p:cTn>
+                              </p:par>
+                            </p:childTnLst>
+                          </p:cTn>
+                        </p:par>
+                        <p:par>
+                          <p:cTn id="7" fill="hold">
+                            <p:stCondLst>
+                              <p:cond delay="500"/>
+                            </p:stCondLst>
+                            <p:childTnLst>
+                              <p:par>
+                                <p:cTn id="8" presetID="10" presetClass="entr" presetSubtype="0" fill="hold" grpId="0" nodeType="afterEffect">
+                                  <p:stCondLst>
+                                    <p:cond delay="0"/>
+                                  </p:stCondLst>
                                   <p:childTnLst>
                                     <p:set>
                                       <p:cBhvr>
-                                        <p:cTn id="6" dur="1" fill="hold">
+                                        <p:cTn id="9" dur="1" fill="hold">
                                           <p:stCondLst>
                                             <p:cond delay="0"/>
                                           </p:stCondLst>
                                         </p:cTn>
                                         <p:tgtEl>
-                                          <p:spTgt spid="3">
-                                            <p:txEl>
-                                              <p:pRg st="0" end="0"/>
-                                            </p:txEl>
-                                          </p:spTgt>
+                                          <p:spTgt spid="4"/>
                                         </p:tgtEl>
                                         <p:attrNameLst>
                                           <p:attrName>style.visibility</p:attrName>
@@ -4954,58 +5621,14 @@
                                         <p:strVal val="visible"/>
                                       </p:to>
                                     </p:set>
-                                  </p:childTnLst>
-                                </p:cTn>
-                              </p:par>
-                            </p:childTnLst>
-                          </p:cTn>
-                        </p:par>
-                      </p:childTnLst>
-                    </p:cTn>
-                  </p:par>
-                  <p:par>
-                    <p:cTn id="7" fill="hold">
-                      <p:stCondLst>
-                        <p:cond delay="indefinite"/>
-                      </p:stCondLst>
-                      <p:childTnLst>
-                        <p:par>
-                          <p:cTn id="8" fill="hold">
-                            <p:stCondLst>
-                              <p:cond delay="0"/>
-                            </p:stCondLst>
-                            <p:childTnLst>
-                              <p:par>
-                                <p:cTn id="9" presetID="1" presetClass="entr" presetSubtype="0" fill="hold" grpId="0" nodeType="clickEffect">
-                                  <p:stCondLst>
-                                    <p:cond delay="0"/>
-                                  </p:stCondLst>
-                                  <p:iterate type="lt">
-                                    <p:tmAbs val="70"/>
-                                  </p:iterate>
-                                  <p:childTnLst>
-                                    <p:set>
+                                    <p:animEffect transition="in" filter="fade">
                                       <p:cBhvr>
-                                        <p:cTn id="10" dur="1" fill="hold">
-                                          <p:stCondLst>
-                                            <p:cond delay="0"/>
-                                          </p:stCondLst>
-                                        </p:cTn>
+                                        <p:cTn id="10" dur="250"/>
                                         <p:tgtEl>
-                                          <p:spTgt spid="3">
-                                            <p:txEl>
-                                              <p:pRg st="1" end="1"/>
-                                            </p:txEl>
-                                          </p:spTgt>
+                                          <p:spTgt spid="4"/>
                                         </p:tgtEl>
-                                        <p:attrNameLst>
-                                          <p:attrName>style.visibility</p:attrName>
-                                        </p:attrNameLst>
                                       </p:cBhvr>
-                                      <p:to>
-                                        <p:strVal val="visible"/>
-                                      </p:to>
-                                    </p:set>
+                                    </p:animEffect>
                                   </p:childTnLst>
                                 </p:cTn>
                               </p:par>
@@ -5028,13 +5651,10 @@
                             </p:stCondLst>
                             <p:childTnLst>
                               <p:par>
-                                <p:cTn id="13" presetID="1" presetClass="entr" presetSubtype="0" fill="hold" grpId="0" nodeType="clickEffect">
+                                <p:cTn id="13" presetID="10" presetClass="entr" presetSubtype="0" fill="hold" grpId="0" nodeType="clickEffect">
                                   <p:stCondLst>
                                     <p:cond delay="0"/>
                                   </p:stCondLst>
-                                  <p:iterate type="lt">
-                                    <p:tmAbs val="70"/>
-                                  </p:iterate>
                                   <p:childTnLst>
                                     <p:set>
                                       <p:cBhvr>
@@ -5044,11 +5664,7 @@
                                           </p:stCondLst>
                                         </p:cTn>
                                         <p:tgtEl>
-                                          <p:spTgt spid="3">
-                                            <p:txEl>
-                                              <p:pRg st="2" end="2"/>
-                                            </p:txEl>
-                                          </p:spTgt>
+                                          <p:spTgt spid="8"/>
                                         </p:tgtEl>
                                         <p:attrNameLst>
                                           <p:attrName>style.visibility</p:attrName>
@@ -5058,58 +5674,14 @@
                                         <p:strVal val="visible"/>
                                       </p:to>
                                     </p:set>
-                                  </p:childTnLst>
-                                </p:cTn>
-                              </p:par>
-                            </p:childTnLst>
-                          </p:cTn>
-                        </p:par>
-                      </p:childTnLst>
-                    </p:cTn>
-                  </p:par>
-                  <p:par>
-                    <p:cTn id="15" fill="hold">
-                      <p:stCondLst>
-                        <p:cond delay="indefinite"/>
-                      </p:stCondLst>
-                      <p:childTnLst>
-                        <p:par>
-                          <p:cTn id="16" fill="hold">
-                            <p:stCondLst>
-                              <p:cond delay="0"/>
-                            </p:stCondLst>
-                            <p:childTnLst>
-                              <p:par>
-                                <p:cTn id="17" presetID="1" presetClass="entr" presetSubtype="0" fill="hold" grpId="0" nodeType="clickEffect">
-                                  <p:stCondLst>
-                                    <p:cond delay="0"/>
-                                  </p:stCondLst>
-                                  <p:iterate type="lt">
-                                    <p:tmAbs val="70"/>
-                                  </p:iterate>
-                                  <p:childTnLst>
-                                    <p:set>
+                                    <p:animEffect transition="in" filter="fade">
                                       <p:cBhvr>
-                                        <p:cTn id="18" dur="1" fill="hold">
-                                          <p:stCondLst>
-                                            <p:cond delay="0"/>
-                                          </p:stCondLst>
-                                        </p:cTn>
+                                        <p:cTn id="15" dur="250"/>
                                         <p:tgtEl>
-                                          <p:spTgt spid="3">
-                                            <p:txEl>
-                                              <p:pRg st="3" end="3"/>
-                                            </p:txEl>
-                                          </p:spTgt>
+                                          <p:spTgt spid="8"/>
                                         </p:tgtEl>
-                                        <p:attrNameLst>
-                                          <p:attrName>style.visibility</p:attrName>
-                                        </p:attrNameLst>
                                       </p:cBhvr>
-                                      <p:to>
-                                        <p:strVal val="visible"/>
-                                      </p:to>
-                                    </p:set>
+                                    </p:animEffect>
                                   </p:childTnLst>
                                 </p:cTn>
                               </p:par>
@@ -5141,13 +5713,325 @@
       </p:par>
     </p:tnLst>
     <p:bldLst>
-      <p:bldP spid="3" grpId="0" uiExpand="1" build="p"/>
+      <p:bldP spid="7" grpId="0"/>
+      <p:bldP spid="4" grpId="0"/>
+      <p:bldP spid="8" grpId="0"/>
     </p:bldLst>
   </p:timing>
 </p:sld>
 </file>
 
-<file path=ppt/slides/slide10.xml><?xml version="1.0" encoding="utf-8"?>
+<file path=ppt/slides/slide11.xml><?xml version="1.0" encoding="utf-8"?>
+<p:sld xmlns:a="http://schemas.openxmlformats.org/drawingml/2006/main" xmlns:r="http://schemas.openxmlformats.org/officeDocument/2006/relationships" xmlns:p="http://schemas.openxmlformats.org/presentationml/2006/main">
+  <p:cSld>
+    <p:bg>
+      <p:bgPr>
+        <a:solidFill>
+          <a:schemeClr val="tx1"/>
+        </a:solidFill>
+        <a:effectLst/>
+      </p:bgPr>
+    </p:bg>
+    <p:spTree>
+      <p:nvGrpSpPr>
+        <p:cNvPr id="1" name=""/>
+        <p:cNvGrpSpPr/>
+        <p:nvPr/>
+      </p:nvGrpSpPr>
+      <p:grpSpPr>
+        <a:xfrm>
+          <a:off x="0" y="0"/>
+          <a:ext cx="0" cy="0"/>
+          <a:chOff x="0" y="0"/>
+          <a:chExt cx="0" cy="0"/>
+        </a:xfrm>
+      </p:grpSpPr>
+      <p:pic>
+        <p:nvPicPr>
+          <p:cNvPr id="3" name="Grafik 2"/>
+          <p:cNvPicPr>
+            <a:picLocks noChangeAspect="1"/>
+          </p:cNvPicPr>
+          <p:nvPr/>
+        </p:nvPicPr>
+        <p:blipFill>
+          <a:blip r:embed="rId3">
+            <a:extLst>
+              <a:ext uri="{96DAC541-7B7A-43D3-8B79-37D633B846F1}">
+                <asvg:svgBlip xmlns:asvg="http://schemas.microsoft.com/office/drawing/2016/SVG/main" r:embed="rId4"/>
+              </a:ext>
+            </a:extLst>
+          </a:blip>
+          <a:stretch>
+            <a:fillRect/>
+          </a:stretch>
+        </p:blipFill>
+        <p:spPr>
+          <a:xfrm>
+            <a:off x="11180880" y="0"/>
+            <a:ext cx="1109276" cy="1109276"/>
+          </a:xfrm>
+          <a:prstGeom prst="rect">
+            <a:avLst/>
+          </a:prstGeom>
+        </p:spPr>
+      </p:pic>
+      <p:sp>
+        <p:nvSpPr>
+          <p:cNvPr id="2" name="idea"/>
+          <p:cNvSpPr txBox="1"/>
+          <p:nvPr/>
+        </p:nvSpPr>
+        <p:spPr>
+          <a:xfrm>
+            <a:off x="-1" y="2353161"/>
+            <a:ext cx="10799763" cy="1200329"/>
+          </a:xfrm>
+          <a:prstGeom prst="rect">
+            <a:avLst/>
+          </a:prstGeom>
+          <a:noFill/>
+        </p:spPr>
+        <p:txBody>
+          <a:bodyPr wrap="square" rtlCol="0">
+            <a:spAutoFit/>
+          </a:bodyPr>
+          <a:lstStyle/>
+          <a:p>
+            <a:pPr algn="ctr"/>
+            <a:r>
+              <a:rPr lang="en-US" sz="7200" cap="all" dirty="0">
+                <a:solidFill>
+                  <a:srgbClr val="B1F69A"/>
+                </a:solidFill>
+                <a:latin typeface="+mj-lt"/>
+              </a:rPr>
+              <a:t>FUNCTIONAL</a:t>
+            </a:r>
+            <a:endParaRPr lang="de-AT" sz="7200" cap="all" dirty="0">
+              <a:solidFill>
+                <a:srgbClr val="B1F69A"/>
+              </a:solidFill>
+              <a:latin typeface="+mj-lt"/>
+            </a:endParaRPr>
+          </a:p>
+        </p:txBody>
+      </p:sp>
+      <p:sp>
+        <p:nvSpPr>
+          <p:cNvPr id="4" name="concept"/>
+          <p:cNvSpPr txBox="1"/>
+          <p:nvPr/>
+        </p:nvSpPr>
+        <p:spPr>
+          <a:xfrm>
+            <a:off x="0" y="3553490"/>
+            <a:ext cx="10799763" cy="646331"/>
+          </a:xfrm>
+          <a:prstGeom prst="rect">
+            <a:avLst/>
+          </a:prstGeom>
+          <a:noFill/>
+        </p:spPr>
+        <p:txBody>
+          <a:bodyPr wrap="square" rtlCol="0">
+            <a:spAutoFit/>
+          </a:bodyPr>
+          <a:lstStyle/>
+          <a:p>
+            <a:pPr algn="ctr"/>
+            <a:r>
+              <a:rPr lang="en-US" sz="3600" cap="all" dirty="0">
+                <a:solidFill>
+                  <a:srgbClr val="6DDDC6"/>
+                </a:solidFill>
+                <a:latin typeface="+mj-lt"/>
+              </a:rPr>
+              <a:t>purity</a:t>
+            </a:r>
+            <a:endParaRPr lang="de-AT" sz="3600" cap="all" dirty="0">
+              <a:solidFill>
+                <a:srgbClr val="6DDDC6"/>
+              </a:solidFill>
+              <a:latin typeface="+mj-lt"/>
+            </a:endParaRPr>
+          </a:p>
+        </p:txBody>
+      </p:sp>
+      <p:sp>
+        <p:nvSpPr>
+          <p:cNvPr id="5" name="motivation"/>
+          <p:cNvSpPr txBox="1"/>
+          <p:nvPr/>
+        </p:nvSpPr>
+        <p:spPr>
+          <a:xfrm>
+            <a:off x="0" y="4199821"/>
+            <a:ext cx="10799763" cy="646331"/>
+          </a:xfrm>
+          <a:prstGeom prst="rect">
+            <a:avLst/>
+          </a:prstGeom>
+          <a:noFill/>
+        </p:spPr>
+        <p:txBody>
+          <a:bodyPr wrap="square" rtlCol="0">
+            <a:spAutoFit/>
+          </a:bodyPr>
+          <a:lstStyle/>
+          <a:p>
+            <a:pPr algn="ctr"/>
+            <a:r>
+              <a:rPr lang="en-US" sz="3600" cap="all" dirty="0">
+                <a:solidFill>
+                  <a:srgbClr val="51D3D9"/>
+                </a:solidFill>
+                <a:latin typeface="+mj-lt"/>
+              </a:rPr>
+              <a:t>declarative</a:t>
+            </a:r>
+            <a:endParaRPr lang="de-AT" sz="3600" cap="all" dirty="0">
+              <a:solidFill>
+                <a:srgbClr val="51D3D9"/>
+              </a:solidFill>
+              <a:latin typeface="+mj-lt"/>
+            </a:endParaRPr>
+          </a:p>
+        </p:txBody>
+      </p:sp>
+      <p:pic>
+        <p:nvPicPr>
+          <p:cNvPr id="6" name="Grafik 5"/>
+          <p:cNvPicPr>
+            <a:picLocks noChangeAspect="1"/>
+          </p:cNvPicPr>
+          <p:nvPr/>
+        </p:nvPicPr>
+        <p:blipFill>
+          <a:blip r:embed="rId3">
+            <a:extLst>
+              <a:ext uri="{96DAC541-7B7A-43D3-8B79-37D633B846F1}">
+                <asvg:svgBlip xmlns:asvg="http://schemas.microsoft.com/office/drawing/2016/SVG/main" r:embed="rId4"/>
+              </a:ext>
+            </a:extLst>
+          </a:blip>
+          <a:stretch>
+            <a:fillRect/>
+          </a:stretch>
+        </p:blipFill>
+        <p:spPr>
+          <a:xfrm>
+            <a:off x="5224254" y="6666815"/>
+            <a:ext cx="345600" cy="345600"/>
+          </a:xfrm>
+          <a:prstGeom prst="rect">
+            <a:avLst/>
+          </a:prstGeom>
+        </p:spPr>
+      </p:pic>
+    </p:spTree>
+    <p:extLst>
+      <p:ext uri="{BB962C8B-B14F-4D97-AF65-F5344CB8AC3E}">
+        <p14:creationId xmlns:p14="http://schemas.microsoft.com/office/powerpoint/2010/main" val="2228925781"/>
+      </p:ext>
+    </p:extLst>
+  </p:cSld>
+  <p:clrMapOvr>
+    <a:masterClrMapping/>
+  </p:clrMapOvr>
+  <p:transition spd="med">
+    <p:push dir="u"/>
+  </p:transition>
+  <p:timing>
+    <p:tnLst>
+      <p:par>
+        <p:cTn id="1" dur="indefinite" restart="never" nodeType="tmRoot">
+          <p:childTnLst>
+            <p:seq concurrent="1" nextAc="seek">
+              <p:cTn id="2" dur="indefinite" nodeType="mainSeq">
+                <p:childTnLst>
+                  <p:par>
+                    <p:cTn id="3" fill="hold">
+                      <p:stCondLst>
+                        <p:cond delay="indefinite"/>
+                      </p:stCondLst>
+                      <p:childTnLst>
+                        <p:par>
+                          <p:cTn id="4" fill="hold">
+                            <p:stCondLst>
+                              <p:cond delay="0"/>
+                            </p:stCondLst>
+                            <p:childTnLst>
+                              <p:par>
+                                <p:cTn id="5" presetID="10" presetClass="entr" presetSubtype="0" fill="hold" grpId="0" nodeType="clickEffect">
+                                  <p:stCondLst>
+                                    <p:cond delay="0"/>
+                                  </p:stCondLst>
+                                  <p:childTnLst>
+                                    <p:set>
+                                      <p:cBhvr>
+                                        <p:cTn id="6" dur="1" fill="hold">
+                                          <p:stCondLst>
+                                            <p:cond delay="0"/>
+                                          </p:stCondLst>
+                                        </p:cTn>
+                                        <p:tgtEl>
+                                          <p:spTgt spid="5"/>
+                                        </p:tgtEl>
+                                        <p:attrNameLst>
+                                          <p:attrName>style.visibility</p:attrName>
+                                        </p:attrNameLst>
+                                      </p:cBhvr>
+                                      <p:to>
+                                        <p:strVal val="visible"/>
+                                      </p:to>
+                                    </p:set>
+                                    <p:animEffect transition="in" filter="fade">
+                                      <p:cBhvr>
+                                        <p:cTn id="7" dur="250"/>
+                                        <p:tgtEl>
+                                          <p:spTgt spid="5"/>
+                                        </p:tgtEl>
+                                      </p:cBhvr>
+                                    </p:animEffect>
+                                  </p:childTnLst>
+                                </p:cTn>
+                              </p:par>
+                            </p:childTnLst>
+                          </p:cTn>
+                        </p:par>
+                      </p:childTnLst>
+                    </p:cTn>
+                  </p:par>
+                </p:childTnLst>
+              </p:cTn>
+              <p:prevCondLst>
+                <p:cond evt="onPrev" delay="0">
+                  <p:tgtEl>
+                    <p:sldTgt/>
+                  </p:tgtEl>
+                </p:cond>
+              </p:prevCondLst>
+              <p:nextCondLst>
+                <p:cond evt="onNext" delay="0">
+                  <p:tgtEl>
+                    <p:sldTgt/>
+                  </p:tgtEl>
+                </p:cond>
+              </p:nextCondLst>
+            </p:seq>
+          </p:childTnLst>
+        </p:cTn>
+      </p:par>
+    </p:tnLst>
+    <p:bldLst>
+      <p:bldP spid="5" grpId="0"/>
+    </p:bldLst>
+  </p:timing>
+</p:sld>
+</file>
+
+<file path=ppt/slides/slide12.xml><?xml version="1.0" encoding="utf-8"?>
 <p:sld xmlns:a="http://schemas.openxmlformats.org/drawingml/2006/main" xmlns:r="http://schemas.openxmlformats.org/officeDocument/2006/relationships" xmlns:p="http://schemas.openxmlformats.org/presentationml/2006/main">
   <p:cSld>
     <p:spTree>
@@ -5233,11 +6117,29 @@
                 </a:solidFill>
                 <a:latin typeface="Fira Code" panose="020B0509050000020004" pitchFamily="49" charset="0"/>
               </a:rPr>
-              <a:t>"Angular"</a:t>
+              <a:t>"</a:t>
+            </a:r>
+            <a:r>
+              <a:rPr lang="de-AT" dirty="0" err="1">
+                <a:solidFill>
+                  <a:srgbClr val="A31515"/>
+                </a:solidFill>
+                <a:latin typeface="Fira Code" panose="020B0509050000020004" pitchFamily="49" charset="0"/>
+              </a:rPr>
+              <a:t>React</a:t>
             </a:r>
             <a:r>
               <a:rPr lang="de-AT" dirty="0">
                 <a:solidFill>
+                  <a:srgbClr val="A31515"/>
+                </a:solidFill>
+                <a:latin typeface="Fira Code" panose="020B0509050000020004" pitchFamily="49" charset="0"/>
+              </a:rPr>
+              <a:t>"</a:t>
+            </a:r>
+            <a:r>
+              <a:rPr lang="de-AT" dirty="0">
+                <a:solidFill>
                   <a:srgbClr val="000000"/>
                 </a:solidFill>
                 <a:latin typeface="Fira Code" panose="020B0509050000020004" pitchFamily="49" charset="0"/>
@@ -5251,25 +6153,7 @@
                 </a:solidFill>
                 <a:latin typeface="Fira Code" panose="020B0509050000020004" pitchFamily="49" charset="0"/>
               </a:rPr>
-              <a:t>"</a:t>
-            </a:r>
-            <a:r>
-              <a:rPr lang="de-AT" dirty="0" err="1">
-                <a:solidFill>
-                  <a:srgbClr val="A31515"/>
-                </a:solidFill>
-                <a:latin typeface="Fira Code" panose="020B0509050000020004" pitchFamily="49" charset="0"/>
-              </a:rPr>
-              <a:t>Vue</a:t>
-            </a:r>
-            <a:r>
-              <a:rPr lang="de-AT" dirty="0">
-                <a:solidFill>
-                  <a:srgbClr val="A31515"/>
-                </a:solidFill>
-                <a:latin typeface="Fira Code" panose="020B0509050000020004" pitchFamily="49" charset="0"/>
-              </a:rPr>
-              <a:t>"</a:t>
+              <a:t>"Cycle"</a:t>
             </a:r>
             <a:r>
               <a:rPr lang="de-AT" dirty="0">
@@ -5370,7 +6254,7 @@
                 </a:solidFill>
                 <a:latin typeface="Fira Code" panose="020B0509050000020004" pitchFamily="49" charset="0"/>
               </a:rPr>
-              <a:t>// ["Angular.js", "Vue.js", "Covfefe.js"]</a:t>
+              <a:t>// ["React.js", "Cycle.js", "Covfefe.js"]</a:t>
             </a:r>
             <a:endParaRPr lang="de-AT" dirty="0">
               <a:solidFill>
@@ -6391,7 +7275,7 @@
 </p:sld>
 </file>
 
-<file path=ppt/slides/slide11.xml><?xml version="1.0" encoding="utf-8"?>
+<file path=ppt/slides/slide13.xml><?xml version="1.0" encoding="utf-8"?>
 <p:sld xmlns:a="http://schemas.openxmlformats.org/drawingml/2006/main" xmlns:r="http://schemas.openxmlformats.org/officeDocument/2006/relationships" xmlns:p="http://schemas.openxmlformats.org/presentationml/2006/main">
   <p:cSld>
     <p:spTree>
@@ -6617,6 +7501,36 @@
       </p:pic>
       <p:pic>
         <p:nvPicPr>
+          <p:cNvPr id="29" name="Grafik 28"/>
+          <p:cNvPicPr>
+            <a:picLocks noChangeAspect="1"/>
+          </p:cNvPicPr>
+          <p:nvPr/>
+        </p:nvPicPr>
+        <p:blipFill>
+          <a:blip r:embed="rId4">
+            <a:extLst>
+              <a:ext uri="{28A0092B-C50C-407E-A947-70E740481C1C}">
+                <a14:useLocalDpi xmlns:a14="http://schemas.microsoft.com/office/drawing/2010/main" val="0"/>
+              </a:ext>
+            </a:extLst>
+          </a:blip>
+          <a:stretch>
+            <a:fillRect/>
+          </a:stretch>
+        </p:blipFill>
+        <p:spPr>
+          <a:xfrm>
+            <a:off x="11419168" y="4111635"/>
+            <a:ext cx="5760000" cy="1749334"/>
+          </a:xfrm>
+          <a:prstGeom prst="rect">
+            <a:avLst/>
+          </a:prstGeom>
+        </p:spPr>
+      </p:pic>
+      <p:pic>
+        <p:nvPicPr>
           <p:cNvPr id="10" name="Grafik 9"/>
           <p:cNvPicPr>
             <a:picLocks noChangeAspect="1"/>
@@ -6624,7 +7538,7 @@
           <p:nvPr/>
         </p:nvPicPr>
         <p:blipFill>
-          <a:blip r:embed="rId4">
+          <a:blip r:embed="rId5">
             <a:extLst>
               <a:ext uri="{28A0092B-C50C-407E-A947-70E740481C1C}">
                 <a14:useLocalDpi xmlns:a14="http://schemas.microsoft.com/office/drawing/2010/main" val="0"/>
@@ -6647,7 +7561,7 @@
       </p:pic>
       <mc:AlternateContent xmlns:mc="http://schemas.openxmlformats.org/markup-compatibility/2006" xmlns:p14="http://schemas.microsoft.com/office/powerpoint/2010/main">
         <mc:Choice Requires="p14">
-          <p:contentPart p14:bwMode="auto" r:id="rId5">
+          <p:contentPart p14:bwMode="auto" r:id="rId6">
             <p14:nvContentPartPr>
               <p14:cNvPr id="15" name="Freihand 14"/>
               <p14:cNvContentPartPr/>
@@ -6836,7 +7750,7 @@
 </p:sld>
 </file>
 
-<file path=ppt/slides/slide12.xml><?xml version="1.0" encoding="utf-8"?>
+<file path=ppt/slides/slide14.xml><?xml version="1.0" encoding="utf-8"?>
 <p:sld xmlns:a="http://schemas.openxmlformats.org/drawingml/2006/main" xmlns:r="http://schemas.openxmlformats.org/officeDocument/2006/relationships" xmlns:p="http://schemas.openxmlformats.org/presentationml/2006/main">
   <p:cSld>
     <p:bg>
@@ -6861,6 +7775,36 @@
           <a:chExt cx="0" cy="0"/>
         </a:xfrm>
       </p:grpSpPr>
+      <p:pic>
+        <p:nvPicPr>
+          <p:cNvPr id="3" name="Grafik 2"/>
+          <p:cNvPicPr>
+            <a:picLocks noChangeAspect="1"/>
+          </p:cNvPicPr>
+          <p:nvPr/>
+        </p:nvPicPr>
+        <p:blipFill>
+          <a:blip r:embed="rId3">
+            <a:extLst>
+              <a:ext uri="{96DAC541-7B7A-43D3-8B79-37D633B846F1}">
+                <asvg:svgBlip xmlns:asvg="http://schemas.microsoft.com/office/drawing/2016/SVG/main" r:embed="rId4"/>
+              </a:ext>
+            </a:extLst>
+          </a:blip>
+          <a:stretch>
+            <a:fillRect/>
+          </a:stretch>
+        </p:blipFill>
+        <p:spPr>
+          <a:xfrm>
+            <a:off x="11180880" y="0"/>
+            <a:ext cx="1109276" cy="1109276"/>
+          </a:xfrm>
+          <a:prstGeom prst="rect">
+            <a:avLst/>
+          </a:prstGeom>
+        </p:spPr>
+      </p:pic>
       <p:sp>
         <p:nvSpPr>
           <p:cNvPr id="2" name="idea"/>
@@ -7132,7 +8076,7 @@
 </p:sld>
 </file>
 
-<file path=ppt/slides/slide13.xml><?xml version="1.0" encoding="utf-8"?>
+<file path=ppt/slides/slide15.xml><?xml version="1.0" encoding="utf-8"?>
 <p:sld xmlns:a="http://schemas.openxmlformats.org/drawingml/2006/main" xmlns:r="http://schemas.openxmlformats.org/officeDocument/2006/relationships" xmlns:p="http://schemas.openxmlformats.org/presentationml/2006/main">
   <p:cSld>
     <p:spTree>
@@ -7459,6 +8403,305 @@
               <a:t> in Twitter</a:t>
             </a:r>
             <a:endParaRPr lang="de-AT" dirty="0"/>
+          </a:p>
+        </p:txBody>
+      </p:sp>
+      <p:sp>
+        <p:nvSpPr>
+          <p:cNvPr id="17" name="Rechteck 16"/>
+          <p:cNvSpPr/>
+          <p:nvPr/>
+        </p:nvSpPr>
+        <p:spPr>
+          <a:xfrm>
+            <a:off x="11427442" y="1069571"/>
+            <a:ext cx="3600000" cy="1169551"/>
+          </a:xfrm>
+          <a:prstGeom prst="rect">
+            <a:avLst/>
+          </a:prstGeom>
+        </p:spPr>
+        <p:txBody>
+          <a:bodyPr wrap="square">
+            <a:spAutoFit/>
+          </a:bodyPr>
+          <a:lstStyle/>
+          <a:p>
+            <a:r>
+              <a:rPr lang="de-AT" sz="1400" dirty="0" err="1">
+                <a:solidFill>
+                  <a:srgbClr val="0000FF"/>
+                </a:solidFill>
+                <a:latin typeface="Fira Code" panose="020B0509050000020004" pitchFamily="49" charset="0"/>
+              </a:rPr>
+              <a:t>function</a:t>
+            </a:r>
+            <a:r>
+              <a:rPr lang="de-AT" sz="1400" dirty="0">
+                <a:solidFill>
+                  <a:srgbClr val="000000"/>
+                </a:solidFill>
+                <a:latin typeface="Fira Code" panose="020B0509050000020004" pitchFamily="49" charset="0"/>
+              </a:rPr>
+              <a:t> </a:t>
+            </a:r>
+            <a:r>
+              <a:rPr lang="de-AT" sz="1400" dirty="0" err="1">
+                <a:solidFill>
+                  <a:srgbClr val="000000"/>
+                </a:solidFill>
+                <a:latin typeface="Fira Code" panose="020B0509050000020004" pitchFamily="49" charset="0"/>
+              </a:rPr>
+              <a:t>onNetworkRequest</a:t>
+            </a:r>
+            <a:r>
+              <a:rPr lang="de-AT" sz="1400" dirty="0">
+                <a:solidFill>
+                  <a:srgbClr val="000000"/>
+                </a:solidFill>
+                <a:latin typeface="Fira Code" panose="020B0509050000020004" pitchFamily="49" charset="0"/>
+              </a:rPr>
+              <a:t>() {</a:t>
+            </a:r>
+          </a:p>
+          <a:p>
+            <a:r>
+              <a:rPr lang="de-AT" sz="1400" dirty="0">
+                <a:solidFill>
+                  <a:srgbClr val="008000"/>
+                </a:solidFill>
+                <a:latin typeface="Fira Code" panose="020B0509050000020004" pitchFamily="49" charset="0"/>
+              </a:rPr>
+              <a:t>  // ...</a:t>
+            </a:r>
+            <a:endParaRPr lang="de-AT" sz="1400" dirty="0">
+              <a:solidFill>
+                <a:srgbClr val="000000"/>
+              </a:solidFill>
+              <a:latin typeface="Fira Code" panose="020B0509050000020004" pitchFamily="49" charset="0"/>
+            </a:endParaRPr>
+          </a:p>
+          <a:p>
+            <a:r>
+              <a:rPr lang="de-AT" sz="1400" dirty="0">
+                <a:solidFill>
+                  <a:srgbClr val="000000"/>
+                </a:solidFill>
+                <a:latin typeface="Fira Code" panose="020B0509050000020004" pitchFamily="49" charset="0"/>
+              </a:rPr>
+              <a:t>  </a:t>
+            </a:r>
+            <a:r>
+              <a:rPr lang="de-AT" sz="1400" dirty="0" err="1">
+                <a:solidFill>
+                  <a:srgbClr val="000000"/>
+                </a:solidFill>
+                <a:latin typeface="Fira Code" panose="020B0509050000020004" pitchFamily="49" charset="0"/>
+              </a:rPr>
+              <a:t>Bar.incrementCounter</a:t>
+            </a:r>
+            <a:r>
+              <a:rPr lang="de-AT" sz="1400" dirty="0">
+                <a:solidFill>
+                  <a:srgbClr val="000000"/>
+                </a:solidFill>
+                <a:latin typeface="Fira Code" panose="020B0509050000020004" pitchFamily="49" charset="0"/>
+              </a:rPr>
+              <a:t>();</a:t>
+            </a:r>
+          </a:p>
+          <a:p>
+            <a:r>
+              <a:rPr lang="de-AT" sz="1400" dirty="0">
+                <a:solidFill>
+                  <a:srgbClr val="008000"/>
+                </a:solidFill>
+                <a:latin typeface="Fira Code" panose="020B0509050000020004" pitchFamily="49" charset="0"/>
+              </a:rPr>
+              <a:t>  // ...</a:t>
+            </a:r>
+            <a:endParaRPr lang="de-AT" sz="1400" dirty="0">
+              <a:solidFill>
+                <a:srgbClr val="000000"/>
+              </a:solidFill>
+              <a:latin typeface="Fira Code" panose="020B0509050000020004" pitchFamily="49" charset="0"/>
+            </a:endParaRPr>
+          </a:p>
+          <a:p>
+            <a:r>
+              <a:rPr lang="de-AT" sz="1400" dirty="0">
+                <a:solidFill>
+                  <a:srgbClr val="000000"/>
+                </a:solidFill>
+                <a:latin typeface="Fira Code" panose="020B0509050000020004" pitchFamily="49" charset="0"/>
+              </a:rPr>
+              <a:t>}</a:t>
+            </a:r>
+            <a:endParaRPr lang="de-AT" sz="1400" b="0" dirty="0">
+              <a:solidFill>
+                <a:srgbClr val="000000"/>
+              </a:solidFill>
+              <a:effectLst/>
+              <a:latin typeface="Fira Code" panose="020B0509050000020004" pitchFamily="49" charset="0"/>
+            </a:endParaRPr>
+          </a:p>
+        </p:txBody>
+      </p:sp>
+      <p:sp>
+        <p:nvSpPr>
+          <p:cNvPr id="18" name="Rechteck 17"/>
+          <p:cNvSpPr/>
+          <p:nvPr/>
+        </p:nvSpPr>
+        <p:spPr>
+          <a:xfrm>
+            <a:off x="11427442" y="2421241"/>
+            <a:ext cx="4547495" cy="738664"/>
+          </a:xfrm>
+          <a:prstGeom prst="rect">
+            <a:avLst/>
+          </a:prstGeom>
+        </p:spPr>
+        <p:txBody>
+          <a:bodyPr wrap="square">
+            <a:spAutoFit/>
+          </a:bodyPr>
+          <a:lstStyle/>
+          <a:p>
+            <a:r>
+              <a:rPr lang="de-AT" sz="1400" dirty="0" err="1">
+                <a:solidFill>
+                  <a:srgbClr val="000000"/>
+                </a:solidFill>
+                <a:latin typeface="Fira Code" panose="020B0509050000020004" pitchFamily="49" charset="0"/>
+              </a:rPr>
+              <a:t>Foo.addOnNetworkRequestListener</a:t>
+            </a:r>
+            <a:r>
+              <a:rPr lang="de-AT" sz="1400" dirty="0">
+                <a:solidFill>
+                  <a:srgbClr val="000000"/>
+                </a:solidFill>
+                <a:latin typeface="Fira Code" panose="020B0509050000020004" pitchFamily="49" charset="0"/>
+              </a:rPr>
+              <a:t>(() </a:t>
+            </a:r>
+            <a:r>
+              <a:rPr lang="de-AT" sz="1400" dirty="0">
+                <a:solidFill>
+                  <a:srgbClr val="0000FF"/>
+                </a:solidFill>
+                <a:latin typeface="Fira Code" panose="020B0509050000020004" pitchFamily="49" charset="0"/>
+              </a:rPr>
+              <a:t>=&gt;</a:t>
+            </a:r>
+            <a:r>
+              <a:rPr lang="de-AT" sz="1400" dirty="0">
+                <a:solidFill>
+                  <a:srgbClr val="000000"/>
+                </a:solidFill>
+                <a:latin typeface="Fira Code" panose="020B0509050000020004" pitchFamily="49" charset="0"/>
+              </a:rPr>
+              <a:t> {</a:t>
+            </a:r>
+          </a:p>
+          <a:p>
+            <a:r>
+              <a:rPr lang="de-AT" sz="1400" dirty="0">
+                <a:solidFill>
+                  <a:srgbClr val="000000"/>
+                </a:solidFill>
+                <a:latin typeface="Fira Code" panose="020B0509050000020004" pitchFamily="49" charset="0"/>
+              </a:rPr>
+              <a:t>  </a:t>
+            </a:r>
+            <a:r>
+              <a:rPr lang="de-AT" sz="1400" dirty="0" err="1">
+                <a:solidFill>
+                  <a:srgbClr val="000000"/>
+                </a:solidFill>
+                <a:latin typeface="Fira Code" panose="020B0509050000020004" pitchFamily="49" charset="0"/>
+              </a:rPr>
+              <a:t>self.incrementCounter</a:t>
+            </a:r>
+            <a:r>
+              <a:rPr lang="de-AT" sz="1400" dirty="0">
+                <a:solidFill>
+                  <a:srgbClr val="000000"/>
+                </a:solidFill>
+                <a:latin typeface="Fira Code" panose="020B0509050000020004" pitchFamily="49" charset="0"/>
+              </a:rPr>
+              <a:t>(); </a:t>
+            </a:r>
+            <a:r>
+              <a:rPr lang="de-AT" sz="1400" dirty="0">
+                <a:solidFill>
+                  <a:srgbClr val="008000"/>
+                </a:solidFill>
+                <a:latin typeface="Fira Code" panose="020B0509050000020004" pitchFamily="49" charset="0"/>
+              </a:rPr>
+              <a:t>// </a:t>
+            </a:r>
+            <a:r>
+              <a:rPr lang="de-AT" sz="1400" dirty="0" err="1">
+                <a:solidFill>
+                  <a:srgbClr val="008000"/>
+                </a:solidFill>
+                <a:latin typeface="Fira Code" panose="020B0509050000020004" pitchFamily="49" charset="0"/>
+              </a:rPr>
+              <a:t>self</a:t>
+            </a:r>
+            <a:r>
+              <a:rPr lang="de-AT" sz="1400" dirty="0">
+                <a:solidFill>
+                  <a:srgbClr val="008000"/>
+                </a:solidFill>
+                <a:latin typeface="Fira Code" panose="020B0509050000020004" pitchFamily="49" charset="0"/>
+              </a:rPr>
+              <a:t> </a:t>
+            </a:r>
+            <a:r>
+              <a:rPr lang="de-AT" sz="1400" dirty="0" err="1">
+                <a:solidFill>
+                  <a:srgbClr val="008000"/>
+                </a:solidFill>
+                <a:latin typeface="Fira Code" panose="020B0509050000020004" pitchFamily="49" charset="0"/>
+              </a:rPr>
+              <a:t>is</a:t>
+            </a:r>
+            <a:r>
+              <a:rPr lang="de-AT" sz="1400" dirty="0">
+                <a:solidFill>
+                  <a:srgbClr val="008000"/>
+                </a:solidFill>
+                <a:latin typeface="Fira Code" panose="020B0509050000020004" pitchFamily="49" charset="0"/>
+              </a:rPr>
+              <a:t> Bar</a:t>
+            </a:r>
+            <a:endParaRPr lang="de-AT" sz="1400" dirty="0">
+              <a:solidFill>
+                <a:srgbClr val="000000"/>
+              </a:solidFill>
+              <a:latin typeface="Fira Code" panose="020B0509050000020004" pitchFamily="49" charset="0"/>
+            </a:endParaRPr>
+          </a:p>
+          <a:p>
+            <a:r>
+              <a:rPr lang="de-AT" sz="1400" dirty="0">
+                <a:solidFill>
+                  <a:srgbClr val="000000"/>
+                </a:solidFill>
+                <a:latin typeface="Fira Code" panose="020B0509050000020004" pitchFamily="49" charset="0"/>
+              </a:rPr>
+              <a:t>});</a:t>
+            </a:r>
+            <a:endParaRPr lang="de-AT" sz="1400" b="0" dirty="0">
+              <a:solidFill>
+                <a:srgbClr val="000000"/>
+              </a:solidFill>
+              <a:effectLst/>
+              <a:latin typeface="Fira Code" panose="020B0509050000020004" pitchFamily="49" charset="0"/>
+            </a:endParaRPr>
           </a:p>
         </p:txBody>
       </p:sp>
@@ -9133,7 +10376,7 @@
 </p:sld>
 </file>
 
-<file path=ppt/slides/slide14.xml><?xml version="1.0" encoding="utf-8"?>
+<file path=ppt/slides/slide16.xml><?xml version="1.0" encoding="utf-8"?>
 <p:sld xmlns:a="http://schemas.openxmlformats.org/drawingml/2006/main" xmlns:r="http://schemas.openxmlformats.org/officeDocument/2006/relationships" xmlns:p="http://schemas.openxmlformats.org/presentationml/2006/main">
   <p:cSld>
     <p:bg>
@@ -9158,6 +10401,36 @@
           <a:chExt cx="0" cy="0"/>
         </a:xfrm>
       </p:grpSpPr>
+      <p:pic>
+        <p:nvPicPr>
+          <p:cNvPr id="3" name="Grafik 2"/>
+          <p:cNvPicPr>
+            <a:picLocks noChangeAspect="1"/>
+          </p:cNvPicPr>
+          <p:nvPr/>
+        </p:nvPicPr>
+        <p:blipFill>
+          <a:blip r:embed="rId3">
+            <a:extLst>
+              <a:ext uri="{96DAC541-7B7A-43D3-8B79-37D633B846F1}">
+                <asvg:svgBlip xmlns:asvg="http://schemas.microsoft.com/office/drawing/2016/SVG/main" r:embed="rId4"/>
+              </a:ext>
+            </a:extLst>
+          </a:blip>
+          <a:stretch>
+            <a:fillRect/>
+          </a:stretch>
+        </p:blipFill>
+        <p:spPr>
+          <a:xfrm>
+            <a:off x="11180880" y="0"/>
+            <a:ext cx="1109276" cy="1109276"/>
+          </a:xfrm>
+          <a:prstGeom prst="rect">
+            <a:avLst/>
+          </a:prstGeom>
+        </p:spPr>
+      </p:pic>
       <p:sp>
         <p:nvSpPr>
           <p:cNvPr id="2" name="idea"/>
@@ -9413,7 +10686,7 @@
 </p:sld>
 </file>
 
-<file path=ppt/slides/slide15.xml><?xml version="1.0" encoding="utf-8"?>
+<file path=ppt/slides/slide17.xml><?xml version="1.0" encoding="utf-8"?>
 <p:sld xmlns:a="http://schemas.openxmlformats.org/drawingml/2006/main" xmlns:r="http://schemas.openxmlformats.org/officeDocument/2006/relationships" xmlns:p="http://schemas.openxmlformats.org/presentationml/2006/main">
   <p:cSld>
     <p:bg>
@@ -9498,1283 +10771,7 @@
 </p:sld>
 </file>
 
-<file path=ppt/slides/slide16.xml><?xml version="1.0" encoding="utf-8"?>
-<p:sld xmlns:a="http://schemas.openxmlformats.org/drawingml/2006/main" xmlns:r="http://schemas.openxmlformats.org/officeDocument/2006/relationships" xmlns:p="http://schemas.openxmlformats.org/presentationml/2006/main">
-  <p:cSld>
-    <p:spTree>
-      <p:nvGrpSpPr>
-        <p:cNvPr id="1" name=""/>
-        <p:cNvGrpSpPr/>
-        <p:nvPr/>
-      </p:nvGrpSpPr>
-      <p:grpSpPr>
-        <a:xfrm>
-          <a:off x="0" y="0"/>
-          <a:ext cx="0" cy="0"/>
-          <a:chOff x="0" y="0"/>
-          <a:chExt cx="0" cy="0"/>
-        </a:xfrm>
-      </p:grpSpPr>
-      <p:sp>
-        <p:nvSpPr>
-          <p:cNvPr id="3" name="Titel 2"/>
-          <p:cNvSpPr>
-            <a:spLocks noGrp="1"/>
-          </p:cNvSpPr>
-          <p:nvPr>
-            <p:ph type="title"/>
-          </p:nvPr>
-        </p:nvSpPr>
-        <p:spPr>
-          <a:xfrm>
-            <a:off x="742484" y="383299"/>
-            <a:ext cx="9314796" cy="1391534"/>
-          </a:xfrm>
-        </p:spPr>
-        <p:txBody>
-          <a:bodyPr>
-            <a:normAutofit/>
-          </a:bodyPr>
-          <a:lstStyle/>
-          <a:p>
-            <a:pPr algn="ctr"/>
-            <a:r>
-              <a:rPr lang="en-US" sz="5400" cap="all" dirty="0"/>
-              <a:t>Streams/Observables</a:t>
-            </a:r>
-            <a:endParaRPr lang="de-AT" cap="all" dirty="0"/>
-          </a:p>
-        </p:txBody>
-      </p:sp>
-      <p:sp>
-        <p:nvSpPr>
-          <p:cNvPr id="4" name="Rechteck 3"/>
-          <p:cNvSpPr/>
-          <p:nvPr/>
-        </p:nvSpPr>
-        <p:spPr>
-          <a:xfrm>
-            <a:off x="1184041" y="1774833"/>
-            <a:ext cx="8431680" cy="4770537"/>
-          </a:xfrm>
-          <a:prstGeom prst="rect">
-            <a:avLst/>
-          </a:prstGeom>
-        </p:spPr>
-        <p:txBody>
-          <a:bodyPr wrap="square">
-            <a:spAutoFit/>
-          </a:bodyPr>
-          <a:lstStyle/>
-          <a:p>
-            <a:r>
-              <a:rPr lang="de-AT" sz="1600" dirty="0" err="1">
-                <a:solidFill>
-                  <a:srgbClr val="0000FF"/>
-                </a:solidFill>
-                <a:latin typeface="Fira Code" panose="020B0509050000020004" pitchFamily="49" charset="0"/>
-              </a:rPr>
-              <a:t>import</a:t>
-            </a:r>
-            <a:r>
-              <a:rPr lang="de-AT" sz="1600" dirty="0">
-                <a:solidFill>
-                  <a:srgbClr val="000000"/>
-                </a:solidFill>
-                <a:latin typeface="Fira Code" panose="020B0509050000020004" pitchFamily="49" charset="0"/>
-              </a:rPr>
-              <a:t> </a:t>
-            </a:r>
-            <a:r>
-              <a:rPr lang="de-AT" sz="1600" dirty="0">
-                <a:solidFill>
-                  <a:srgbClr val="0000FF"/>
-                </a:solidFill>
-                <a:latin typeface="Fira Code" panose="020B0509050000020004" pitchFamily="49" charset="0"/>
-              </a:rPr>
-              <a:t>*</a:t>
-            </a:r>
-            <a:r>
-              <a:rPr lang="de-AT" sz="1600" dirty="0">
-                <a:solidFill>
-                  <a:srgbClr val="000000"/>
-                </a:solidFill>
-                <a:latin typeface="Fira Code" panose="020B0509050000020004" pitchFamily="49" charset="0"/>
-              </a:rPr>
-              <a:t> </a:t>
-            </a:r>
-            <a:r>
-              <a:rPr lang="de-AT" sz="1600" dirty="0" err="1">
-                <a:solidFill>
-                  <a:srgbClr val="0000FF"/>
-                </a:solidFill>
-                <a:latin typeface="Fira Code" panose="020B0509050000020004" pitchFamily="49" charset="0"/>
-              </a:rPr>
-              <a:t>as</a:t>
-            </a:r>
-            <a:r>
-              <a:rPr lang="de-AT" sz="1600" dirty="0">
-                <a:solidFill>
-                  <a:srgbClr val="000000"/>
-                </a:solidFill>
-                <a:latin typeface="Fira Code" panose="020B0509050000020004" pitchFamily="49" charset="0"/>
-              </a:rPr>
-              <a:t> </a:t>
-            </a:r>
-            <a:r>
-              <a:rPr lang="de-AT" sz="1600" dirty="0" err="1">
-                <a:solidFill>
-                  <a:srgbClr val="000000"/>
-                </a:solidFill>
-                <a:latin typeface="Fira Code" panose="020B0509050000020004" pitchFamily="49" charset="0"/>
-              </a:rPr>
-              <a:t>Rx</a:t>
-            </a:r>
-            <a:r>
-              <a:rPr lang="de-AT" sz="1600" dirty="0">
-                <a:solidFill>
-                  <a:srgbClr val="000000"/>
-                </a:solidFill>
-                <a:latin typeface="Fira Code" panose="020B0509050000020004" pitchFamily="49" charset="0"/>
-              </a:rPr>
-              <a:t> </a:t>
-            </a:r>
-            <a:r>
-              <a:rPr lang="de-AT" sz="1600" dirty="0" err="1">
-                <a:solidFill>
-                  <a:srgbClr val="0000FF"/>
-                </a:solidFill>
-                <a:latin typeface="Fira Code" panose="020B0509050000020004" pitchFamily="49" charset="0"/>
-              </a:rPr>
-              <a:t>from</a:t>
-            </a:r>
-            <a:r>
-              <a:rPr lang="de-AT" sz="1600" dirty="0">
-                <a:solidFill>
-                  <a:srgbClr val="000000"/>
-                </a:solidFill>
-                <a:latin typeface="Fira Code" panose="020B0509050000020004" pitchFamily="49" charset="0"/>
-              </a:rPr>
-              <a:t> </a:t>
-            </a:r>
-            <a:r>
-              <a:rPr lang="de-AT" sz="1600" dirty="0">
-                <a:solidFill>
-                  <a:srgbClr val="A31515"/>
-                </a:solidFill>
-                <a:latin typeface="Fira Code" panose="020B0509050000020004" pitchFamily="49" charset="0"/>
-              </a:rPr>
-              <a:t>"</a:t>
-            </a:r>
-            <a:r>
-              <a:rPr lang="de-AT" sz="1600" dirty="0" err="1">
-                <a:solidFill>
-                  <a:srgbClr val="A31515"/>
-                </a:solidFill>
-                <a:latin typeface="Fira Code" panose="020B0509050000020004" pitchFamily="49" charset="0"/>
-              </a:rPr>
-              <a:t>rxjs</a:t>
-            </a:r>
-            <a:r>
-              <a:rPr lang="de-AT" sz="1600" dirty="0">
-                <a:solidFill>
-                  <a:srgbClr val="A31515"/>
-                </a:solidFill>
-                <a:latin typeface="Fira Code" panose="020B0509050000020004" pitchFamily="49" charset="0"/>
-              </a:rPr>
-              <a:t>/</a:t>
-            </a:r>
-            <a:r>
-              <a:rPr lang="de-AT" sz="1600" dirty="0" err="1">
-                <a:solidFill>
-                  <a:srgbClr val="A31515"/>
-                </a:solidFill>
-                <a:latin typeface="Fira Code" panose="020B0509050000020004" pitchFamily="49" charset="0"/>
-              </a:rPr>
-              <a:t>Rx</a:t>
-            </a:r>
-            <a:r>
-              <a:rPr lang="de-AT" sz="1600" dirty="0">
-                <a:solidFill>
-                  <a:srgbClr val="A31515"/>
-                </a:solidFill>
-                <a:latin typeface="Fira Code" panose="020B0509050000020004" pitchFamily="49" charset="0"/>
-              </a:rPr>
-              <a:t>"</a:t>
-            </a:r>
-            <a:r>
-              <a:rPr lang="de-AT" sz="1600" dirty="0">
-                <a:solidFill>
-                  <a:srgbClr val="000000"/>
-                </a:solidFill>
-                <a:latin typeface="Fira Code" panose="020B0509050000020004" pitchFamily="49" charset="0"/>
-              </a:rPr>
-              <a:t>;</a:t>
-            </a:r>
-          </a:p>
-          <a:p>
-            <a:br>
-              <a:rPr lang="de-AT" sz="1600" dirty="0">
-                <a:solidFill>
-                  <a:srgbClr val="000000"/>
-                </a:solidFill>
-                <a:latin typeface="Fira Code" panose="020B0509050000020004" pitchFamily="49" charset="0"/>
-              </a:rPr>
-            </a:br>
-            <a:r>
-              <a:rPr lang="de-AT" sz="1600" dirty="0">
-                <a:solidFill>
-                  <a:srgbClr val="008000"/>
-                </a:solidFill>
-                <a:latin typeface="Fira Code" panose="020B0509050000020004" pitchFamily="49" charset="0"/>
-              </a:rPr>
-              <a:t>// --- </a:t>
-            </a:r>
-            <a:r>
-              <a:rPr lang="de-AT" sz="1600" dirty="0" err="1">
-                <a:solidFill>
-                  <a:srgbClr val="008000"/>
-                </a:solidFill>
-                <a:latin typeface="Fira Code" panose="020B0509050000020004" pitchFamily="49" charset="0"/>
-              </a:rPr>
-              <a:t>from</a:t>
-            </a:r>
-            <a:r>
-              <a:rPr lang="de-AT" sz="1600" dirty="0">
-                <a:solidFill>
-                  <a:srgbClr val="008000"/>
-                </a:solidFill>
-                <a:latin typeface="Fira Code" panose="020B0509050000020004" pitchFamily="49" charset="0"/>
-              </a:rPr>
-              <a:t> </a:t>
-            </a:r>
-            <a:r>
-              <a:rPr lang="de-AT" sz="1600" dirty="0" err="1">
-                <a:solidFill>
-                  <a:srgbClr val="008000"/>
-                </a:solidFill>
-                <a:latin typeface="Fira Code" panose="020B0509050000020004" pitchFamily="49" charset="0"/>
-              </a:rPr>
-              <a:t>arrays</a:t>
-            </a:r>
-            <a:r>
-              <a:rPr lang="de-AT" sz="1600" dirty="0">
-                <a:solidFill>
-                  <a:srgbClr val="008000"/>
-                </a:solidFill>
-                <a:latin typeface="Fira Code" panose="020B0509050000020004" pitchFamily="49" charset="0"/>
-              </a:rPr>
-              <a:t> </a:t>
-            </a:r>
-            <a:r>
-              <a:rPr lang="de-AT" sz="1600" dirty="0" err="1">
-                <a:solidFill>
-                  <a:srgbClr val="008000"/>
-                </a:solidFill>
-                <a:latin typeface="Fira Code" panose="020B0509050000020004" pitchFamily="49" charset="0"/>
-              </a:rPr>
-              <a:t>to</a:t>
-            </a:r>
-            <a:r>
-              <a:rPr lang="de-AT" sz="1600" dirty="0">
-                <a:solidFill>
-                  <a:srgbClr val="008000"/>
-                </a:solidFill>
-                <a:latin typeface="Fira Code" panose="020B0509050000020004" pitchFamily="49" charset="0"/>
-              </a:rPr>
-              <a:t> </a:t>
-            </a:r>
-            <a:r>
-              <a:rPr lang="de-AT" sz="1600" dirty="0" err="1">
-                <a:solidFill>
-                  <a:srgbClr val="008000"/>
-                </a:solidFill>
-                <a:latin typeface="Fira Code" panose="020B0509050000020004" pitchFamily="49" charset="0"/>
-              </a:rPr>
-              <a:t>streams</a:t>
-            </a:r>
-            <a:r>
-              <a:rPr lang="de-AT" sz="1600" dirty="0">
-                <a:solidFill>
-                  <a:srgbClr val="008000"/>
-                </a:solidFill>
-                <a:latin typeface="Fira Code" panose="020B0509050000020004" pitchFamily="49" charset="0"/>
-              </a:rPr>
-              <a:t> --- //</a:t>
-            </a:r>
-            <a:endParaRPr lang="de-AT" sz="1600" dirty="0">
-              <a:solidFill>
-                <a:srgbClr val="000000"/>
-              </a:solidFill>
-              <a:latin typeface="Fira Code" panose="020B0509050000020004" pitchFamily="49" charset="0"/>
-            </a:endParaRPr>
-          </a:p>
-          <a:p>
-            <a:r>
-              <a:rPr lang="de-AT" sz="1600" dirty="0" err="1">
-                <a:solidFill>
-                  <a:srgbClr val="0000FF"/>
-                </a:solidFill>
-                <a:latin typeface="Fira Code" panose="020B0509050000020004" pitchFamily="49" charset="0"/>
-              </a:rPr>
-              <a:t>const</a:t>
-            </a:r>
-            <a:r>
-              <a:rPr lang="de-AT" sz="1600" dirty="0">
-                <a:solidFill>
-                  <a:srgbClr val="000000"/>
-                </a:solidFill>
-                <a:latin typeface="Fira Code" panose="020B0509050000020004" pitchFamily="49" charset="0"/>
-              </a:rPr>
-              <a:t> </a:t>
-            </a:r>
-            <a:r>
-              <a:rPr lang="de-AT" sz="1600" dirty="0" err="1">
-                <a:solidFill>
-                  <a:srgbClr val="000000"/>
-                </a:solidFill>
-                <a:latin typeface="Fira Code" panose="020B0509050000020004" pitchFamily="49" charset="0"/>
-              </a:rPr>
-              <a:t>items</a:t>
-            </a:r>
-            <a:r>
-              <a:rPr lang="de-AT" sz="1600" dirty="0">
-                <a:solidFill>
-                  <a:srgbClr val="000000"/>
-                </a:solidFill>
-                <a:latin typeface="Fira Code" panose="020B0509050000020004" pitchFamily="49" charset="0"/>
-              </a:rPr>
-              <a:t> = [</a:t>
-            </a:r>
-            <a:r>
-              <a:rPr lang="de-AT" sz="1600" dirty="0">
-                <a:solidFill>
-                  <a:srgbClr val="09885A"/>
-                </a:solidFill>
-                <a:latin typeface="Fira Code" panose="020B0509050000020004" pitchFamily="49" charset="0"/>
-              </a:rPr>
-              <a:t>0</a:t>
-            </a:r>
-            <a:r>
-              <a:rPr lang="de-AT" sz="1600" dirty="0">
-                <a:solidFill>
-                  <a:srgbClr val="000000"/>
-                </a:solidFill>
-                <a:latin typeface="Fira Code" panose="020B0509050000020004" pitchFamily="49" charset="0"/>
-              </a:rPr>
-              <a:t>, </a:t>
-            </a:r>
-            <a:r>
-              <a:rPr lang="de-AT" sz="1600" dirty="0">
-                <a:solidFill>
-                  <a:srgbClr val="09885A"/>
-                </a:solidFill>
-                <a:latin typeface="Fira Code" panose="020B0509050000020004" pitchFamily="49" charset="0"/>
-              </a:rPr>
-              <a:t>1</a:t>
-            </a:r>
-            <a:r>
-              <a:rPr lang="de-AT" sz="1600" dirty="0">
-                <a:solidFill>
-                  <a:srgbClr val="000000"/>
-                </a:solidFill>
-                <a:latin typeface="Fira Code" panose="020B0509050000020004" pitchFamily="49" charset="0"/>
-              </a:rPr>
-              <a:t>, </a:t>
-            </a:r>
-            <a:r>
-              <a:rPr lang="de-AT" sz="1600" dirty="0">
-                <a:solidFill>
-                  <a:srgbClr val="09885A"/>
-                </a:solidFill>
-                <a:latin typeface="Fira Code" panose="020B0509050000020004" pitchFamily="49" charset="0"/>
-              </a:rPr>
-              <a:t>2</a:t>
-            </a:r>
-            <a:r>
-              <a:rPr lang="de-AT" sz="1600" dirty="0">
-                <a:solidFill>
-                  <a:srgbClr val="000000"/>
-                </a:solidFill>
-                <a:latin typeface="Fira Code" panose="020B0509050000020004" pitchFamily="49" charset="0"/>
-              </a:rPr>
-              <a:t>, </a:t>
-            </a:r>
-            <a:r>
-              <a:rPr lang="de-AT" sz="1600" dirty="0">
-                <a:solidFill>
-                  <a:srgbClr val="09885A"/>
-                </a:solidFill>
-                <a:latin typeface="Fira Code" panose="020B0509050000020004" pitchFamily="49" charset="0"/>
-              </a:rPr>
-              <a:t>3</a:t>
-            </a:r>
-            <a:r>
-              <a:rPr lang="de-AT" sz="1600" dirty="0">
-                <a:solidFill>
-                  <a:srgbClr val="000000"/>
-                </a:solidFill>
-                <a:latin typeface="Fira Code" panose="020B0509050000020004" pitchFamily="49" charset="0"/>
-              </a:rPr>
-              <a:t>, </a:t>
-            </a:r>
-            <a:r>
-              <a:rPr lang="de-AT" sz="1600" dirty="0">
-                <a:solidFill>
-                  <a:srgbClr val="09885A"/>
-                </a:solidFill>
-                <a:latin typeface="Fira Code" panose="020B0509050000020004" pitchFamily="49" charset="0"/>
-              </a:rPr>
-              <a:t>4</a:t>
-            </a:r>
-            <a:r>
-              <a:rPr lang="de-AT" sz="1600" dirty="0">
-                <a:solidFill>
-                  <a:srgbClr val="000000"/>
-                </a:solidFill>
-                <a:latin typeface="Fira Code" panose="020B0509050000020004" pitchFamily="49" charset="0"/>
-              </a:rPr>
-              <a:t>, </a:t>
-            </a:r>
-            <a:r>
-              <a:rPr lang="de-AT" sz="1600" dirty="0">
-                <a:solidFill>
-                  <a:srgbClr val="09885A"/>
-                </a:solidFill>
-                <a:latin typeface="Fira Code" panose="020B0509050000020004" pitchFamily="49" charset="0"/>
-              </a:rPr>
-              <a:t>5</a:t>
-            </a:r>
-            <a:r>
-              <a:rPr lang="de-AT" sz="1600" dirty="0">
-                <a:solidFill>
-                  <a:srgbClr val="000000"/>
-                </a:solidFill>
-                <a:latin typeface="Fira Code" panose="020B0509050000020004" pitchFamily="49" charset="0"/>
-              </a:rPr>
-              <a:t>];</a:t>
-            </a:r>
-          </a:p>
-          <a:p>
-            <a:r>
-              <a:rPr lang="de-AT" sz="1600" dirty="0" err="1">
-                <a:solidFill>
-                  <a:srgbClr val="0000FF"/>
-                </a:solidFill>
-                <a:latin typeface="Fira Code" panose="020B0509050000020004" pitchFamily="49" charset="0"/>
-              </a:rPr>
-              <a:t>const</a:t>
-            </a:r>
-            <a:r>
-              <a:rPr lang="de-AT" sz="1600" dirty="0">
-                <a:solidFill>
-                  <a:srgbClr val="000000"/>
-                </a:solidFill>
-                <a:latin typeface="Fira Code" panose="020B0509050000020004" pitchFamily="49" charset="0"/>
-              </a:rPr>
-              <a:t> </a:t>
-            </a:r>
-            <a:r>
-              <a:rPr lang="de-AT" sz="1600" dirty="0" err="1">
-                <a:solidFill>
-                  <a:srgbClr val="000000"/>
-                </a:solidFill>
-                <a:latin typeface="Fira Code" panose="020B0509050000020004" pitchFamily="49" charset="0"/>
-              </a:rPr>
-              <a:t>items</a:t>
-            </a:r>
-            <a:r>
-              <a:rPr lang="de-AT" sz="1600" dirty="0">
-                <a:solidFill>
-                  <a:srgbClr val="000000"/>
-                </a:solidFill>
-                <a:latin typeface="Fira Code" panose="020B0509050000020004" pitchFamily="49" charset="0"/>
-              </a:rPr>
-              <a:t> = </a:t>
-            </a:r>
-            <a:r>
-              <a:rPr lang="de-AT" sz="1600" dirty="0" err="1">
-                <a:solidFill>
-                  <a:srgbClr val="000000"/>
-                </a:solidFill>
-                <a:latin typeface="Fira Code" panose="020B0509050000020004" pitchFamily="49" charset="0"/>
-              </a:rPr>
-              <a:t>Rx.Observable.from</a:t>
-            </a:r>
-            <a:r>
-              <a:rPr lang="de-AT" sz="1600" dirty="0">
-                <a:solidFill>
-                  <a:srgbClr val="000000"/>
-                </a:solidFill>
-                <a:latin typeface="Fira Code" panose="020B0509050000020004" pitchFamily="49" charset="0"/>
-              </a:rPr>
-              <a:t>([</a:t>
-            </a:r>
-            <a:r>
-              <a:rPr lang="de-AT" sz="1600" dirty="0">
-                <a:solidFill>
-                  <a:srgbClr val="09885A"/>
-                </a:solidFill>
-                <a:latin typeface="Fira Code" panose="020B0509050000020004" pitchFamily="49" charset="0"/>
-              </a:rPr>
-              <a:t>0</a:t>
-            </a:r>
-            <a:r>
-              <a:rPr lang="de-AT" sz="1600" dirty="0">
-                <a:solidFill>
-                  <a:srgbClr val="000000"/>
-                </a:solidFill>
-                <a:latin typeface="Fira Code" panose="020B0509050000020004" pitchFamily="49" charset="0"/>
-              </a:rPr>
-              <a:t>, </a:t>
-            </a:r>
-            <a:r>
-              <a:rPr lang="de-AT" sz="1600" dirty="0">
-                <a:solidFill>
-                  <a:srgbClr val="09885A"/>
-                </a:solidFill>
-                <a:latin typeface="Fira Code" panose="020B0509050000020004" pitchFamily="49" charset="0"/>
-              </a:rPr>
-              <a:t>1</a:t>
-            </a:r>
-            <a:r>
-              <a:rPr lang="de-AT" sz="1600" dirty="0">
-                <a:solidFill>
-                  <a:srgbClr val="000000"/>
-                </a:solidFill>
-                <a:latin typeface="Fira Code" panose="020B0509050000020004" pitchFamily="49" charset="0"/>
-              </a:rPr>
-              <a:t>, </a:t>
-            </a:r>
-            <a:r>
-              <a:rPr lang="de-AT" sz="1600" dirty="0">
-                <a:solidFill>
-                  <a:srgbClr val="09885A"/>
-                </a:solidFill>
-                <a:latin typeface="Fira Code" panose="020B0509050000020004" pitchFamily="49" charset="0"/>
-              </a:rPr>
-              <a:t>2</a:t>
-            </a:r>
-            <a:r>
-              <a:rPr lang="de-AT" sz="1600" dirty="0">
-                <a:solidFill>
-                  <a:srgbClr val="000000"/>
-                </a:solidFill>
-                <a:latin typeface="Fira Code" panose="020B0509050000020004" pitchFamily="49" charset="0"/>
-              </a:rPr>
-              <a:t>, </a:t>
-            </a:r>
-            <a:r>
-              <a:rPr lang="de-AT" sz="1600" dirty="0">
-                <a:solidFill>
-                  <a:srgbClr val="09885A"/>
-                </a:solidFill>
-                <a:latin typeface="Fira Code" panose="020B0509050000020004" pitchFamily="49" charset="0"/>
-              </a:rPr>
-              <a:t>3</a:t>
-            </a:r>
-            <a:r>
-              <a:rPr lang="de-AT" sz="1600" dirty="0">
-                <a:solidFill>
-                  <a:srgbClr val="000000"/>
-                </a:solidFill>
-                <a:latin typeface="Fira Code" panose="020B0509050000020004" pitchFamily="49" charset="0"/>
-              </a:rPr>
-              <a:t>, </a:t>
-            </a:r>
-            <a:r>
-              <a:rPr lang="de-AT" sz="1600" dirty="0">
-                <a:solidFill>
-                  <a:srgbClr val="09885A"/>
-                </a:solidFill>
-                <a:latin typeface="Fira Code" panose="020B0509050000020004" pitchFamily="49" charset="0"/>
-              </a:rPr>
-              <a:t>4</a:t>
-            </a:r>
-            <a:r>
-              <a:rPr lang="de-AT" sz="1600" dirty="0">
-                <a:solidFill>
-                  <a:srgbClr val="000000"/>
-                </a:solidFill>
-                <a:latin typeface="Fira Code" panose="020B0509050000020004" pitchFamily="49" charset="0"/>
-              </a:rPr>
-              <a:t>, </a:t>
-            </a:r>
-            <a:r>
-              <a:rPr lang="de-AT" sz="1600" dirty="0">
-                <a:solidFill>
-                  <a:srgbClr val="09885A"/>
-                </a:solidFill>
-                <a:latin typeface="Fira Code" panose="020B0509050000020004" pitchFamily="49" charset="0"/>
-              </a:rPr>
-              <a:t>5</a:t>
-            </a:r>
-            <a:r>
-              <a:rPr lang="de-AT" sz="1600" dirty="0">
-                <a:solidFill>
-                  <a:srgbClr val="000000"/>
-                </a:solidFill>
-                <a:latin typeface="Fira Code" panose="020B0509050000020004" pitchFamily="49" charset="0"/>
-              </a:rPr>
-              <a:t>]);</a:t>
-            </a:r>
-          </a:p>
-          <a:p>
-            <a:r>
-              <a:rPr lang="de-AT" sz="1600" dirty="0" err="1">
-                <a:solidFill>
-                  <a:srgbClr val="0000FF"/>
-                </a:solidFill>
-                <a:latin typeface="Fira Code" panose="020B0509050000020004" pitchFamily="49" charset="0"/>
-              </a:rPr>
-              <a:t>const</a:t>
-            </a:r>
-            <a:r>
-              <a:rPr lang="de-AT" sz="1600" dirty="0">
-                <a:solidFill>
-                  <a:srgbClr val="000000"/>
-                </a:solidFill>
-                <a:latin typeface="Fira Code" panose="020B0509050000020004" pitchFamily="49" charset="0"/>
-              </a:rPr>
-              <a:t> </a:t>
-            </a:r>
-            <a:r>
-              <a:rPr lang="de-AT" sz="1600" dirty="0" err="1">
-                <a:solidFill>
-                  <a:srgbClr val="000000"/>
-                </a:solidFill>
-                <a:latin typeface="Fira Code" panose="020B0509050000020004" pitchFamily="49" charset="0"/>
-              </a:rPr>
-              <a:t>items</a:t>
-            </a:r>
-            <a:r>
-              <a:rPr lang="de-AT" sz="1600" dirty="0">
-                <a:solidFill>
-                  <a:srgbClr val="000000"/>
-                </a:solidFill>
-                <a:latin typeface="Fira Code" panose="020B0509050000020004" pitchFamily="49" charset="0"/>
-              </a:rPr>
-              <a:t> = </a:t>
-            </a:r>
-            <a:r>
-              <a:rPr lang="de-AT" sz="1600" dirty="0" err="1">
-                <a:solidFill>
-                  <a:srgbClr val="000000"/>
-                </a:solidFill>
-                <a:latin typeface="Fira Code" panose="020B0509050000020004" pitchFamily="49" charset="0"/>
-              </a:rPr>
-              <a:t>Rx.Observable.interval</a:t>
-            </a:r>
-            <a:r>
-              <a:rPr lang="de-AT" sz="1600" dirty="0">
-                <a:solidFill>
-                  <a:srgbClr val="000000"/>
-                </a:solidFill>
-                <a:latin typeface="Fira Code" panose="020B0509050000020004" pitchFamily="49" charset="0"/>
-              </a:rPr>
-              <a:t>(</a:t>
-            </a:r>
-            <a:r>
-              <a:rPr lang="de-AT" sz="1600" dirty="0">
-                <a:solidFill>
-                  <a:srgbClr val="09885A"/>
-                </a:solidFill>
-                <a:latin typeface="Fira Code" panose="020B0509050000020004" pitchFamily="49" charset="0"/>
-              </a:rPr>
-              <a:t>500</a:t>
-            </a:r>
-            <a:r>
-              <a:rPr lang="de-AT" sz="1600" dirty="0">
-                <a:solidFill>
-                  <a:srgbClr val="000000"/>
-                </a:solidFill>
-                <a:latin typeface="Fira Code" panose="020B0509050000020004" pitchFamily="49" charset="0"/>
-              </a:rPr>
-              <a:t>).</a:t>
-            </a:r>
-            <a:r>
-              <a:rPr lang="de-AT" sz="1600" dirty="0" err="1">
-                <a:solidFill>
-                  <a:srgbClr val="000000"/>
-                </a:solidFill>
-                <a:latin typeface="Fira Code" panose="020B0509050000020004" pitchFamily="49" charset="0"/>
-              </a:rPr>
-              <a:t>take</a:t>
-            </a:r>
-            <a:r>
-              <a:rPr lang="de-AT" sz="1600" dirty="0">
-                <a:solidFill>
-                  <a:srgbClr val="000000"/>
-                </a:solidFill>
-                <a:latin typeface="Fira Code" panose="020B0509050000020004" pitchFamily="49" charset="0"/>
-              </a:rPr>
-              <a:t>(</a:t>
-            </a:r>
-            <a:r>
-              <a:rPr lang="de-AT" sz="1600" dirty="0">
-                <a:solidFill>
-                  <a:srgbClr val="09885A"/>
-                </a:solidFill>
-                <a:latin typeface="Fira Code" panose="020B0509050000020004" pitchFamily="49" charset="0"/>
-              </a:rPr>
-              <a:t>20</a:t>
-            </a:r>
-            <a:r>
-              <a:rPr lang="de-AT" sz="1600" dirty="0">
-                <a:solidFill>
-                  <a:srgbClr val="000000"/>
-                </a:solidFill>
-                <a:latin typeface="Fira Code" panose="020B0509050000020004" pitchFamily="49" charset="0"/>
-              </a:rPr>
-              <a:t>);</a:t>
-            </a:r>
-          </a:p>
-          <a:p>
-            <a:r>
-              <a:rPr lang="de-AT" sz="1600" dirty="0" err="1">
-                <a:solidFill>
-                  <a:srgbClr val="000000"/>
-                </a:solidFill>
-                <a:latin typeface="Fira Code" panose="020B0509050000020004" pitchFamily="49" charset="0"/>
-              </a:rPr>
-              <a:t>items</a:t>
-            </a:r>
-            <a:endParaRPr lang="de-AT" sz="1600" dirty="0">
-              <a:solidFill>
-                <a:srgbClr val="000000"/>
-              </a:solidFill>
-              <a:latin typeface="Fira Code" panose="020B0509050000020004" pitchFamily="49" charset="0"/>
-            </a:endParaRPr>
-          </a:p>
-          <a:p>
-            <a:r>
-              <a:rPr lang="de-AT" sz="1600" dirty="0">
-                <a:solidFill>
-                  <a:srgbClr val="000000"/>
-                </a:solidFill>
-                <a:latin typeface="Fira Code" panose="020B0509050000020004" pitchFamily="49" charset="0"/>
-              </a:rPr>
-              <a:t>.</a:t>
-            </a:r>
-            <a:r>
-              <a:rPr lang="de-AT" sz="1600" dirty="0" err="1">
-                <a:solidFill>
-                  <a:srgbClr val="000000"/>
-                </a:solidFill>
-                <a:latin typeface="Fira Code" panose="020B0509050000020004" pitchFamily="49" charset="0"/>
-              </a:rPr>
-              <a:t>filter</a:t>
-            </a:r>
-            <a:r>
-              <a:rPr lang="de-AT" sz="1600" dirty="0">
-                <a:solidFill>
-                  <a:srgbClr val="000000"/>
-                </a:solidFill>
-                <a:latin typeface="Fira Code" panose="020B0509050000020004" pitchFamily="49" charset="0"/>
-              </a:rPr>
-              <a:t>(x </a:t>
-            </a:r>
-            <a:r>
-              <a:rPr lang="de-AT" sz="1600" dirty="0">
-                <a:solidFill>
-                  <a:srgbClr val="0000FF"/>
-                </a:solidFill>
-                <a:latin typeface="Fira Code" panose="020B0509050000020004" pitchFamily="49" charset="0"/>
-              </a:rPr>
-              <a:t>=&gt;</a:t>
-            </a:r>
-            <a:r>
-              <a:rPr lang="de-AT" sz="1600" dirty="0">
-                <a:solidFill>
-                  <a:srgbClr val="000000"/>
-                </a:solidFill>
-                <a:latin typeface="Fira Code" panose="020B0509050000020004" pitchFamily="49" charset="0"/>
-              </a:rPr>
-              <a:t> x % </a:t>
-            </a:r>
-            <a:r>
-              <a:rPr lang="de-AT" sz="1600" dirty="0">
-                <a:solidFill>
-                  <a:srgbClr val="09885A"/>
-                </a:solidFill>
-                <a:latin typeface="Fira Code" panose="020B0509050000020004" pitchFamily="49" charset="0"/>
-              </a:rPr>
-              <a:t>2</a:t>
-            </a:r>
-            <a:r>
-              <a:rPr lang="de-AT" sz="1600" dirty="0">
-                <a:solidFill>
-                  <a:srgbClr val="000000"/>
-                </a:solidFill>
-                <a:latin typeface="Fira Code" panose="020B0509050000020004" pitchFamily="49" charset="0"/>
-              </a:rPr>
-              <a:t> === </a:t>
-            </a:r>
-            <a:r>
-              <a:rPr lang="de-AT" sz="1600" dirty="0">
-                <a:solidFill>
-                  <a:srgbClr val="09885A"/>
-                </a:solidFill>
-                <a:latin typeface="Fira Code" panose="020B0509050000020004" pitchFamily="49" charset="0"/>
-              </a:rPr>
-              <a:t>0</a:t>
-            </a:r>
-            <a:r>
-              <a:rPr lang="de-AT" sz="1600" dirty="0">
-                <a:solidFill>
-                  <a:srgbClr val="000000"/>
-                </a:solidFill>
-                <a:latin typeface="Fira Code" panose="020B0509050000020004" pitchFamily="49" charset="0"/>
-              </a:rPr>
-              <a:t>)</a:t>
-            </a:r>
-          </a:p>
-          <a:p>
-            <a:r>
-              <a:rPr lang="de-AT" sz="1600" dirty="0">
-                <a:solidFill>
-                  <a:srgbClr val="000000"/>
-                </a:solidFill>
-                <a:latin typeface="Fira Code" panose="020B0509050000020004" pitchFamily="49" charset="0"/>
-              </a:rPr>
-              <a:t>.</a:t>
-            </a:r>
-            <a:r>
-              <a:rPr lang="de-AT" sz="1600" dirty="0" err="1">
-                <a:solidFill>
-                  <a:srgbClr val="000000"/>
-                </a:solidFill>
-                <a:latin typeface="Fira Code" panose="020B0509050000020004" pitchFamily="49" charset="0"/>
-              </a:rPr>
-              <a:t>map</a:t>
-            </a:r>
-            <a:r>
-              <a:rPr lang="de-AT" sz="1600" dirty="0">
-                <a:solidFill>
-                  <a:srgbClr val="000000"/>
-                </a:solidFill>
-                <a:latin typeface="Fira Code" panose="020B0509050000020004" pitchFamily="49" charset="0"/>
-              </a:rPr>
-              <a:t>(x </a:t>
-            </a:r>
-            <a:r>
-              <a:rPr lang="de-AT" sz="1600" dirty="0">
-                <a:solidFill>
-                  <a:srgbClr val="0000FF"/>
-                </a:solidFill>
-                <a:latin typeface="Fira Code" panose="020B0509050000020004" pitchFamily="49" charset="0"/>
-              </a:rPr>
-              <a:t>=&gt;</a:t>
-            </a:r>
-            <a:r>
-              <a:rPr lang="de-AT" sz="1600" dirty="0">
-                <a:solidFill>
-                  <a:srgbClr val="000000"/>
-                </a:solidFill>
-                <a:latin typeface="Fira Code" panose="020B0509050000020004" pitchFamily="49" charset="0"/>
-              </a:rPr>
-              <a:t> </a:t>
-            </a:r>
-            <a:r>
-              <a:rPr lang="de-AT" sz="1600" dirty="0">
-                <a:solidFill>
-                  <a:srgbClr val="A31515"/>
-                </a:solidFill>
-                <a:latin typeface="Fira Code" panose="020B0509050000020004" pitchFamily="49" charset="0"/>
-              </a:rPr>
-              <a:t>`</a:t>
-            </a:r>
-            <a:r>
-              <a:rPr lang="de-AT" sz="1600" dirty="0">
-                <a:solidFill>
-                  <a:srgbClr val="0000FF"/>
-                </a:solidFill>
-                <a:latin typeface="Fira Code" panose="020B0509050000020004" pitchFamily="49" charset="0"/>
-              </a:rPr>
-              <a:t>${</a:t>
-            </a:r>
-            <a:r>
-              <a:rPr lang="de-AT" sz="1600" dirty="0">
-                <a:solidFill>
-                  <a:srgbClr val="A31515"/>
-                </a:solidFill>
-                <a:latin typeface="Fira Code" panose="020B0509050000020004" pitchFamily="49" charset="0"/>
-              </a:rPr>
-              <a:t>x </a:t>
-            </a:r>
-            <a:r>
-              <a:rPr lang="de-AT" sz="1600" dirty="0">
-                <a:solidFill>
-                  <a:srgbClr val="000000"/>
-                </a:solidFill>
-                <a:latin typeface="Fira Code" panose="020B0509050000020004" pitchFamily="49" charset="0"/>
-              </a:rPr>
-              <a:t>*</a:t>
-            </a:r>
-            <a:r>
-              <a:rPr lang="de-AT" sz="1600" dirty="0">
-                <a:solidFill>
-                  <a:srgbClr val="A31515"/>
-                </a:solidFill>
-                <a:latin typeface="Fira Code" panose="020B0509050000020004" pitchFamily="49" charset="0"/>
-              </a:rPr>
-              <a:t> </a:t>
-            </a:r>
-            <a:r>
-              <a:rPr lang="de-AT" sz="1600" dirty="0">
-                <a:solidFill>
-                  <a:srgbClr val="09885A"/>
-                </a:solidFill>
-                <a:latin typeface="Fira Code" panose="020B0509050000020004" pitchFamily="49" charset="0"/>
-              </a:rPr>
-              <a:t>10</a:t>
-            </a:r>
-            <a:r>
-              <a:rPr lang="de-AT" sz="1600" dirty="0">
-                <a:solidFill>
-                  <a:srgbClr val="0000FF"/>
-                </a:solidFill>
-                <a:latin typeface="Fira Code" panose="020B0509050000020004" pitchFamily="49" charset="0"/>
-              </a:rPr>
-              <a:t>}</a:t>
-            </a:r>
-            <a:r>
-              <a:rPr lang="de-AT" sz="1600" dirty="0">
-                <a:solidFill>
-                  <a:srgbClr val="A31515"/>
-                </a:solidFill>
-                <a:latin typeface="Fira Code" panose="020B0509050000020004" pitchFamily="49" charset="0"/>
-              </a:rPr>
-              <a:t>%`</a:t>
-            </a:r>
-            <a:r>
-              <a:rPr lang="de-AT" sz="1600" dirty="0">
-                <a:solidFill>
-                  <a:srgbClr val="000000"/>
-                </a:solidFill>
-                <a:latin typeface="Fira Code" panose="020B0509050000020004" pitchFamily="49" charset="0"/>
-              </a:rPr>
-              <a:t>)</a:t>
-            </a:r>
-          </a:p>
-          <a:p>
-            <a:r>
-              <a:rPr lang="de-AT" sz="1600" dirty="0">
-                <a:solidFill>
-                  <a:srgbClr val="000000"/>
-                </a:solidFill>
-                <a:latin typeface="Fira Code" panose="020B0509050000020004" pitchFamily="49" charset="0"/>
-              </a:rPr>
-              <a:t>.</a:t>
-            </a:r>
-            <a:r>
-              <a:rPr lang="de-AT" sz="1600" dirty="0" err="1">
-                <a:solidFill>
-                  <a:srgbClr val="000000"/>
-                </a:solidFill>
-                <a:latin typeface="Fira Code" panose="020B0509050000020004" pitchFamily="49" charset="0"/>
-              </a:rPr>
-              <a:t>forEach</a:t>
-            </a:r>
-            <a:r>
-              <a:rPr lang="de-AT" sz="1600" dirty="0">
-                <a:solidFill>
-                  <a:srgbClr val="000000"/>
-                </a:solidFill>
-                <a:latin typeface="Fira Code" panose="020B0509050000020004" pitchFamily="49" charset="0"/>
-              </a:rPr>
-              <a:t>(x </a:t>
-            </a:r>
-            <a:r>
-              <a:rPr lang="de-AT" sz="1600" dirty="0">
-                <a:solidFill>
-                  <a:srgbClr val="0000FF"/>
-                </a:solidFill>
-                <a:latin typeface="Fira Code" panose="020B0509050000020004" pitchFamily="49" charset="0"/>
-              </a:rPr>
-              <a:t>=&gt;</a:t>
-            </a:r>
-            <a:r>
-              <a:rPr lang="de-AT" sz="1600" dirty="0">
-                <a:solidFill>
-                  <a:srgbClr val="000000"/>
-                </a:solidFill>
-                <a:latin typeface="Fira Code" panose="020B0509050000020004" pitchFamily="49" charset="0"/>
-              </a:rPr>
-              <a:t> console.log(x));</a:t>
-            </a:r>
-          </a:p>
-          <a:p>
-            <a:br>
-              <a:rPr lang="de-AT" sz="1600" dirty="0">
-                <a:solidFill>
-                  <a:srgbClr val="000000"/>
-                </a:solidFill>
-                <a:latin typeface="Fira Code" panose="020B0509050000020004" pitchFamily="49" charset="0"/>
-              </a:rPr>
-            </a:br>
-            <a:r>
-              <a:rPr lang="de-AT" sz="1600" dirty="0">
-                <a:solidFill>
-                  <a:srgbClr val="008000"/>
-                </a:solidFill>
-                <a:latin typeface="Fira Code" panose="020B0509050000020004" pitchFamily="49" charset="0"/>
-              </a:rPr>
-              <a:t>/* ~~~~~~~ ASCII </a:t>
-            </a:r>
-            <a:r>
-              <a:rPr lang="de-AT" sz="1600" dirty="0" err="1">
-                <a:solidFill>
-                  <a:srgbClr val="008000"/>
-                </a:solidFill>
-                <a:latin typeface="Fira Code" panose="020B0509050000020004" pitchFamily="49" charset="0"/>
-              </a:rPr>
-              <a:t>Marble</a:t>
-            </a:r>
-            <a:r>
-              <a:rPr lang="de-AT" sz="1600" dirty="0">
-                <a:solidFill>
-                  <a:srgbClr val="008000"/>
-                </a:solidFill>
-                <a:latin typeface="Fira Code" panose="020B0509050000020004" pitchFamily="49" charset="0"/>
-              </a:rPr>
-              <a:t> </a:t>
-            </a:r>
-            <a:r>
-              <a:rPr lang="de-AT" sz="1600" dirty="0" err="1">
-                <a:solidFill>
-                  <a:srgbClr val="008000"/>
-                </a:solidFill>
-                <a:latin typeface="Fira Code" panose="020B0509050000020004" pitchFamily="49" charset="0"/>
-              </a:rPr>
-              <a:t>Diagram</a:t>
-            </a:r>
-            <a:r>
-              <a:rPr lang="de-AT" sz="1600" dirty="0">
-                <a:solidFill>
-                  <a:srgbClr val="008000"/>
-                </a:solidFill>
-                <a:latin typeface="Fira Code" panose="020B0509050000020004" pitchFamily="49" charset="0"/>
-              </a:rPr>
-              <a:t> ~~~~~~~ */</a:t>
-            </a:r>
-            <a:endParaRPr lang="de-AT" sz="1600" dirty="0">
-              <a:solidFill>
-                <a:srgbClr val="000000"/>
-              </a:solidFill>
-              <a:latin typeface="Fira Code" panose="020B0509050000020004" pitchFamily="49" charset="0"/>
-            </a:endParaRPr>
-          </a:p>
-          <a:p>
-            <a:r>
-              <a:rPr lang="de-AT" sz="1600" dirty="0">
-                <a:solidFill>
-                  <a:srgbClr val="008000"/>
-                </a:solidFill>
-                <a:latin typeface="Fira Code" panose="020B0509050000020004" pitchFamily="49" charset="0"/>
-              </a:rPr>
-              <a:t>// </a:t>
-            </a:r>
-            <a:r>
-              <a:rPr lang="de-AT" sz="1600" dirty="0" err="1">
-                <a:solidFill>
-                  <a:srgbClr val="008000"/>
-                </a:solidFill>
-                <a:latin typeface="Fira Code" panose="020B0509050000020004" pitchFamily="49" charset="0"/>
-              </a:rPr>
-              <a:t>interval</a:t>
-            </a:r>
-            <a:r>
-              <a:rPr lang="de-AT" sz="1600" dirty="0">
-                <a:solidFill>
-                  <a:srgbClr val="008000"/>
-                </a:solidFill>
-                <a:latin typeface="Fira Code" panose="020B0509050000020004" pitchFamily="49" charset="0"/>
-              </a:rPr>
-              <a:t>: --0--1--2--3--4--5--6--...--|</a:t>
-            </a:r>
-            <a:endParaRPr lang="de-AT" sz="1600" dirty="0">
-              <a:solidFill>
-                <a:srgbClr val="000000"/>
-              </a:solidFill>
-              <a:latin typeface="Fira Code" panose="020B0509050000020004" pitchFamily="49" charset="0"/>
-            </a:endParaRPr>
-          </a:p>
-          <a:p>
-            <a:r>
-              <a:rPr lang="de-AT" sz="1600" dirty="0">
-                <a:solidFill>
-                  <a:srgbClr val="008000"/>
-                </a:solidFill>
-                <a:latin typeface="Fira Code" panose="020B0509050000020004" pitchFamily="49" charset="0"/>
-              </a:rPr>
-              <a:t>// </a:t>
-            </a:r>
-            <a:r>
-              <a:rPr lang="de-AT" sz="1600" dirty="0" err="1">
-                <a:solidFill>
-                  <a:srgbClr val="008000"/>
-                </a:solidFill>
-                <a:latin typeface="Fira Code" panose="020B0509050000020004" pitchFamily="49" charset="0"/>
-              </a:rPr>
-              <a:t>filter</a:t>
-            </a:r>
-            <a:r>
-              <a:rPr lang="de-AT" sz="1600" dirty="0">
-                <a:solidFill>
-                  <a:srgbClr val="008000"/>
-                </a:solidFill>
-                <a:latin typeface="Fira Code" panose="020B0509050000020004" pitchFamily="49" charset="0"/>
-              </a:rPr>
-              <a:t>: --0-----2-----4-----6--...--|</a:t>
-            </a:r>
-            <a:endParaRPr lang="de-AT" sz="1600" dirty="0">
-              <a:solidFill>
-                <a:srgbClr val="000000"/>
-              </a:solidFill>
-              <a:latin typeface="Fira Code" panose="020B0509050000020004" pitchFamily="49" charset="0"/>
-            </a:endParaRPr>
-          </a:p>
-          <a:p>
-            <a:r>
-              <a:rPr lang="de-AT" sz="1600" dirty="0">
-                <a:solidFill>
-                  <a:srgbClr val="008000"/>
-                </a:solidFill>
-                <a:latin typeface="Fira Code" panose="020B0509050000020004" pitchFamily="49" charset="0"/>
-              </a:rPr>
-              <a:t>// </a:t>
-            </a:r>
-            <a:r>
-              <a:rPr lang="de-AT" sz="1600" dirty="0" err="1">
-                <a:solidFill>
-                  <a:srgbClr val="008000"/>
-                </a:solidFill>
-                <a:latin typeface="Fira Code" panose="020B0509050000020004" pitchFamily="49" charset="0"/>
-              </a:rPr>
-              <a:t>map</a:t>
-            </a:r>
-            <a:r>
-              <a:rPr lang="de-AT" sz="1600" dirty="0">
-                <a:solidFill>
-                  <a:srgbClr val="008000"/>
-                </a:solidFill>
-                <a:latin typeface="Fira Code" panose="020B0509050000020004" pitchFamily="49" charset="0"/>
-              </a:rPr>
-              <a:t>: --0---20%---40%---60%--...--|</a:t>
-            </a:r>
-            <a:endParaRPr lang="de-AT" sz="1600" dirty="0">
-              <a:solidFill>
-                <a:srgbClr val="000000"/>
-              </a:solidFill>
-              <a:latin typeface="Fira Code" panose="020B0509050000020004" pitchFamily="49" charset="0"/>
-            </a:endParaRPr>
-          </a:p>
-          <a:p>
-            <a:r>
-              <a:rPr lang="de-AT" sz="1600" dirty="0">
-                <a:solidFill>
-                  <a:srgbClr val="008000"/>
-                </a:solidFill>
-                <a:latin typeface="Fira Code" panose="020B0509050000020004" pitchFamily="49" charset="0"/>
-              </a:rPr>
-              <a:t>// =&gt; console.log (</a:t>
-            </a:r>
-            <a:r>
-              <a:rPr lang="de-AT" sz="1600" dirty="0" err="1">
-                <a:solidFill>
-                  <a:srgbClr val="008000"/>
-                </a:solidFill>
-                <a:latin typeface="Fira Code" panose="020B0509050000020004" pitchFamily="49" charset="0"/>
-              </a:rPr>
-              <a:t>side-effect</a:t>
-            </a:r>
-            <a:r>
-              <a:rPr lang="de-AT" sz="1600" dirty="0">
-                <a:solidFill>
-                  <a:srgbClr val="008000"/>
-                </a:solidFill>
-                <a:latin typeface="Fira Code" panose="020B0509050000020004" pitchFamily="49" charset="0"/>
-              </a:rPr>
-              <a:t>)</a:t>
-            </a:r>
-            <a:endParaRPr lang="de-AT" sz="1600" dirty="0">
-              <a:solidFill>
-                <a:srgbClr val="000000"/>
-              </a:solidFill>
-              <a:latin typeface="Fira Code" panose="020B0509050000020004" pitchFamily="49" charset="0"/>
-            </a:endParaRPr>
-          </a:p>
-          <a:p>
-            <a:r>
-              <a:rPr lang="de-AT" sz="1600" dirty="0">
-                <a:solidFill>
-                  <a:srgbClr val="008000"/>
-                </a:solidFill>
-                <a:latin typeface="Fira Code" panose="020B0509050000020004" pitchFamily="49" charset="0"/>
-              </a:rPr>
-              <a:t>/* ~~~~~~~~~~~~~~~~~~~~~~~~~~~~~~~~~~~~ */</a:t>
-            </a:r>
-            <a:endParaRPr lang="de-AT" sz="1600" dirty="0">
-              <a:solidFill>
-                <a:srgbClr val="000000"/>
-              </a:solidFill>
-              <a:latin typeface="Fira Code" panose="020B0509050000020004" pitchFamily="49" charset="0"/>
-            </a:endParaRPr>
-          </a:p>
-          <a:p>
-            <a:r>
-              <a:rPr lang="de-AT" sz="1600" dirty="0">
-                <a:solidFill>
-                  <a:srgbClr val="008000"/>
-                </a:solidFill>
-                <a:latin typeface="Fira Code" panose="020B0509050000020004" pitchFamily="49" charset="0"/>
-              </a:rPr>
-              <a:t>/* ~~~~~~~ http://rxmarbles.com/ ~~~~~~ */</a:t>
-            </a:r>
-            <a:endParaRPr lang="de-AT" sz="1600" dirty="0">
-              <a:solidFill>
-                <a:srgbClr val="000000"/>
-              </a:solidFill>
-              <a:latin typeface="Fira Code" panose="020B0509050000020004" pitchFamily="49" charset="0"/>
-            </a:endParaRPr>
-          </a:p>
-          <a:p>
-            <a:r>
-              <a:rPr lang="de-AT" sz="1600" dirty="0">
-                <a:solidFill>
-                  <a:srgbClr val="008000"/>
-                </a:solidFill>
-                <a:latin typeface="Fira Code" panose="020B0509050000020004" pitchFamily="49" charset="0"/>
-              </a:rPr>
-              <a:t>/* ~~~~~~~~~~~~~~~~~~~~~~~~~~~~~~~~~~~~ */</a:t>
-            </a:r>
-            <a:endParaRPr lang="de-AT" sz="1600" dirty="0">
-              <a:solidFill>
-                <a:srgbClr val="000000"/>
-              </a:solidFill>
-              <a:latin typeface="Fira Code" panose="020B0509050000020004" pitchFamily="49" charset="0"/>
-            </a:endParaRPr>
-          </a:p>
-        </p:txBody>
-      </p:sp>
-    </p:spTree>
-    <p:extLst>
-      <p:ext uri="{BB962C8B-B14F-4D97-AF65-F5344CB8AC3E}">
-        <p14:creationId xmlns:p14="http://schemas.microsoft.com/office/powerpoint/2010/main" val="2266762746"/>
-      </p:ext>
-    </p:extLst>
-  </p:cSld>
-  <p:clrMapOvr>
-    <a:masterClrMapping/>
-  </p:clrMapOvr>
-  <p:transition spd="med">
-    <p:push dir="u"/>
-  </p:transition>
-</p:sld>
-</file>
-
-<file path=ppt/slides/slide17.xml><?xml version="1.0" encoding="utf-8"?>
+<file path=ppt/slides/slide18.xml><?xml version="1.0" encoding="utf-8"?>
 <p:sld xmlns:a="http://schemas.openxmlformats.org/drawingml/2006/main" xmlns:r="http://schemas.openxmlformats.org/officeDocument/2006/relationships" xmlns:p="http://schemas.openxmlformats.org/presentationml/2006/main">
   <p:cSld>
     <p:spTree>
@@ -11512,7 +11509,7 @@
 </p:sld>
 </file>
 
-<file path=ppt/slides/slide18.xml><?xml version="1.0" encoding="utf-8"?>
+<file path=ppt/slides/slide19.xml><?xml version="1.0" encoding="utf-8"?>
 <p:sld xmlns:a="http://schemas.openxmlformats.org/drawingml/2006/main" xmlns:r="http://schemas.openxmlformats.org/officeDocument/2006/relationships" xmlns:p="http://schemas.openxmlformats.org/presentationml/2006/main">
   <p:cSld>
     <p:bg>
@@ -11621,7 +11618,380 @@
 </p:sld>
 </file>
 
-<file path=ppt/slides/slide19.xml><?xml version="1.0" encoding="utf-8"?>
+<file path=ppt/slides/slide2.xml><?xml version="1.0" encoding="utf-8"?>
+<p:sld xmlns:a="http://schemas.openxmlformats.org/drawingml/2006/main" xmlns:r="http://schemas.openxmlformats.org/officeDocument/2006/relationships" xmlns:p="http://schemas.openxmlformats.org/presentationml/2006/main">
+  <p:cSld>
+    <p:bg>
+      <p:bgPr>
+        <a:solidFill>
+          <a:schemeClr val="tx1"/>
+        </a:solidFill>
+        <a:effectLst/>
+      </p:bgPr>
+    </p:bg>
+    <p:spTree>
+      <p:nvGrpSpPr>
+        <p:cNvPr id="1" name=""/>
+        <p:cNvGrpSpPr/>
+        <p:nvPr/>
+      </p:nvGrpSpPr>
+      <p:grpSpPr>
+        <a:xfrm>
+          <a:off x="0" y="0"/>
+          <a:ext cx="0" cy="0"/>
+          <a:chOff x="0" y="0"/>
+          <a:chExt cx="0" cy="0"/>
+        </a:xfrm>
+      </p:grpSpPr>
+      <p:sp>
+        <p:nvSpPr>
+          <p:cNvPr id="3" name="Textfeld 2"/>
+          <p:cNvSpPr txBox="1"/>
+          <p:nvPr/>
+        </p:nvSpPr>
+        <p:spPr>
+          <a:xfrm>
+            <a:off x="1509740" y="1839174"/>
+            <a:ext cx="7780283" cy="3520964"/>
+          </a:xfrm>
+          <a:prstGeom prst="rect">
+            <a:avLst/>
+          </a:prstGeom>
+          <a:noFill/>
+        </p:spPr>
+        <p:txBody>
+          <a:bodyPr wrap="square" rtlCol="0" anchor="ctr">
+            <a:spAutoFit/>
+          </a:bodyPr>
+          <a:lstStyle/>
+          <a:p>
+            <a:pPr>
+              <a:lnSpc>
+                <a:spcPct val="120000"/>
+              </a:lnSpc>
+              <a:spcAft>
+                <a:spcPts val="3000"/>
+              </a:spcAft>
+            </a:pPr>
+            <a:r>
+              <a:rPr lang="en-US" sz="2400" dirty="0">
+                <a:solidFill>
+                  <a:schemeClr val="bg1"/>
+                </a:solidFill>
+                <a:latin typeface="Fira Code" panose="020B0509050000020004" pitchFamily="49" charset="0"/>
+                <a:ea typeface="Fira Code" panose="020B0509050000020004" pitchFamily="49" charset="0"/>
+              </a:rPr>
+              <a:t>hey there... 😉</a:t>
+            </a:r>
+          </a:p>
+          <a:p>
+            <a:pPr>
+              <a:lnSpc>
+                <a:spcPct val="120000"/>
+              </a:lnSpc>
+              <a:spcAft>
+                <a:spcPts val="3000"/>
+              </a:spcAft>
+            </a:pPr>
+            <a:r>
+              <a:rPr lang="en-US" sz="2400" dirty="0">
+                <a:solidFill>
+                  <a:schemeClr val="bg1"/>
+                </a:solidFill>
+                <a:latin typeface="Fira Code" panose="020B0509050000020004" pitchFamily="49" charset="0"/>
+                <a:ea typeface="Fira Code" panose="020B0509050000020004" pitchFamily="49" charset="0"/>
+              </a:rPr>
+              <a:t>I have to start with a </a:t>
+            </a:r>
+            <a:r>
+              <a:rPr lang="en-US" dirty="0">
+                <a:solidFill>
+                  <a:schemeClr val="bg1"/>
+                </a:solidFill>
+                <a:latin typeface="Fira Code" panose="020B0509050000020004" pitchFamily="49" charset="0"/>
+                <a:ea typeface="Fira Code" panose="020B0509050000020004" pitchFamily="49" charset="0"/>
+              </a:rPr>
+              <a:t>small </a:t>
+            </a:r>
+            <a:r>
+              <a:rPr lang="en-US" i="1" dirty="0">
+                <a:solidFill>
+                  <a:schemeClr val="bg1"/>
+                </a:solidFill>
+                <a:latin typeface="Fira Code" panose="020B0509050000020004" pitchFamily="49" charset="0"/>
+                <a:ea typeface="Fira Code" panose="020B0509050000020004" pitchFamily="49" charset="0"/>
+              </a:rPr>
+              <a:t>sorry</a:t>
+            </a:r>
+            <a:r>
+              <a:rPr lang="en-US" sz="2400" dirty="0">
+                <a:solidFill>
+                  <a:schemeClr val="bg1"/>
+                </a:solidFill>
+                <a:latin typeface="Fira Code" panose="020B0509050000020004" pitchFamily="49" charset="0"/>
+                <a:ea typeface="Fira Code" panose="020B0509050000020004" pitchFamily="49" charset="0"/>
+              </a:rPr>
+              <a:t> upfront for showing you the following </a:t>
+            </a:r>
+            <a:r>
+              <a:rPr lang="de-AT" sz="2400" dirty="0">
+                <a:solidFill>
+                  <a:schemeClr val="bg1"/>
+                </a:solidFill>
+              </a:rPr>
+              <a:t>🙈</a:t>
+            </a:r>
+            <a:endParaRPr lang="en-US" sz="2400" dirty="0">
+              <a:solidFill>
+                <a:schemeClr val="bg1"/>
+              </a:solidFill>
+              <a:latin typeface="Fira Code" panose="020B0509050000020004" pitchFamily="49" charset="0"/>
+              <a:ea typeface="Fira Code" panose="020B0509050000020004" pitchFamily="49" charset="0"/>
+            </a:endParaRPr>
+          </a:p>
+          <a:p>
+            <a:pPr>
+              <a:lnSpc>
+                <a:spcPct val="120000"/>
+              </a:lnSpc>
+              <a:spcAft>
+                <a:spcPts val="3000"/>
+              </a:spcAft>
+            </a:pPr>
+            <a:r>
+              <a:rPr lang="en-US" sz="2400" dirty="0">
+                <a:solidFill>
+                  <a:schemeClr val="bg1"/>
+                </a:solidFill>
+                <a:latin typeface="Fira Code" panose="020B0509050000020004" pitchFamily="49" charset="0"/>
+                <a:ea typeface="Fira Code" panose="020B0509050000020004" pitchFamily="49" charset="0"/>
+              </a:rPr>
+              <a:t>... but I told myself I have to present this at every java…script-meetup I talk at </a:t>
+            </a:r>
+            <a:r>
+              <a:rPr lang="de-AT" sz="2400" dirty="0">
+                <a:solidFill>
+                  <a:schemeClr val="bg1"/>
+                </a:solidFill>
+              </a:rPr>
+              <a:t>🙃</a:t>
+            </a:r>
+            <a:endParaRPr lang="de-AT" sz="2400" dirty="0">
+              <a:solidFill>
+                <a:schemeClr val="bg1"/>
+              </a:solidFill>
+              <a:latin typeface="Fira Code" panose="020B0509050000020004" pitchFamily="49" charset="0"/>
+              <a:ea typeface="Fira Code" panose="020B0509050000020004" pitchFamily="49" charset="0"/>
+            </a:endParaRPr>
+          </a:p>
+        </p:txBody>
+      </p:sp>
+    </p:spTree>
+    <p:extLst>
+      <p:ext uri="{BB962C8B-B14F-4D97-AF65-F5344CB8AC3E}">
+        <p14:creationId xmlns:p14="http://schemas.microsoft.com/office/powerpoint/2010/main" val="3597115507"/>
+      </p:ext>
+    </p:extLst>
+  </p:cSld>
+  <p:clrMapOvr>
+    <a:masterClrMapping/>
+  </p:clrMapOvr>
+  <p:timing>
+    <p:tnLst>
+      <p:par>
+        <p:cTn id="1" dur="indefinite" restart="never" nodeType="tmRoot">
+          <p:childTnLst>
+            <p:seq concurrent="1" nextAc="seek">
+              <p:cTn id="2" dur="indefinite" nodeType="mainSeq">
+                <p:childTnLst>
+                  <p:par>
+                    <p:cTn id="3" fill="hold">
+                      <p:stCondLst>
+                        <p:cond delay="indefinite"/>
+                        <p:cond evt="onBegin" delay="0">
+                          <p:tn val="2"/>
+                        </p:cond>
+                      </p:stCondLst>
+                      <p:childTnLst>
+                        <p:par>
+                          <p:cTn id="4" fill="hold">
+                            <p:stCondLst>
+                              <p:cond delay="0"/>
+                            </p:stCondLst>
+                            <p:childTnLst>
+                              <p:par>
+                                <p:cTn id="5" presetID="1" presetClass="entr" presetSubtype="0" fill="hold" grpId="0" nodeType="withEffect">
+                                  <p:stCondLst>
+                                    <p:cond delay="0"/>
+                                  </p:stCondLst>
+                                  <p:iterate type="lt">
+                                    <p:tmAbs val="70"/>
+                                  </p:iterate>
+                                  <p:childTnLst>
+                                    <p:set>
+                                      <p:cBhvr>
+                                        <p:cTn id="6" dur="1" fill="hold">
+                                          <p:stCondLst>
+                                            <p:cond delay="0"/>
+                                          </p:stCondLst>
+                                        </p:cTn>
+                                        <p:tgtEl>
+                                          <p:spTgt spid="3">
+                                            <p:txEl>
+                                              <p:pRg st="0" end="0"/>
+                                            </p:txEl>
+                                          </p:spTgt>
+                                        </p:tgtEl>
+                                        <p:attrNameLst>
+                                          <p:attrName>style.visibility</p:attrName>
+                                        </p:attrNameLst>
+                                      </p:cBhvr>
+                                      <p:to>
+                                        <p:strVal val="visible"/>
+                                      </p:to>
+                                    </p:set>
+                                  </p:childTnLst>
+                                </p:cTn>
+                              </p:par>
+                            </p:childTnLst>
+                          </p:cTn>
+                        </p:par>
+                      </p:childTnLst>
+                    </p:cTn>
+                  </p:par>
+                  <p:par>
+                    <p:cTn id="7" fill="hold">
+                      <p:stCondLst>
+                        <p:cond delay="indefinite"/>
+                      </p:stCondLst>
+                      <p:childTnLst>
+                        <p:par>
+                          <p:cTn id="8" fill="hold">
+                            <p:stCondLst>
+                              <p:cond delay="0"/>
+                            </p:stCondLst>
+                            <p:childTnLst>
+                              <p:par>
+                                <p:cTn id="9" presetID="1" presetClass="entr" presetSubtype="0" fill="hold" grpId="0" nodeType="clickEffect">
+                                  <p:stCondLst>
+                                    <p:cond delay="0"/>
+                                  </p:stCondLst>
+                                  <p:iterate type="lt">
+                                    <p:tmAbs val="70"/>
+                                  </p:iterate>
+                                  <p:childTnLst>
+                                    <p:set>
+                                      <p:cBhvr>
+                                        <p:cTn id="10" dur="1" fill="hold">
+                                          <p:stCondLst>
+                                            <p:cond delay="0"/>
+                                          </p:stCondLst>
+                                        </p:cTn>
+                                        <p:tgtEl>
+                                          <p:spTgt spid="3">
+                                            <p:txEl>
+                                              <p:pRg st="1" end="1"/>
+                                            </p:txEl>
+                                          </p:spTgt>
+                                        </p:tgtEl>
+                                        <p:attrNameLst>
+                                          <p:attrName>style.visibility</p:attrName>
+                                        </p:attrNameLst>
+                                      </p:cBhvr>
+                                      <p:to>
+                                        <p:strVal val="visible"/>
+                                      </p:to>
+                                    </p:set>
+                                  </p:childTnLst>
+                                </p:cTn>
+                              </p:par>
+                            </p:childTnLst>
+                          </p:cTn>
+                        </p:par>
+                      </p:childTnLst>
+                    </p:cTn>
+                  </p:par>
+                  <p:par>
+                    <p:cTn id="11" fill="hold">
+                      <p:stCondLst>
+                        <p:cond delay="indefinite"/>
+                      </p:stCondLst>
+                      <p:childTnLst>
+                        <p:par>
+                          <p:cTn id="12" fill="hold">
+                            <p:stCondLst>
+                              <p:cond delay="0"/>
+                            </p:stCondLst>
+                            <p:childTnLst>
+                              <p:par>
+                                <p:cTn id="13" presetID="1" presetClass="entr" presetSubtype="0" fill="hold" grpId="0" nodeType="clickEffect">
+                                  <p:stCondLst>
+                                    <p:cond delay="0"/>
+                                  </p:stCondLst>
+                                  <p:iterate type="lt">
+                                    <p:tmAbs val="70"/>
+                                  </p:iterate>
+                                  <p:childTnLst>
+                                    <p:set>
+                                      <p:cBhvr>
+                                        <p:cTn id="14" dur="1" fill="hold">
+                                          <p:stCondLst>
+                                            <p:cond delay="0"/>
+                                          </p:stCondLst>
+                                        </p:cTn>
+                                        <p:tgtEl>
+                                          <p:spTgt spid="3">
+                                            <p:txEl>
+                                              <p:pRg st="2" end="2"/>
+                                            </p:txEl>
+                                          </p:spTgt>
+                                        </p:tgtEl>
+                                        <p:attrNameLst>
+                                          <p:attrName>style.visibility</p:attrName>
+                                        </p:attrNameLst>
+                                      </p:cBhvr>
+                                      <p:to>
+                                        <p:strVal val="visible"/>
+                                      </p:to>
+                                    </p:set>
+                                  </p:childTnLst>
+                                </p:cTn>
+                              </p:par>
+                            </p:childTnLst>
+                          </p:cTn>
+                        </p:par>
+                      </p:childTnLst>
+                    </p:cTn>
+                  </p:par>
+                </p:childTnLst>
+              </p:cTn>
+              <p:prevCondLst>
+                <p:cond evt="onPrev" delay="0">
+                  <p:tgtEl>
+                    <p:sldTgt/>
+                  </p:tgtEl>
+                </p:cond>
+              </p:prevCondLst>
+              <p:nextCondLst>
+                <p:cond evt="onNext" delay="0">
+                  <p:tgtEl>
+                    <p:sldTgt/>
+                  </p:tgtEl>
+                </p:cond>
+              </p:nextCondLst>
+            </p:seq>
+          </p:childTnLst>
+        </p:cTn>
+      </p:par>
+    </p:tnLst>
+    <p:bldLst>
+      <p:bldP spid="3" grpId="0" uiExpand="1" build="p"/>
+    </p:bldLst>
+  </p:timing>
+</p:sld>
+</file>
+
+<file path=ppt/slides/slide20.xml><?xml version="1.0" encoding="utf-8"?>
 <p:sld xmlns:a="http://schemas.openxmlformats.org/drawingml/2006/main" xmlns:r="http://schemas.openxmlformats.org/officeDocument/2006/relationships" xmlns:p="http://schemas.openxmlformats.org/presentationml/2006/main">
   <p:cSld>
     <p:spTree>
@@ -12220,7 +12590,654 @@
 </p:sld>
 </file>
 
-<file path=ppt/slides/slide2.xml><?xml version="1.0" encoding="utf-8"?>
+<file path=ppt/slides/slide21.xml><?xml version="1.0" encoding="utf-8"?>
+<p:sld xmlns:a="http://schemas.openxmlformats.org/drawingml/2006/main" xmlns:r="http://schemas.openxmlformats.org/officeDocument/2006/relationships" xmlns:p="http://schemas.openxmlformats.org/presentationml/2006/main">
+  <p:cSld>
+    <p:bg>
+      <p:bgPr>
+        <a:solidFill>
+          <a:schemeClr val="tx1"/>
+        </a:solidFill>
+        <a:effectLst/>
+      </p:bgPr>
+    </p:bg>
+    <p:spTree>
+      <p:nvGrpSpPr>
+        <p:cNvPr id="1" name=""/>
+        <p:cNvGrpSpPr/>
+        <p:nvPr/>
+      </p:nvGrpSpPr>
+      <p:grpSpPr>
+        <a:xfrm>
+          <a:off x="0" y="0"/>
+          <a:ext cx="0" cy="0"/>
+          <a:chOff x="0" y="0"/>
+          <a:chExt cx="0" cy="0"/>
+        </a:xfrm>
+      </p:grpSpPr>
+      <p:sp>
+        <p:nvSpPr>
+          <p:cNvPr id="3" name="Rechteck 2">
+            <a:extLst>
+              <a:ext uri="{FF2B5EF4-FFF2-40B4-BE49-F238E27FC236}">
+                <a16:creationId xmlns:a16="http://schemas.microsoft.com/office/drawing/2014/main" id="{E7B0B33C-B6A9-47CA-91C6-964221ECC668}"/>
+              </a:ext>
+            </a:extLst>
+          </p:cNvPr>
+          <p:cNvSpPr/>
+          <p:nvPr/>
+        </p:nvSpPr>
+        <p:spPr>
+          <a:xfrm>
+            <a:off x="2231203" y="2553216"/>
+            <a:ext cx="6337356" cy="2092881"/>
+          </a:xfrm>
+          <a:prstGeom prst="rect">
+            <a:avLst/>
+          </a:prstGeom>
+        </p:spPr>
+        <p:txBody>
+          <a:bodyPr wrap="square" anchor="ctr">
+            <a:spAutoFit/>
+          </a:bodyPr>
+          <a:lstStyle/>
+          <a:p>
+            <a:pPr algn="ctr">
+              <a:spcAft>
+                <a:spcPts val="1200"/>
+              </a:spcAft>
+            </a:pPr>
+            <a:r>
+              <a:rPr lang="en-US" sz="2400" dirty="0">
+                <a:solidFill>
+                  <a:schemeClr val="bg1"/>
+                </a:solidFill>
+              </a:rPr>
+              <a:t>In many frameworks the flow of data is </a:t>
+            </a:r>
+            <a:r>
+              <a:rPr lang="en-US" sz="2400" i="1" dirty="0">
+                <a:solidFill>
+                  <a:schemeClr val="bg1"/>
+                </a:solidFill>
+              </a:rPr>
+              <a:t>implicit</a:t>
+            </a:r>
+            <a:r>
+              <a:rPr lang="en-US" sz="2400" dirty="0">
+                <a:solidFill>
+                  <a:schemeClr val="bg1"/>
+                </a:solidFill>
+              </a:rPr>
+              <a:t>: you need to build a mental model of how data moves around in your app.</a:t>
+            </a:r>
+          </a:p>
+          <a:p>
+            <a:pPr algn="ctr">
+              <a:spcAft>
+                <a:spcPts val="1200"/>
+              </a:spcAft>
+            </a:pPr>
+            <a:r>
+              <a:rPr lang="en-US" sz="2400" dirty="0">
+                <a:solidFill>
+                  <a:schemeClr val="bg1"/>
+                </a:solidFill>
+              </a:rPr>
+              <a:t>In Cycle.js, the flow of data is [more or less] clear by reading your code.</a:t>
+            </a:r>
+            <a:endParaRPr lang="de-AT" sz="2400" dirty="0">
+              <a:solidFill>
+                <a:schemeClr val="bg1"/>
+              </a:solidFill>
+            </a:endParaRPr>
+          </a:p>
+        </p:txBody>
+      </p:sp>
+    </p:spTree>
+    <p:extLst>
+      <p:ext uri="{BB962C8B-B14F-4D97-AF65-F5344CB8AC3E}">
+        <p14:creationId xmlns:p14="http://schemas.microsoft.com/office/powerpoint/2010/main" val="125454530"/>
+      </p:ext>
+    </p:extLst>
+  </p:cSld>
+  <p:clrMapOvr>
+    <a:masterClrMapping/>
+  </p:clrMapOvr>
+  <p:transition spd="med">
+    <p:push dir="u"/>
+  </p:transition>
+</p:sld>
+</file>
+
+<file path=ppt/slides/slide22.xml><?xml version="1.0" encoding="utf-8"?>
+<p:sld xmlns:a="http://schemas.openxmlformats.org/drawingml/2006/main" xmlns:r="http://schemas.openxmlformats.org/officeDocument/2006/relationships" xmlns:p="http://schemas.openxmlformats.org/presentationml/2006/main">
+  <p:cSld>
+    <p:bg>
+      <p:bgPr>
+        <a:solidFill>
+          <a:schemeClr val="tx1"/>
+        </a:solidFill>
+        <a:effectLst/>
+      </p:bgPr>
+    </p:bg>
+    <p:spTree>
+      <p:nvGrpSpPr>
+        <p:cNvPr id="1" name=""/>
+        <p:cNvGrpSpPr/>
+        <p:nvPr/>
+      </p:nvGrpSpPr>
+      <p:grpSpPr>
+        <a:xfrm>
+          <a:off x="0" y="0"/>
+          <a:ext cx="0" cy="0"/>
+          <a:chOff x="0" y="0"/>
+          <a:chExt cx="0" cy="0"/>
+        </a:xfrm>
+      </p:grpSpPr>
+      <p:sp>
+        <p:nvSpPr>
+          <p:cNvPr id="2" name="Rechteck 1"/>
+          <p:cNvSpPr/>
+          <p:nvPr/>
+        </p:nvSpPr>
+        <p:spPr>
+          <a:xfrm>
+            <a:off x="5077528" y="3275699"/>
+            <a:ext cx="580608" cy="646331"/>
+          </a:xfrm>
+          <a:prstGeom prst="rect">
+            <a:avLst/>
+          </a:prstGeom>
+        </p:spPr>
+        <p:txBody>
+          <a:bodyPr wrap="none" anchor="ctr">
+            <a:spAutoFit/>
+          </a:bodyPr>
+          <a:lstStyle/>
+          <a:p>
+            <a:pPr algn="ctr"/>
+            <a:r>
+              <a:rPr lang="en-US" sz="3600" dirty="0">
+                <a:solidFill>
+                  <a:schemeClr val="bg1"/>
+                </a:solidFill>
+                <a:latin typeface="+mj-lt"/>
+                <a:ea typeface="Segoe UI Emoji" panose="020B0502040204020203" pitchFamily="34" charset="0"/>
+                <a:cs typeface="Times New Roman" panose="02020603050405020304" pitchFamily="18" charset="0"/>
+              </a:rPr>
+              <a:t>{ }</a:t>
+            </a:r>
+            <a:endParaRPr lang="de-AT" sz="3600" dirty="0">
+              <a:solidFill>
+                <a:schemeClr val="bg1"/>
+              </a:solidFill>
+              <a:latin typeface="+mj-lt"/>
+              <a:ea typeface="Segoe UI Emoji" panose="020B0502040204020203" pitchFamily="34" charset="0"/>
+              <a:cs typeface="Times New Roman" panose="02020603050405020304" pitchFamily="18" charset="0"/>
+            </a:endParaRPr>
+          </a:p>
+        </p:txBody>
+      </p:sp>
+    </p:spTree>
+    <p:extLst>
+      <p:ext uri="{BB962C8B-B14F-4D97-AF65-F5344CB8AC3E}">
+        <p14:creationId xmlns:p14="http://schemas.microsoft.com/office/powerpoint/2010/main" val="3820257872"/>
+      </p:ext>
+    </p:extLst>
+  </p:cSld>
+  <p:clrMapOvr>
+    <a:masterClrMapping/>
+  </p:clrMapOvr>
+  <p:transition spd="med">
+    <p:push dir="u"/>
+  </p:transition>
+</p:sld>
+</file>
+
+<file path=ppt/slides/slide23.xml><?xml version="1.0" encoding="utf-8"?>
+<p:sld xmlns:a="http://schemas.openxmlformats.org/drawingml/2006/main" xmlns:r="http://schemas.openxmlformats.org/officeDocument/2006/relationships" xmlns:p="http://schemas.openxmlformats.org/presentationml/2006/main">
+  <p:cSld>
+    <p:bg>
+      <p:bgPr>
+        <a:solidFill>
+          <a:schemeClr val="tx1"/>
+        </a:solidFill>
+        <a:effectLst/>
+      </p:bgPr>
+    </p:bg>
+    <p:spTree>
+      <p:nvGrpSpPr>
+        <p:cNvPr id="1" name=""/>
+        <p:cNvGrpSpPr/>
+        <p:nvPr/>
+      </p:nvGrpSpPr>
+      <p:grpSpPr>
+        <a:xfrm>
+          <a:off x="0" y="0"/>
+          <a:ext cx="0" cy="0"/>
+          <a:chOff x="0" y="0"/>
+          <a:chExt cx="0" cy="0"/>
+        </a:xfrm>
+      </p:grpSpPr>
+      <p:sp>
+        <p:nvSpPr>
+          <p:cNvPr id="2" name="Rechteck 1"/>
+          <p:cNvSpPr/>
+          <p:nvPr/>
+        </p:nvSpPr>
+        <p:spPr>
+          <a:xfrm>
+            <a:off x="5028635" y="3337254"/>
+            <a:ext cx="678391" cy="523220"/>
+          </a:xfrm>
+          <a:prstGeom prst="rect">
+            <a:avLst/>
+          </a:prstGeom>
+        </p:spPr>
+        <p:txBody>
+          <a:bodyPr wrap="none" anchor="ctr">
+            <a:spAutoFit/>
+          </a:bodyPr>
+          <a:lstStyle/>
+          <a:p>
+            <a:pPr algn="ctr"/>
+            <a:r>
+              <a:rPr lang="de-AT" sz="2800" dirty="0">
+                <a:solidFill>
+                  <a:schemeClr val="bg1"/>
+                </a:solidFill>
+                <a:latin typeface="Segoe UI Emoji" panose="020B0502040204020203" pitchFamily="34" charset="0"/>
+                <a:ea typeface="Segoe UI Emoji" panose="020B0502040204020203" pitchFamily="34" charset="0"/>
+                <a:cs typeface="Times New Roman" panose="02020603050405020304" pitchFamily="18" charset="0"/>
+              </a:rPr>
+              <a:t>😍</a:t>
+            </a:r>
+          </a:p>
+        </p:txBody>
+      </p:sp>
+      <p:sp>
+        <p:nvSpPr>
+          <p:cNvPr id="3" name="Rechteck 2"/>
+          <p:cNvSpPr/>
+          <p:nvPr/>
+        </p:nvSpPr>
+        <p:spPr>
+          <a:xfrm>
+            <a:off x="3662075" y="4751029"/>
+            <a:ext cx="3411511" cy="369332"/>
+          </a:xfrm>
+          <a:prstGeom prst="rect">
+            <a:avLst/>
+          </a:prstGeom>
+        </p:spPr>
+        <p:txBody>
+          <a:bodyPr wrap="none">
+            <a:spAutoFit/>
+          </a:bodyPr>
+          <a:lstStyle/>
+          <a:p>
+            <a:pPr algn="ctr"/>
+            <a:r>
+              <a:rPr lang="de-AT" dirty="0">
+                <a:solidFill>
+                  <a:schemeClr val="bg1"/>
+                </a:solidFill>
+                <a:hlinkClick r:id="rId2"/>
+              </a:rPr>
+              <a:t>https://github.com/cyclejs/time</a:t>
+            </a:r>
+            <a:endParaRPr lang="de-AT" dirty="0">
+              <a:solidFill>
+                <a:schemeClr val="bg1"/>
+              </a:solidFill>
+            </a:endParaRPr>
+          </a:p>
+        </p:txBody>
+      </p:sp>
+      <p:sp>
+        <p:nvSpPr>
+          <p:cNvPr id="4" name="Rechteck 3"/>
+          <p:cNvSpPr/>
+          <p:nvPr/>
+        </p:nvSpPr>
+        <p:spPr>
+          <a:xfrm>
+            <a:off x="3532231" y="4344363"/>
+            <a:ext cx="3671198" cy="369332"/>
+          </a:xfrm>
+          <a:prstGeom prst="rect">
+            <a:avLst/>
+          </a:prstGeom>
+        </p:spPr>
+        <p:txBody>
+          <a:bodyPr wrap="none">
+            <a:spAutoFit/>
+          </a:bodyPr>
+          <a:lstStyle/>
+          <a:p>
+            <a:pPr algn="ctr"/>
+            <a:r>
+              <a:rPr lang="de-AT" dirty="0">
+                <a:solidFill>
+                  <a:schemeClr val="bg1"/>
+                </a:solidFill>
+                <a:hlinkClick r:id="rId3"/>
+              </a:rPr>
+              <a:t>https://github.com/sartaj/pipe-me</a:t>
+            </a:r>
+            <a:endParaRPr lang="de-AT" dirty="0">
+              <a:solidFill>
+                <a:schemeClr val="bg1"/>
+              </a:solidFill>
+            </a:endParaRPr>
+          </a:p>
+        </p:txBody>
+      </p:sp>
+      <p:sp>
+        <p:nvSpPr>
+          <p:cNvPr id="5" name="Rechteck 4"/>
+          <p:cNvSpPr/>
+          <p:nvPr/>
+        </p:nvSpPr>
+        <p:spPr>
+          <a:xfrm>
+            <a:off x="2443792" y="5157695"/>
+            <a:ext cx="5848076" cy="369332"/>
+          </a:xfrm>
+          <a:prstGeom prst="rect">
+            <a:avLst/>
+          </a:prstGeom>
+        </p:spPr>
+        <p:txBody>
+          <a:bodyPr wrap="none">
+            <a:spAutoFit/>
+          </a:bodyPr>
+          <a:lstStyle/>
+          <a:p>
+            <a:pPr algn="ctr"/>
+            <a:r>
+              <a:rPr lang="de-AT" dirty="0">
+                <a:solidFill>
+                  <a:schemeClr val="bg1"/>
+                </a:solidFill>
+                <a:hlinkClick r:id="rId4"/>
+              </a:rPr>
+              <a:t>https://github.com/cyclejs-community/awesome-cyclejs</a:t>
+            </a:r>
+            <a:endParaRPr lang="de-AT" dirty="0">
+              <a:solidFill>
+                <a:schemeClr val="bg1"/>
+              </a:solidFill>
+            </a:endParaRPr>
+          </a:p>
+        </p:txBody>
+      </p:sp>
+    </p:spTree>
+    <p:extLst>
+      <p:ext uri="{BB962C8B-B14F-4D97-AF65-F5344CB8AC3E}">
+        <p14:creationId xmlns:p14="http://schemas.microsoft.com/office/powerpoint/2010/main" val="3795333368"/>
+      </p:ext>
+    </p:extLst>
+  </p:cSld>
+  <p:clrMapOvr>
+    <a:masterClrMapping/>
+  </p:clrMapOvr>
+  <p:transition spd="med">
+    <p:push dir="u"/>
+  </p:transition>
+</p:sld>
+</file>
+
+<file path=ppt/slides/slide24.xml><?xml version="1.0" encoding="utf-8"?>
+<p:sld xmlns:a="http://schemas.openxmlformats.org/drawingml/2006/main" xmlns:r="http://schemas.openxmlformats.org/officeDocument/2006/relationships" xmlns:p="http://schemas.openxmlformats.org/presentationml/2006/main">
+  <p:cSld>
+    <p:bg>
+      <p:bgPr>
+        <a:solidFill>
+          <a:schemeClr val="tx1"/>
+        </a:solidFill>
+        <a:effectLst/>
+      </p:bgPr>
+    </p:bg>
+    <p:spTree>
+      <p:nvGrpSpPr>
+        <p:cNvPr id="1" name=""/>
+        <p:cNvGrpSpPr/>
+        <p:nvPr/>
+      </p:nvGrpSpPr>
+      <p:grpSpPr>
+        <a:xfrm>
+          <a:off x="0" y="0"/>
+          <a:ext cx="0" cy="0"/>
+          <a:chOff x="0" y="0"/>
+          <a:chExt cx="0" cy="0"/>
+        </a:xfrm>
+      </p:grpSpPr>
+      <p:sp>
+        <p:nvSpPr>
+          <p:cNvPr id="2" name="Titel 1"/>
+          <p:cNvSpPr>
+            <a:spLocks noGrp="1"/>
+          </p:cNvSpPr>
+          <p:nvPr>
+            <p:ph type="title"/>
+          </p:nvPr>
+        </p:nvSpPr>
+        <p:spPr/>
+        <p:txBody>
+          <a:bodyPr>
+            <a:normAutofit/>
+          </a:bodyPr>
+          <a:lstStyle/>
+          <a:p>
+            <a:pPr algn="ctr"/>
+            <a:r>
+              <a:rPr lang="en-US" sz="3600" cap="all" dirty="0">
+                <a:solidFill>
+                  <a:schemeClr val="bg1"/>
+                </a:solidFill>
+              </a:rPr>
+              <a:t>sources</a:t>
+            </a:r>
+            <a:endParaRPr lang="de-AT" sz="3600" cap="all" dirty="0">
+              <a:solidFill>
+                <a:schemeClr val="bg1"/>
+              </a:solidFill>
+            </a:endParaRPr>
+          </a:p>
+        </p:txBody>
+      </p:sp>
+      <p:sp>
+        <p:nvSpPr>
+          <p:cNvPr id="3" name="Inhaltsplatzhalter 2"/>
+          <p:cNvSpPr>
+            <a:spLocks noGrp="1"/>
+          </p:cNvSpPr>
+          <p:nvPr>
+            <p:ph idx="1"/>
+          </p:nvPr>
+        </p:nvSpPr>
+        <p:spPr>
+          <a:xfrm>
+            <a:off x="742484" y="1916484"/>
+            <a:ext cx="9314796" cy="4567898"/>
+          </a:xfrm>
+        </p:spPr>
+        <p:txBody>
+          <a:bodyPr/>
+          <a:lstStyle/>
+          <a:p>
+            <a:pPr>
+              <a:buFontTx/>
+              <a:buChar char="-"/>
+            </a:pPr>
+            <a:r>
+              <a:rPr lang="en-US" dirty="0">
+                <a:solidFill>
+                  <a:schemeClr val="bg1"/>
+                </a:solidFill>
+                <a:hlinkClick r:id="rId2"/>
+              </a:rPr>
+              <a:t>The introduction to Reactive Programming you've been missing</a:t>
+            </a:r>
+            <a:endParaRPr lang="en-US" dirty="0">
+              <a:solidFill>
+                <a:schemeClr val="bg1"/>
+              </a:solidFill>
+            </a:endParaRPr>
+          </a:p>
+          <a:p>
+            <a:pPr>
+              <a:buFontTx/>
+              <a:buChar char="-"/>
+            </a:pPr>
+            <a:r>
+              <a:rPr lang="en-US" dirty="0">
+                <a:solidFill>
+                  <a:schemeClr val="bg1"/>
+                </a:solidFill>
+                <a:hlinkClick r:id="rId3"/>
+              </a:rPr>
+              <a:t>Reactive MVC and the Virtual DOM</a:t>
+            </a:r>
+            <a:endParaRPr lang="en-US" dirty="0">
+              <a:solidFill>
+                <a:schemeClr val="bg1"/>
+              </a:solidFill>
+            </a:endParaRPr>
+          </a:p>
+          <a:p>
+            <a:pPr>
+              <a:buFontTx/>
+              <a:buChar char="-"/>
+            </a:pPr>
+            <a:r>
+              <a:rPr lang="en-US" dirty="0">
+                <a:solidFill>
+                  <a:schemeClr val="bg1"/>
+                </a:solidFill>
+                <a:hlinkClick r:id="rId4"/>
+              </a:rPr>
+              <a:t>cycle.js.org</a:t>
+            </a:r>
+            <a:endParaRPr lang="en-US" dirty="0">
+              <a:solidFill>
+                <a:schemeClr val="bg1"/>
+              </a:solidFill>
+            </a:endParaRPr>
+          </a:p>
+          <a:p>
+            <a:pPr>
+              <a:buFontTx/>
+              <a:buChar char="-"/>
+            </a:pPr>
+            <a:r>
+              <a:rPr lang="en-US" dirty="0">
+                <a:solidFill>
+                  <a:schemeClr val="bg1"/>
+                </a:solidFill>
+                <a:hlinkClick r:id="rId5"/>
+              </a:rPr>
+              <a:t>CycleConf</a:t>
+            </a:r>
+            <a:r>
+              <a:rPr lang="en-US" dirty="0">
+                <a:solidFill>
+                  <a:schemeClr val="bg1"/>
+                </a:solidFill>
+              </a:rPr>
+              <a:t> </a:t>
+            </a:r>
+            <a:r>
+              <a:rPr lang="en-US" b="1" dirty="0">
+                <a:solidFill>
+                  <a:schemeClr val="bg1"/>
+                </a:solidFill>
+              </a:rPr>
+              <a:t>[talks]</a:t>
+            </a:r>
+          </a:p>
+          <a:p>
+            <a:pPr>
+              <a:buFontTx/>
+              <a:buChar char="-"/>
+            </a:pPr>
+            <a:r>
+              <a:rPr lang="en-US" dirty="0">
+                <a:solidFill>
+                  <a:schemeClr val="bg1"/>
+                </a:solidFill>
+                <a:hlinkClick r:id="rId6"/>
+              </a:rPr>
+              <a:t>Learning how to ride: an introduction to Cycle.js</a:t>
+            </a:r>
+            <a:endParaRPr lang="en-US" dirty="0">
+              <a:solidFill>
+                <a:schemeClr val="bg1"/>
+              </a:solidFill>
+              <a:hlinkClick r:id="rId2"/>
+            </a:endParaRPr>
+          </a:p>
+          <a:p>
+            <a:pPr>
+              <a:buFontTx/>
+              <a:buChar char="-"/>
+            </a:pPr>
+            <a:r>
+              <a:rPr lang="en-US" dirty="0">
+                <a:solidFill>
+                  <a:schemeClr val="bg1"/>
+                </a:solidFill>
+                <a:hlinkClick r:id="rId7"/>
+              </a:rPr>
+              <a:t>Save time avoiding common mistakes using </a:t>
+            </a:r>
+            <a:r>
+              <a:rPr lang="en-US" dirty="0" err="1">
+                <a:solidFill>
+                  <a:schemeClr val="bg1"/>
+                </a:solidFill>
+                <a:hlinkClick r:id="rId7"/>
+              </a:rPr>
+              <a:t>RxJS</a:t>
+            </a:r>
+            <a:r>
+              <a:rPr lang="en-US" dirty="0">
+                <a:solidFill>
+                  <a:schemeClr val="bg1"/>
+                </a:solidFill>
+              </a:rPr>
+              <a:t> </a:t>
+            </a:r>
+            <a:r>
+              <a:rPr lang="en-US" b="1" dirty="0">
+                <a:solidFill>
+                  <a:schemeClr val="bg1"/>
+                </a:solidFill>
+              </a:rPr>
+              <a:t>[big recommendation]</a:t>
+            </a:r>
+          </a:p>
+        </p:txBody>
+      </p:sp>
+    </p:spTree>
+    <p:extLst>
+      <p:ext uri="{BB962C8B-B14F-4D97-AF65-F5344CB8AC3E}">
+        <p14:creationId xmlns:p14="http://schemas.microsoft.com/office/powerpoint/2010/main" val="1447968673"/>
+      </p:ext>
+    </p:extLst>
+  </p:cSld>
+  <p:clrMapOvr>
+    <a:masterClrMapping/>
+  </p:clrMapOvr>
+  <p:transition spd="med">
+    <p:push dir="u"/>
+  </p:transition>
+</p:sld>
+</file>
+
+<file path=ppt/slides/slide3.xml><?xml version="1.0" encoding="utf-8"?>
 <p:sld xmlns:a="http://schemas.openxmlformats.org/drawingml/2006/main" xmlns:r="http://schemas.openxmlformats.org/officeDocument/2006/relationships" xmlns:p="http://schemas.openxmlformats.org/presentationml/2006/main">
   <p:cSld>
     <p:spTree>
@@ -12739,574 +13756,7 @@
 </p:sld>
 </file>
 
-<file path=ppt/slides/slide20.xml><?xml version="1.0" encoding="utf-8"?>
-<p:sld xmlns:a="http://schemas.openxmlformats.org/drawingml/2006/main" xmlns:r="http://schemas.openxmlformats.org/officeDocument/2006/relationships" xmlns:p="http://schemas.openxmlformats.org/presentationml/2006/main">
-  <p:cSld>
-    <p:bg>
-      <p:bgPr>
-        <a:solidFill>
-          <a:schemeClr val="tx1"/>
-        </a:solidFill>
-        <a:effectLst/>
-      </p:bgPr>
-    </p:bg>
-    <p:spTree>
-      <p:nvGrpSpPr>
-        <p:cNvPr id="1" name=""/>
-        <p:cNvGrpSpPr/>
-        <p:nvPr/>
-      </p:nvGrpSpPr>
-      <p:grpSpPr>
-        <a:xfrm>
-          <a:off x="0" y="0"/>
-          <a:ext cx="0" cy="0"/>
-          <a:chOff x="0" y="0"/>
-          <a:chExt cx="0" cy="0"/>
-        </a:xfrm>
-      </p:grpSpPr>
-      <p:sp>
-        <p:nvSpPr>
-          <p:cNvPr id="2" name="Rechteck 1"/>
-          <p:cNvSpPr/>
-          <p:nvPr/>
-        </p:nvSpPr>
-        <p:spPr>
-          <a:xfrm>
-            <a:off x="1228716" y="3275699"/>
-            <a:ext cx="8278227" cy="1477328"/>
-          </a:xfrm>
-          <a:prstGeom prst="rect">
-            <a:avLst/>
-          </a:prstGeom>
-        </p:spPr>
-        <p:txBody>
-          <a:bodyPr wrap="none" anchor="t">
-            <a:spAutoFit/>
-          </a:bodyPr>
-          <a:lstStyle/>
-          <a:p>
-            <a:pPr algn="ctr"/>
-            <a:r>
-              <a:rPr lang="en-US" sz="3600" dirty="0">
-                <a:solidFill>
-                  <a:schemeClr val="bg1"/>
-                </a:solidFill>
-                <a:latin typeface="+mj-lt"/>
-                <a:ea typeface="Segoe UI Emoji" panose="020B0502040204020203" pitchFamily="34" charset="0"/>
-                <a:cs typeface="Times New Roman" panose="02020603050405020304" pitchFamily="18" charset="0"/>
-              </a:rPr>
-              <a:t>{ }</a:t>
-            </a:r>
-          </a:p>
-          <a:p>
-            <a:pPr algn="ctr"/>
-            <a:endParaRPr lang="en-US" sz="3600" dirty="0">
-              <a:solidFill>
-                <a:schemeClr val="bg1"/>
-              </a:solidFill>
-              <a:latin typeface="+mj-lt"/>
-              <a:ea typeface="Segoe UI Emoji" panose="020B0502040204020203" pitchFamily="34" charset="0"/>
-              <a:cs typeface="Times New Roman" panose="02020603050405020304" pitchFamily="18" charset="0"/>
-            </a:endParaRPr>
-          </a:p>
-          <a:p>
-            <a:pPr algn="ctr"/>
-            <a:r>
-              <a:rPr lang="en-US" dirty="0">
-                <a:solidFill>
-                  <a:schemeClr val="bg1"/>
-                </a:solidFill>
-                <a:latin typeface="+mj-lt"/>
-                <a:ea typeface="Segoe UI Emoji" panose="020B0502040204020203" pitchFamily="34" charset="0"/>
-                <a:cs typeface="Times New Roman" panose="02020603050405020304" pitchFamily="18" charset="0"/>
-              </a:rPr>
-              <a:t>(</a:t>
-            </a:r>
-            <a:r>
-              <a:rPr lang="en-US" dirty="0">
-                <a:solidFill>
-                  <a:schemeClr val="bg1"/>
-                </a:solidFill>
-                <a:latin typeface="+mj-lt"/>
-                <a:ea typeface="Segoe UI Emoji" panose="020B0502040204020203" pitchFamily="34" charset="0"/>
-                <a:cs typeface="Times New Roman" panose="02020603050405020304" pitchFamily="18" charset="0"/>
-                <a:hlinkClick r:id="rId2"/>
-              </a:rPr>
-              <a:t>https://cycle.js.org/basic-examples.html#basic-examples-increment-a-counter</a:t>
-            </a:r>
-            <a:r>
-              <a:rPr lang="en-US" dirty="0">
-                <a:solidFill>
-                  <a:schemeClr val="bg1"/>
-                </a:solidFill>
-                <a:latin typeface="+mj-lt"/>
-                <a:ea typeface="Segoe UI Emoji" panose="020B0502040204020203" pitchFamily="34" charset="0"/>
-                <a:cs typeface="Times New Roman" panose="02020603050405020304" pitchFamily="18" charset="0"/>
-              </a:rPr>
-              <a:t>)</a:t>
-            </a:r>
-          </a:p>
-        </p:txBody>
-      </p:sp>
-    </p:spTree>
-    <p:extLst>
-      <p:ext uri="{BB962C8B-B14F-4D97-AF65-F5344CB8AC3E}">
-        <p14:creationId xmlns:p14="http://schemas.microsoft.com/office/powerpoint/2010/main" val="125454530"/>
-      </p:ext>
-    </p:extLst>
-  </p:cSld>
-  <p:clrMapOvr>
-    <a:masterClrMapping/>
-  </p:clrMapOvr>
-  <p:transition spd="med">
-    <p:push dir="u"/>
-  </p:transition>
-</p:sld>
-</file>
-
-<file path=ppt/slides/slide21.xml><?xml version="1.0" encoding="utf-8"?>
-<p:sld xmlns:a="http://schemas.openxmlformats.org/drawingml/2006/main" xmlns:r="http://schemas.openxmlformats.org/officeDocument/2006/relationships" xmlns:p="http://schemas.openxmlformats.org/presentationml/2006/main">
-  <p:cSld>
-    <p:bg>
-      <p:bgPr>
-        <a:solidFill>
-          <a:schemeClr val="tx1"/>
-        </a:solidFill>
-        <a:effectLst/>
-      </p:bgPr>
-    </p:bg>
-    <p:spTree>
-      <p:nvGrpSpPr>
-        <p:cNvPr id="1" name=""/>
-        <p:cNvGrpSpPr/>
-        <p:nvPr/>
-      </p:nvGrpSpPr>
-      <p:grpSpPr>
-        <a:xfrm>
-          <a:off x="0" y="0"/>
-          <a:ext cx="0" cy="0"/>
-          <a:chOff x="0" y="0"/>
-          <a:chExt cx="0" cy="0"/>
-        </a:xfrm>
-      </p:grpSpPr>
-      <p:sp>
-        <p:nvSpPr>
-          <p:cNvPr id="2" name="Rechteck 1"/>
-          <p:cNvSpPr/>
-          <p:nvPr/>
-        </p:nvSpPr>
-        <p:spPr>
-          <a:xfrm>
-            <a:off x="5028635" y="3337254"/>
-            <a:ext cx="678391" cy="523220"/>
-          </a:xfrm>
-          <a:prstGeom prst="rect">
-            <a:avLst/>
-          </a:prstGeom>
-        </p:spPr>
-        <p:txBody>
-          <a:bodyPr wrap="none" anchor="ctr">
-            <a:spAutoFit/>
-          </a:bodyPr>
-          <a:lstStyle/>
-          <a:p>
-            <a:pPr algn="ctr"/>
-            <a:r>
-              <a:rPr lang="de-AT" sz="2800" dirty="0">
-                <a:solidFill>
-                  <a:schemeClr val="bg1"/>
-                </a:solidFill>
-                <a:latin typeface="Segoe UI Emoji" panose="020B0502040204020203" pitchFamily="34" charset="0"/>
-                <a:ea typeface="Segoe UI Emoji" panose="020B0502040204020203" pitchFamily="34" charset="0"/>
-                <a:cs typeface="Times New Roman" panose="02020603050405020304" pitchFamily="18" charset="0"/>
-              </a:rPr>
-              <a:t>😍</a:t>
-            </a:r>
-          </a:p>
-        </p:txBody>
-      </p:sp>
-      <p:sp>
-        <p:nvSpPr>
-          <p:cNvPr id="3" name="Rechteck 2"/>
-          <p:cNvSpPr/>
-          <p:nvPr/>
-        </p:nvSpPr>
-        <p:spPr>
-          <a:xfrm>
-            <a:off x="3662075" y="4751029"/>
-            <a:ext cx="3411511" cy="369332"/>
-          </a:xfrm>
-          <a:prstGeom prst="rect">
-            <a:avLst/>
-          </a:prstGeom>
-        </p:spPr>
-        <p:txBody>
-          <a:bodyPr wrap="none">
-            <a:spAutoFit/>
-          </a:bodyPr>
-          <a:lstStyle/>
-          <a:p>
-            <a:pPr algn="ctr"/>
-            <a:r>
-              <a:rPr lang="de-AT" dirty="0">
-                <a:solidFill>
-                  <a:schemeClr val="bg1"/>
-                </a:solidFill>
-                <a:hlinkClick r:id="rId2"/>
-              </a:rPr>
-              <a:t>https://github.com/cyclejs/time</a:t>
-            </a:r>
-            <a:endParaRPr lang="de-AT" dirty="0">
-              <a:solidFill>
-                <a:schemeClr val="bg1"/>
-              </a:solidFill>
-            </a:endParaRPr>
-          </a:p>
-        </p:txBody>
-      </p:sp>
-      <p:sp>
-        <p:nvSpPr>
-          <p:cNvPr id="4" name="Rechteck 3"/>
-          <p:cNvSpPr/>
-          <p:nvPr/>
-        </p:nvSpPr>
-        <p:spPr>
-          <a:xfrm>
-            <a:off x="3215639" y="4344363"/>
-            <a:ext cx="4304383" cy="369332"/>
-          </a:xfrm>
-          <a:prstGeom prst="rect">
-            <a:avLst/>
-          </a:prstGeom>
-        </p:spPr>
-        <p:txBody>
-          <a:bodyPr wrap="none">
-            <a:spAutoFit/>
-          </a:bodyPr>
-          <a:lstStyle/>
-          <a:p>
-            <a:pPr algn="ctr"/>
-            <a:r>
-              <a:rPr lang="de-AT" dirty="0">
-                <a:solidFill>
-                  <a:schemeClr val="bg1"/>
-                </a:solidFill>
-                <a:hlinkClick r:id="rId3"/>
-              </a:rPr>
-              <a:t>https://github.com/staltz/html-looks-like</a:t>
-            </a:r>
-            <a:endParaRPr lang="de-AT" dirty="0">
-              <a:solidFill>
-                <a:schemeClr val="bg1"/>
-              </a:solidFill>
-            </a:endParaRPr>
-          </a:p>
-        </p:txBody>
-      </p:sp>
-      <p:sp>
-        <p:nvSpPr>
-          <p:cNvPr id="5" name="Rechteck 4"/>
-          <p:cNvSpPr/>
-          <p:nvPr/>
-        </p:nvSpPr>
-        <p:spPr>
-          <a:xfrm>
-            <a:off x="2443792" y="5157695"/>
-            <a:ext cx="5848076" cy="369332"/>
-          </a:xfrm>
-          <a:prstGeom prst="rect">
-            <a:avLst/>
-          </a:prstGeom>
-        </p:spPr>
-        <p:txBody>
-          <a:bodyPr wrap="none">
-            <a:spAutoFit/>
-          </a:bodyPr>
-          <a:lstStyle/>
-          <a:p>
-            <a:pPr algn="ctr"/>
-            <a:r>
-              <a:rPr lang="de-AT" dirty="0">
-                <a:solidFill>
-                  <a:schemeClr val="bg1"/>
-                </a:solidFill>
-                <a:hlinkClick r:id="rId4"/>
-              </a:rPr>
-              <a:t>https://github.com/cyclejs-community/awesome-cyclejs</a:t>
-            </a:r>
-            <a:endParaRPr lang="de-AT" dirty="0">
-              <a:solidFill>
-                <a:schemeClr val="bg1"/>
-              </a:solidFill>
-            </a:endParaRPr>
-          </a:p>
-        </p:txBody>
-      </p:sp>
-    </p:spTree>
-    <p:extLst>
-      <p:ext uri="{BB962C8B-B14F-4D97-AF65-F5344CB8AC3E}">
-        <p14:creationId xmlns:p14="http://schemas.microsoft.com/office/powerpoint/2010/main" val="3795333368"/>
-      </p:ext>
-    </p:extLst>
-  </p:cSld>
-  <p:clrMapOvr>
-    <a:masterClrMapping/>
-  </p:clrMapOvr>
-  <p:transition spd="med">
-    <p:push dir="u"/>
-  </p:transition>
-</p:sld>
-</file>
-
-<file path=ppt/slides/slide22.xml><?xml version="1.0" encoding="utf-8"?>
-<p:sld xmlns:a="http://schemas.openxmlformats.org/drawingml/2006/main" xmlns:r="http://schemas.openxmlformats.org/officeDocument/2006/relationships" xmlns:p="http://schemas.openxmlformats.org/presentationml/2006/main">
-  <p:cSld>
-    <p:bg>
-      <p:bgPr>
-        <a:solidFill>
-          <a:schemeClr val="tx1"/>
-        </a:solidFill>
-        <a:effectLst/>
-      </p:bgPr>
-    </p:bg>
-    <p:spTree>
-      <p:nvGrpSpPr>
-        <p:cNvPr id="1" name=""/>
-        <p:cNvGrpSpPr/>
-        <p:nvPr/>
-      </p:nvGrpSpPr>
-      <p:grpSpPr>
-        <a:xfrm>
-          <a:off x="0" y="0"/>
-          <a:ext cx="0" cy="0"/>
-          <a:chOff x="0" y="0"/>
-          <a:chExt cx="0" cy="0"/>
-        </a:xfrm>
-      </p:grpSpPr>
-      <p:sp>
-        <p:nvSpPr>
-          <p:cNvPr id="2" name="Titel 1"/>
-          <p:cNvSpPr>
-            <a:spLocks noGrp="1"/>
-          </p:cNvSpPr>
-          <p:nvPr>
-            <p:ph type="title"/>
-          </p:nvPr>
-        </p:nvSpPr>
-        <p:spPr/>
-        <p:txBody>
-          <a:bodyPr>
-            <a:normAutofit/>
-          </a:bodyPr>
-          <a:lstStyle/>
-          <a:p>
-            <a:pPr algn="ctr"/>
-            <a:r>
-              <a:rPr lang="en-US" sz="3600" cap="all" dirty="0">
-                <a:solidFill>
-                  <a:schemeClr val="bg1"/>
-                </a:solidFill>
-              </a:rPr>
-              <a:t>sources</a:t>
-            </a:r>
-            <a:endParaRPr lang="de-AT" sz="3600" cap="all" dirty="0">
-              <a:solidFill>
-                <a:schemeClr val="bg1"/>
-              </a:solidFill>
-            </a:endParaRPr>
-          </a:p>
-        </p:txBody>
-      </p:sp>
-      <p:sp>
-        <p:nvSpPr>
-          <p:cNvPr id="3" name="Inhaltsplatzhalter 2"/>
-          <p:cNvSpPr>
-            <a:spLocks noGrp="1"/>
-          </p:cNvSpPr>
-          <p:nvPr>
-            <p:ph idx="1"/>
-          </p:nvPr>
-        </p:nvSpPr>
-        <p:spPr>
-          <a:xfrm>
-            <a:off x="742484" y="1916484"/>
-            <a:ext cx="9314796" cy="4567898"/>
-          </a:xfrm>
-        </p:spPr>
-        <p:txBody>
-          <a:bodyPr/>
-          <a:lstStyle/>
-          <a:p>
-            <a:pPr>
-              <a:buFontTx/>
-              <a:buChar char="-"/>
-            </a:pPr>
-            <a:r>
-              <a:rPr lang="en-US" dirty="0">
-                <a:solidFill>
-                  <a:schemeClr val="bg1"/>
-                </a:solidFill>
-                <a:hlinkClick r:id="rId2"/>
-              </a:rPr>
-              <a:t>The introduction to Reactive Programming you've been missing</a:t>
-            </a:r>
-            <a:endParaRPr lang="en-US" dirty="0">
-              <a:solidFill>
-                <a:schemeClr val="bg1"/>
-              </a:solidFill>
-            </a:endParaRPr>
-          </a:p>
-          <a:p>
-            <a:pPr>
-              <a:buFontTx/>
-              <a:buChar char="-"/>
-            </a:pPr>
-            <a:r>
-              <a:rPr lang="en-US" dirty="0">
-                <a:solidFill>
-                  <a:schemeClr val="bg1"/>
-                </a:solidFill>
-                <a:hlinkClick r:id="rId3"/>
-              </a:rPr>
-              <a:t>Reactive MVC and the Virtual DOM</a:t>
-            </a:r>
-            <a:endParaRPr lang="en-US" dirty="0">
-              <a:solidFill>
-                <a:schemeClr val="bg1"/>
-              </a:solidFill>
-            </a:endParaRPr>
-          </a:p>
-          <a:p>
-            <a:pPr>
-              <a:buFontTx/>
-              <a:buChar char="-"/>
-            </a:pPr>
-            <a:r>
-              <a:rPr lang="en-US" dirty="0">
-                <a:solidFill>
-                  <a:schemeClr val="bg1"/>
-                </a:solidFill>
-                <a:hlinkClick r:id="rId4"/>
-              </a:rPr>
-              <a:t>cycle.js.org</a:t>
-            </a:r>
-            <a:endParaRPr lang="en-US" dirty="0">
-              <a:solidFill>
-                <a:schemeClr val="bg1"/>
-              </a:solidFill>
-            </a:endParaRPr>
-          </a:p>
-          <a:p>
-            <a:pPr>
-              <a:buFontTx/>
-              <a:buChar char="-"/>
-            </a:pPr>
-            <a:r>
-              <a:rPr lang="en-US" dirty="0">
-                <a:solidFill>
-                  <a:schemeClr val="bg1"/>
-                </a:solidFill>
-                <a:hlinkClick r:id="rId5"/>
-              </a:rPr>
-              <a:t>CycleConf</a:t>
-            </a:r>
-            <a:r>
-              <a:rPr lang="en-US" dirty="0">
-                <a:solidFill>
-                  <a:schemeClr val="bg1"/>
-                </a:solidFill>
-              </a:rPr>
-              <a:t> </a:t>
-            </a:r>
-            <a:r>
-              <a:rPr lang="en-US" b="1" dirty="0">
-                <a:solidFill>
-                  <a:schemeClr val="bg1"/>
-                </a:solidFill>
-              </a:rPr>
-              <a:t>[talks]</a:t>
-            </a:r>
-          </a:p>
-          <a:p>
-            <a:pPr>
-              <a:buFontTx/>
-              <a:buChar char="-"/>
-            </a:pPr>
-            <a:r>
-              <a:rPr lang="en-US" dirty="0">
-                <a:solidFill>
-                  <a:schemeClr val="bg1"/>
-                </a:solidFill>
-                <a:hlinkClick r:id="rId6"/>
-              </a:rPr>
-              <a:t>Learning how to ride: an introduction to Cycle.js</a:t>
-            </a:r>
-            <a:endParaRPr lang="en-US" dirty="0">
-              <a:solidFill>
-                <a:schemeClr val="bg1"/>
-              </a:solidFill>
-              <a:hlinkClick r:id="rId2"/>
-            </a:endParaRPr>
-          </a:p>
-          <a:p>
-            <a:pPr>
-              <a:buFontTx/>
-              <a:buChar char="-"/>
-            </a:pPr>
-            <a:r>
-              <a:rPr lang="en-US" dirty="0">
-                <a:solidFill>
-                  <a:schemeClr val="bg1"/>
-                </a:solidFill>
-                <a:hlinkClick r:id="rId7"/>
-              </a:rPr>
-              <a:t>Save time avoiding common mistakes using </a:t>
-            </a:r>
-            <a:r>
-              <a:rPr lang="en-US" dirty="0" err="1">
-                <a:solidFill>
-                  <a:schemeClr val="bg1"/>
-                </a:solidFill>
-                <a:hlinkClick r:id="rId7"/>
-              </a:rPr>
-              <a:t>RxJS</a:t>
-            </a:r>
-            <a:r>
-              <a:rPr lang="en-US" dirty="0">
-                <a:solidFill>
-                  <a:schemeClr val="bg1"/>
-                </a:solidFill>
-              </a:rPr>
-              <a:t> </a:t>
-            </a:r>
-            <a:r>
-              <a:rPr lang="en-US" b="1" dirty="0">
-                <a:solidFill>
-                  <a:schemeClr val="bg1"/>
-                </a:solidFill>
-              </a:rPr>
-              <a:t>[big recommendation]</a:t>
-            </a:r>
-          </a:p>
-        </p:txBody>
-      </p:sp>
-    </p:spTree>
-    <p:extLst>
-      <p:ext uri="{BB962C8B-B14F-4D97-AF65-F5344CB8AC3E}">
-        <p14:creationId xmlns:p14="http://schemas.microsoft.com/office/powerpoint/2010/main" val="1447968673"/>
-      </p:ext>
-    </p:extLst>
-  </p:cSld>
-  <p:clrMapOvr>
-    <a:masterClrMapping/>
-  </p:clrMapOvr>
-  <p:transition spd="med">
-    <p:push dir="u"/>
-  </p:transition>
-</p:sld>
-</file>
-
-<file path=ppt/slides/slide3.xml><?xml version="1.0" encoding="utf-8"?>
+<file path=ppt/slides/slide4.xml><?xml version="1.0" encoding="utf-8"?>
 <p:sld xmlns:a="http://schemas.openxmlformats.org/drawingml/2006/main" xmlns:r="http://schemas.openxmlformats.org/officeDocument/2006/relationships" xmlns:p="http://schemas.openxmlformats.org/presentationml/2006/main">
   <p:cSld>
     <p:spTree>
@@ -13698,7 +14148,7 @@
 </p:sld>
 </file>
 
-<file path=ppt/slides/slide4.xml><?xml version="1.0" encoding="utf-8"?>
+<file path=ppt/slides/slide5.xml><?xml version="1.0" encoding="utf-8"?>
 <p:sld xmlns:a="http://schemas.openxmlformats.org/drawingml/2006/main" xmlns:r="http://schemas.openxmlformats.org/officeDocument/2006/relationships" xmlns:p="http://schemas.openxmlformats.org/presentationml/2006/main">
   <p:cSld>
     <p:bg>
@@ -13723,6 +14173,36 @@
           <a:chExt cx="0" cy="0"/>
         </a:xfrm>
       </p:grpSpPr>
+      <p:pic>
+        <p:nvPicPr>
+          <p:cNvPr id="3" name="Grafik 2"/>
+          <p:cNvPicPr>
+            <a:picLocks noChangeAspect="1"/>
+          </p:cNvPicPr>
+          <p:nvPr/>
+        </p:nvPicPr>
+        <p:blipFill>
+          <a:blip r:embed="rId3">
+            <a:extLst>
+              <a:ext uri="{96DAC541-7B7A-43D3-8B79-37D633B846F1}">
+                <asvg:svgBlip xmlns:asvg="http://schemas.microsoft.com/office/drawing/2016/SVG/main" r:embed="rId4"/>
+              </a:ext>
+            </a:extLst>
+          </a:blip>
+          <a:stretch>
+            <a:fillRect/>
+          </a:stretch>
+        </p:blipFill>
+        <p:spPr>
+          <a:xfrm>
+            <a:off x="11180880" y="0"/>
+            <a:ext cx="1109276" cy="1109276"/>
+          </a:xfrm>
+          <a:prstGeom prst="rect">
+            <a:avLst/>
+          </a:prstGeom>
+        </p:spPr>
+      </p:pic>
       <p:sp>
         <p:nvSpPr>
           <p:cNvPr id="2" name="idea"/>
@@ -14083,7 +14563,7 @@
 </p:sld>
 </file>
 
-<file path=ppt/slides/slide5.xml><?xml version="1.0" encoding="utf-8"?>
+<file path=ppt/slides/slide6.xml><?xml version="1.0" encoding="utf-8"?>
 <p:sld xmlns:a="http://schemas.openxmlformats.org/drawingml/2006/main" xmlns:r="http://schemas.openxmlformats.org/officeDocument/2006/relationships" xmlns:p="http://schemas.openxmlformats.org/presentationml/2006/main">
   <p:cSld>
     <p:spTree>
@@ -14158,58 +14638,109 @@
         </p:nvSpPr>
         <p:spPr>
           <a:xfrm>
-            <a:off x="4246880" y="1596944"/>
-            <a:ext cx="5954568" cy="2179527"/>
+            <a:off x="4246880" y="953814"/>
+            <a:ext cx="5954568" cy="2822657"/>
           </a:xfrm>
         </p:spPr>
         <p:txBody>
-          <a:bodyPr anchor="ctr"/>
+          <a:bodyPr anchor="ctr">
+            <a:normAutofit/>
+          </a:bodyPr>
           <a:lstStyle/>
           <a:p>
             <a:pPr>
+              <a:lnSpc>
+                <a:spcPct val="110000"/>
+              </a:lnSpc>
               <a:buFont typeface="Lato Light" panose="020F0502020204030203" pitchFamily="34" charset="0"/>
               <a:buChar char="-"/>
             </a:pPr>
             <a:r>
-              <a:rPr lang="en-US" dirty="0"/>
-              <a:t>studying @ </a:t>
-            </a:r>
-            <a:r>
-              <a:rPr lang="en-US" b="1" dirty="0" err="1"/>
-              <a:t>fh</a:t>
-            </a:r>
-            <a:r>
-              <a:rPr lang="en-US" b="1" dirty="0"/>
-              <a:t> </a:t>
-            </a:r>
-            <a:r>
-              <a:rPr lang="en-US" b="1" dirty="0" err="1"/>
-              <a:t>hagenberg</a:t>
-            </a:r>
-            <a:endParaRPr lang="de-AT" b="1" dirty="0"/>
+              <a:rPr lang="en-US" sz="2400" dirty="0"/>
+              <a:t>studying </a:t>
+            </a:r>
+            <a:r>
+              <a:rPr lang="en-US" sz="2400" b="1" dirty="0"/>
+              <a:t>psychology</a:t>
+            </a:r>
+            <a:br>
+              <a:rPr lang="en-US" sz="2400" dirty="0"/>
+            </a:br>
+            <a:r>
+              <a:rPr lang="en-US" sz="2400" dirty="0"/>
+              <a:t>	@ university of </a:t>
+            </a:r>
+            <a:r>
+              <a:rPr lang="en-US" sz="2400" dirty="0" err="1"/>
+              <a:t>innsbruck</a:t>
+            </a:r>
+            <a:endParaRPr lang="en-US" sz="2400" dirty="0"/>
           </a:p>
           <a:p>
             <a:pPr>
+              <a:lnSpc>
+                <a:spcPct val="110000"/>
+              </a:lnSpc>
               <a:buFont typeface="Lato Light" panose="020F0502020204030203" pitchFamily="34" charset="0"/>
               <a:buChar char="-"/>
             </a:pPr>
             <a:r>
-              <a:rPr lang="en-US" dirty="0"/>
-              <a:t>working @ </a:t>
-            </a:r>
-            <a:r>
-              <a:rPr lang="en-US" b="1" dirty="0" err="1"/>
-              <a:t>softaware</a:t>
-            </a:r>
-            <a:r>
-              <a:rPr lang="en-US" b="1" dirty="0"/>
+              <a:rPr lang="en-US" sz="2400" dirty="0"/>
+              <a:t>studied </a:t>
+            </a:r>
+            <a:r>
+              <a:rPr lang="en-US" sz="2400" b="1" dirty="0"/>
+              <a:t>software engineering</a:t>
+            </a:r>
+            <a:br>
+              <a:rPr lang="en-US" sz="2400" dirty="0"/>
+            </a:br>
+            <a:r>
+              <a:rPr lang="en-US" sz="2400" dirty="0"/>
+              <a:t>	@ </a:t>
+            </a:r>
+            <a:r>
+              <a:rPr lang="en-US" sz="2400" dirty="0" err="1"/>
+              <a:t>fh</a:t>
+            </a:r>
+            <a:r>
+              <a:rPr lang="en-US" sz="2400" dirty="0"/>
               <a:t> </a:t>
             </a:r>
             <a:r>
-              <a:rPr lang="en-US" b="1" dirty="0" err="1"/>
+              <a:rPr lang="en-US" sz="2400" dirty="0" err="1"/>
+              <a:t>hagenberg</a:t>
+            </a:r>
+            <a:endParaRPr lang="de-AT" sz="2400" dirty="0"/>
+          </a:p>
+          <a:p>
+            <a:pPr>
+              <a:lnSpc>
+                <a:spcPct val="110000"/>
+              </a:lnSpc>
+              <a:buFont typeface="Lato Light" panose="020F0502020204030203" pitchFamily="34" charset="0"/>
+              <a:buChar char="-"/>
+            </a:pPr>
+            <a:r>
+              <a:rPr lang="en-US" sz="2400" b="1" dirty="0"/>
+              <a:t>working</a:t>
+            </a:r>
+            <a:r>
+              <a:rPr lang="en-US" sz="2400" dirty="0"/>
+              <a:t> </a:t>
+            </a:r>
+            <a:br>
+              <a:rPr lang="en-US" sz="2400" dirty="0"/>
+            </a:br>
+            <a:r>
+              <a:rPr lang="en-US" sz="2400" dirty="0"/>
+              <a:t>	@ softaware </a:t>
+            </a:r>
+            <a:r>
+              <a:rPr lang="en-US" sz="2400" dirty="0" err="1"/>
               <a:t>gmbh</a:t>
             </a:r>
-            <a:endParaRPr lang="en-US" b="1" i="1" dirty="0"/>
+            <a:endParaRPr lang="en-US" sz="2400" i="1" dirty="0"/>
           </a:p>
         </p:txBody>
       </p:sp>
@@ -14309,7 +14840,7 @@
         </p:nvSpPr>
         <p:spPr>
           <a:xfrm>
-            <a:off x="3971564" y="3596064"/>
+            <a:off x="3971564" y="3919257"/>
             <a:ext cx="6505200" cy="2255054"/>
           </a:xfrm>
           <a:prstGeom prst="rect">
@@ -14330,7 +14861,7 @@
                   <a:schemeClr val="tx2"/>
                 </a:solidFill>
               </a:rPr>
-              <a:t>#types #</a:t>
+              <a:t>#types #docker #typescript #</a:t>
             </a:r>
             <a:r>
               <a:rPr lang="en-US" sz="2200" dirty="0" err="1">
@@ -14338,7 +14869,7 @@
                   <a:schemeClr val="tx2"/>
                 </a:solidFill>
               </a:rPr>
-              <a:t>docker</a:t>
+              <a:t>ux</a:t>
             </a:r>
             <a:r>
               <a:rPr lang="en-US" sz="2200" dirty="0">
@@ -14346,7 +14877,7 @@
                   <a:schemeClr val="tx2"/>
                 </a:solidFill>
               </a:rPr>
-              <a:t> #typescript #types #windows #</a:t>
+              <a:t> #types #windows #</a:t>
             </a:r>
             <a:r>
               <a:rPr lang="en-US" sz="2200" dirty="0" err="1">
@@ -14378,7 +14909,7 @@
                   <a:schemeClr val="tx2"/>
                 </a:solidFill>
               </a:rPr>
-              <a:t> #types #graphs #</a:t>
+              <a:t> #types #graphs #dx #types #</a:t>
             </a:r>
             <a:r>
               <a:rPr lang="en-US" sz="2200" dirty="0" err="1">
@@ -14386,7 +14917,7 @@
                   <a:schemeClr val="tx2"/>
                 </a:solidFill>
               </a:rPr>
-              <a:t>vuejs</a:t>
+              <a:t>xplatform</a:t>
             </a:r>
             <a:r>
               <a:rPr lang="en-US" sz="2200" dirty="0">
@@ -14394,7 +14925,7 @@
                   <a:schemeClr val="tx2"/>
                 </a:solidFill>
               </a:rPr>
-              <a:t> #types #</a:t>
+              <a:t> #azure #angular #types #</a:t>
             </a:r>
             <a:r>
               <a:rPr lang="en-US" sz="2200" dirty="0" err="1">
@@ -14402,7 +14933,7 @@
                   <a:schemeClr val="tx2"/>
                 </a:solidFill>
               </a:rPr>
-              <a:t>xplatform</a:t>
+              <a:t>haskell</a:t>
             </a:r>
             <a:r>
               <a:rPr lang="en-US" sz="2200" dirty="0">
@@ -14410,7 +14941,55 @@
                   <a:schemeClr val="tx2"/>
                 </a:solidFill>
               </a:rPr>
-              <a:t> #azure #angular #types #typestyle #</a:t>
+              <a:t> #</a:t>
+            </a:r>
+            <a:r>
+              <a:rPr lang="en-US" sz="2200" dirty="0" err="1">
+                <a:solidFill>
+                  <a:schemeClr val="tx2"/>
+                </a:solidFill>
+              </a:rPr>
+              <a:t>idris</a:t>
+            </a:r>
+            <a:r>
+              <a:rPr lang="en-US" sz="2200" dirty="0">
+                <a:solidFill>
+                  <a:schemeClr val="tx2"/>
+                </a:solidFill>
+              </a:rPr>
+              <a:t> #</a:t>
+            </a:r>
+            <a:r>
+              <a:rPr lang="en-US" sz="2200" dirty="0" err="1">
+                <a:solidFill>
+                  <a:schemeClr val="tx2"/>
+                </a:solidFill>
+              </a:rPr>
+              <a:t>purescript</a:t>
+            </a:r>
+            <a:r>
+              <a:rPr lang="en-US" sz="2200" dirty="0">
+                <a:solidFill>
+                  <a:schemeClr val="tx2"/>
+                </a:solidFill>
+              </a:rPr>
+              <a:t> #</a:t>
+            </a:r>
+            <a:r>
+              <a:rPr lang="en-US" sz="2200" dirty="0" err="1">
+                <a:solidFill>
+                  <a:schemeClr val="tx2"/>
+                </a:solidFill>
+              </a:rPr>
+              <a:t>statecharts</a:t>
+            </a:r>
+            <a:r>
+              <a:rPr lang="en-US" sz="2200" dirty="0">
+                <a:solidFill>
+                  <a:schemeClr val="tx2"/>
+                </a:solidFill>
+              </a:rPr>
+              <a:t> #reactivity #typestyle #</a:t>
             </a:r>
             <a:r>
               <a:rPr lang="en-US" sz="2200" dirty="0" err="1">
@@ -14771,7 +15350,767 @@
 </p:sld>
 </file>
 
-<file path=ppt/slides/slide6.xml><?xml version="1.0" encoding="utf-8"?>
+<file path=ppt/slides/slide7.xml><?xml version="1.0" encoding="utf-8"?>
+<p:sld xmlns:a="http://schemas.openxmlformats.org/drawingml/2006/main" xmlns:r="http://schemas.openxmlformats.org/officeDocument/2006/relationships" xmlns:p="http://schemas.openxmlformats.org/presentationml/2006/main">
+  <p:cSld>
+    <p:spTree>
+      <p:nvGrpSpPr>
+        <p:cNvPr id="1" name=""/>
+        <p:cNvGrpSpPr/>
+        <p:nvPr/>
+      </p:nvGrpSpPr>
+      <p:grpSpPr>
+        <a:xfrm>
+          <a:off x="0" y="0"/>
+          <a:ext cx="0" cy="0"/>
+          <a:chOff x="0" y="0"/>
+          <a:chExt cx="0" cy="0"/>
+        </a:xfrm>
+      </p:grpSpPr>
+      <p:sp>
+        <p:nvSpPr>
+          <p:cNvPr id="46" name="Rechteck 45"/>
+          <p:cNvSpPr/>
+          <p:nvPr/>
+        </p:nvSpPr>
+        <p:spPr>
+          <a:xfrm>
+            <a:off x="0" y="-1"/>
+            <a:ext cx="3738880" cy="7199313"/>
+          </a:xfrm>
+          <a:prstGeom prst="rect">
+            <a:avLst/>
+          </a:prstGeom>
+          <a:solidFill>
+            <a:schemeClr val="tx1"/>
+          </a:solidFill>
+          <a:ln>
+            <a:noFill/>
+          </a:ln>
+        </p:spPr>
+        <p:style>
+          <a:lnRef idx="2">
+            <a:schemeClr val="accent1">
+              <a:shade val="50000"/>
+            </a:schemeClr>
+          </a:lnRef>
+          <a:fillRef idx="1">
+            <a:schemeClr val="accent1"/>
+          </a:fillRef>
+          <a:effectRef idx="0">
+            <a:schemeClr val="accent1"/>
+          </a:effectRef>
+          <a:fontRef idx="minor">
+            <a:schemeClr val="lt1"/>
+          </a:fontRef>
+        </p:style>
+        <p:txBody>
+          <a:bodyPr rtlCol="0" anchor="ctr"/>
+          <a:lstStyle/>
+          <a:p>
+            <a:pPr algn="ctr"/>
+            <a:endParaRPr lang="de-AT"/>
+          </a:p>
+        </p:txBody>
+      </p:sp>
+      <p:sp>
+        <p:nvSpPr>
+          <p:cNvPr id="3" name="Inhaltsplatzhalter 2"/>
+          <p:cNvSpPr>
+            <a:spLocks noGrp="1"/>
+          </p:cNvSpPr>
+          <p:nvPr>
+            <p:ph idx="1"/>
+          </p:nvPr>
+        </p:nvSpPr>
+        <p:spPr>
+          <a:xfrm>
+            <a:off x="4246880" y="953814"/>
+            <a:ext cx="5954568" cy="2822657"/>
+          </a:xfrm>
+        </p:spPr>
+        <p:txBody>
+          <a:bodyPr anchor="ctr">
+            <a:normAutofit/>
+          </a:bodyPr>
+          <a:lstStyle/>
+          <a:p>
+            <a:pPr>
+              <a:lnSpc>
+                <a:spcPct val="110000"/>
+              </a:lnSpc>
+              <a:buFont typeface="Lato Light" panose="020F0502020204030203" pitchFamily="34" charset="0"/>
+              <a:buChar char="-"/>
+            </a:pPr>
+            <a:r>
+              <a:rPr lang="en-US" sz="2400" dirty="0"/>
+              <a:t>professional </a:t>
+            </a:r>
+            <a:r>
+              <a:rPr lang="en-US" sz="2400" b="1" dirty="0"/>
+              <a:t>overthinker</a:t>
+            </a:r>
+            <a:r>
+              <a:rPr lang="en-US" sz="2400" dirty="0"/>
+              <a:t> with severe </a:t>
+            </a:r>
+            <a:r>
+              <a:rPr lang="en-US" sz="2400" b="1" dirty="0"/>
+              <a:t>OCD</a:t>
+            </a:r>
+          </a:p>
+          <a:p>
+            <a:pPr>
+              <a:lnSpc>
+                <a:spcPct val="110000"/>
+              </a:lnSpc>
+              <a:buFont typeface="Lato Light" panose="020F0502020204030203" pitchFamily="34" charset="0"/>
+              <a:buChar char="-"/>
+            </a:pPr>
+            <a:r>
+              <a:rPr lang="en-US" sz="2400" dirty="0"/>
+              <a:t>part time </a:t>
+            </a:r>
+            <a:r>
+              <a:rPr lang="en-US" sz="2400" b="1" dirty="0"/>
+              <a:t>psychology student</a:t>
+            </a:r>
+            <a:endParaRPr lang="de-AT" sz="2400" b="1" dirty="0"/>
+          </a:p>
+          <a:p>
+            <a:pPr>
+              <a:lnSpc>
+                <a:spcPct val="110000"/>
+              </a:lnSpc>
+              <a:buFont typeface="Lato Light" panose="020F0502020204030203" pitchFamily="34" charset="0"/>
+              <a:buChar char="-"/>
+            </a:pPr>
+            <a:r>
+              <a:rPr lang="en-US" sz="2400" dirty="0"/>
+              <a:t>full time </a:t>
+            </a:r>
+            <a:r>
+              <a:rPr lang="en-US" sz="2400" b="1" dirty="0"/>
+              <a:t>“</a:t>
+            </a:r>
+            <a:r>
+              <a:rPr lang="en-US" sz="2400" b="1" dirty="0" err="1"/>
+              <a:t>siach</a:t>
+            </a:r>
+            <a:r>
+              <a:rPr lang="en-US" sz="2400" b="1" dirty="0"/>
+              <a:t>”</a:t>
+            </a:r>
+          </a:p>
+        </p:txBody>
+      </p:sp>
+      <p:sp>
+        <p:nvSpPr>
+          <p:cNvPr id="43" name="Rectangle 4"/>
+          <p:cNvSpPr>
+            <a:spLocks noChangeArrowheads="1"/>
+          </p:cNvSpPr>
+          <p:nvPr/>
+        </p:nvSpPr>
+        <p:spPr bwMode="auto">
+          <a:xfrm>
+            <a:off x="152400" y="242500"/>
+            <a:ext cx="65" cy="276999"/>
+          </a:xfrm>
+          <a:prstGeom prst="rect">
+            <a:avLst/>
+          </a:prstGeom>
+          <a:noFill/>
+          <a:ln>
+            <a:noFill/>
+          </a:ln>
+          <a:effectLst/>
+          <a:extLst>
+            <a:ext uri="{909E8E84-426E-40DD-AFC4-6F175D3DCCD1}">
+              <a14:hiddenFill xmlns:a14="http://schemas.microsoft.com/office/drawing/2010/main">
+                <a:solidFill>
+                  <a:schemeClr val="accent1"/>
+                </a:solidFill>
+              </a14:hiddenFill>
+            </a:ext>
+            <a:ext uri="{91240B29-F687-4F45-9708-019B960494DF}">
+              <a14:hiddenLine xmlns:a14="http://schemas.microsoft.com/office/drawing/2010/main" w="9525">
+                <a:solidFill>
+                  <a:schemeClr val="tx1"/>
+                </a:solidFill>
+                <a:miter lim="800000"/>
+                <a:headEnd/>
+                <a:tailEnd/>
+              </a14:hiddenLine>
+            </a:ext>
+            <a:ext uri="{AF507438-7753-43E0-B8FC-AC1667EBCBE1}">
+              <a14:hiddenEffects xmlns:a14="http://schemas.microsoft.com/office/drawing/2010/main">
+                <a:effectLst>
+                  <a:outerShdw dist="35921" dir="2700000" algn="ctr" rotWithShape="0">
+                    <a:schemeClr val="bg2"/>
+                  </a:outerShdw>
+                </a:effectLst>
+              </a14:hiddenEffects>
+            </a:ext>
+          </a:extLst>
+        </p:spPr>
+        <p:txBody>
+          <a:bodyPr vert="horz" wrap="none" lIns="0" tIns="0" rIns="0" bIns="0" numCol="1" anchor="ctr" anchorCtr="0" compatLnSpc="1">
+            <a:prstTxWarp prst="textNoShape">
+              <a:avLst/>
+            </a:prstTxWarp>
+            <a:spAutoFit/>
+          </a:bodyPr>
+          <a:lstStyle/>
+          <a:p>
+            <a:pPr marL="0" marR="0" lvl="0" indent="0" algn="l" defTabSz="914400" rtl="0" eaLnBrk="0" fontAlgn="base" latinLnBrk="0" hangingPunct="0">
+              <a:lnSpc>
+                <a:spcPct val="100000"/>
+              </a:lnSpc>
+              <a:spcBef>
+                <a:spcPct val="0"/>
+              </a:spcBef>
+              <a:spcAft>
+                <a:spcPct val="0"/>
+              </a:spcAft>
+              <a:buClrTx/>
+              <a:buSzTx/>
+              <a:buFontTx/>
+              <a:buNone/>
+              <a:tabLst/>
+            </a:pPr>
+            <a:endParaRPr kumimoji="0" lang="de-DE" altLang="de-DE" sz="1800" b="0" i="0" u="none" strike="noStrike" cap="none" normalizeH="0" baseline="0" dirty="0">
+              <a:ln>
+                <a:noFill/>
+              </a:ln>
+              <a:solidFill>
+                <a:schemeClr val="tx1"/>
+              </a:solidFill>
+              <a:effectLst/>
+              <a:latin typeface="Arial" panose="020B0604020202020204" pitchFamily="34" charset="0"/>
+            </a:endParaRPr>
+          </a:p>
+        </p:txBody>
+      </p:sp>
+      <p:sp>
+        <p:nvSpPr>
+          <p:cNvPr id="111" name="Textfeld 110"/>
+          <p:cNvSpPr txBox="1"/>
+          <p:nvPr/>
+        </p:nvSpPr>
+        <p:spPr>
+          <a:xfrm>
+            <a:off x="3971564" y="3919257"/>
+            <a:ext cx="6505200" cy="2255054"/>
+          </a:xfrm>
+          <a:prstGeom prst="rect">
+            <a:avLst/>
+          </a:prstGeom>
+          <a:noFill/>
+        </p:spPr>
+        <p:txBody>
+          <a:bodyPr wrap="square" rtlCol="0" anchor="ctr">
+            <a:normAutofit/>
+          </a:bodyPr>
+          <a:lstStyle/>
+          <a:p>
+            <a:pPr algn="just"/>
+            <a:r>
+              <a:rPr lang="en-US" sz="2200" dirty="0">
+                <a:solidFill>
+                  <a:schemeClr val="tx2"/>
+                </a:solidFill>
+              </a:rPr>
+              <a:t>#types #docker #typescript #</a:t>
+            </a:r>
+            <a:r>
+              <a:rPr lang="en-US" sz="2200" dirty="0" err="1">
+                <a:solidFill>
+                  <a:schemeClr val="tx2"/>
+                </a:solidFill>
+              </a:rPr>
+              <a:t>ux</a:t>
+            </a:r>
+            <a:r>
+              <a:rPr lang="en-US" sz="2200" dirty="0">
+                <a:solidFill>
+                  <a:schemeClr val="tx2"/>
+                </a:solidFill>
+              </a:rPr>
+              <a:t> #types #windows #</a:t>
+            </a:r>
+            <a:r>
+              <a:rPr lang="en-US" sz="2200" dirty="0" err="1">
+                <a:solidFill>
+                  <a:schemeClr val="tx2"/>
+                </a:solidFill>
+              </a:rPr>
+              <a:t>continousintegration</a:t>
+            </a:r>
+            <a:r>
+              <a:rPr lang="en-US" sz="2200" dirty="0">
+                <a:solidFill>
+                  <a:schemeClr val="tx2"/>
+                </a:solidFill>
+              </a:rPr>
+              <a:t> #</a:t>
+            </a:r>
+            <a:r>
+              <a:rPr lang="en-US" sz="2200" dirty="0" err="1">
+                <a:solidFill>
+                  <a:schemeClr val="tx2"/>
+                </a:solidFill>
+              </a:rPr>
+              <a:t>dotnetcore</a:t>
+            </a:r>
+            <a:r>
+              <a:rPr lang="en-US" sz="2200" dirty="0">
+                <a:solidFill>
+                  <a:schemeClr val="tx2"/>
+                </a:solidFill>
+              </a:rPr>
+              <a:t> #types #graphs #dx #types #</a:t>
+            </a:r>
+            <a:r>
+              <a:rPr lang="en-US" sz="2200" dirty="0" err="1">
+                <a:solidFill>
+                  <a:schemeClr val="tx2"/>
+                </a:solidFill>
+              </a:rPr>
+              <a:t>xplatform</a:t>
+            </a:r>
+            <a:r>
+              <a:rPr lang="en-US" sz="2200" dirty="0">
+                <a:solidFill>
+                  <a:schemeClr val="tx2"/>
+                </a:solidFill>
+              </a:rPr>
+              <a:t> #azure #angular #types #</a:t>
+            </a:r>
+            <a:r>
+              <a:rPr lang="en-US" sz="2200" dirty="0" err="1">
+                <a:solidFill>
+                  <a:schemeClr val="tx2"/>
+                </a:solidFill>
+              </a:rPr>
+              <a:t>haskell</a:t>
+            </a:r>
+            <a:r>
+              <a:rPr lang="en-US" sz="2200" dirty="0">
+                <a:solidFill>
+                  <a:schemeClr val="tx2"/>
+                </a:solidFill>
+              </a:rPr>
+              <a:t> #</a:t>
+            </a:r>
+            <a:r>
+              <a:rPr lang="en-US" sz="2200" dirty="0" err="1">
+                <a:solidFill>
+                  <a:schemeClr val="tx2"/>
+                </a:solidFill>
+              </a:rPr>
+              <a:t>idris</a:t>
+            </a:r>
+            <a:r>
+              <a:rPr lang="en-US" sz="2200" dirty="0">
+                <a:solidFill>
+                  <a:schemeClr val="tx2"/>
+                </a:solidFill>
+              </a:rPr>
+              <a:t> #</a:t>
+            </a:r>
+            <a:r>
+              <a:rPr lang="en-US" sz="2200" dirty="0" err="1">
+                <a:solidFill>
+                  <a:schemeClr val="tx2"/>
+                </a:solidFill>
+              </a:rPr>
+              <a:t>purescript</a:t>
+            </a:r>
+            <a:r>
+              <a:rPr lang="en-US" sz="2200" dirty="0">
+                <a:solidFill>
+                  <a:schemeClr val="tx2"/>
+                </a:solidFill>
+              </a:rPr>
+              <a:t> #</a:t>
+            </a:r>
+            <a:r>
+              <a:rPr lang="en-US" sz="2200" dirty="0" err="1">
+                <a:solidFill>
+                  <a:schemeClr val="tx2"/>
+                </a:solidFill>
+              </a:rPr>
+              <a:t>statecharts</a:t>
+            </a:r>
+            <a:r>
+              <a:rPr lang="en-US" sz="2200" dirty="0">
+                <a:solidFill>
+                  <a:schemeClr val="tx2"/>
+                </a:solidFill>
+              </a:rPr>
+              <a:t> #reactivity #typestyle #</a:t>
+            </a:r>
+            <a:r>
+              <a:rPr lang="en-US" sz="2200" dirty="0" err="1">
+                <a:solidFill>
+                  <a:schemeClr val="tx2"/>
+                </a:solidFill>
+              </a:rPr>
+              <a:t>droneio</a:t>
+            </a:r>
+            <a:r>
+              <a:rPr lang="en-US" sz="2200" dirty="0">
+                <a:solidFill>
+                  <a:schemeClr val="tx2"/>
+                </a:solidFill>
+              </a:rPr>
+              <a:t> #types #</a:t>
+            </a:r>
+            <a:r>
+              <a:rPr lang="en-US" sz="2200" dirty="0" err="1">
+                <a:solidFill>
+                  <a:schemeClr val="tx2"/>
+                </a:solidFill>
+              </a:rPr>
+              <a:t>continuousdeployment</a:t>
+            </a:r>
+            <a:endParaRPr lang="en-US" sz="2200" dirty="0">
+              <a:solidFill>
+                <a:schemeClr val="tx2"/>
+              </a:solidFill>
+            </a:endParaRPr>
+          </a:p>
+        </p:txBody>
+      </p:sp>
+      <p:grpSp>
+        <p:nvGrpSpPr>
+          <p:cNvPr id="11" name="Gruppieren 10"/>
+          <p:cNvGrpSpPr/>
+          <p:nvPr/>
+        </p:nvGrpSpPr>
+        <p:grpSpPr>
+          <a:xfrm>
+            <a:off x="511345" y="3343031"/>
+            <a:ext cx="2716190" cy="3454738"/>
+            <a:chOff x="592183" y="3186526"/>
+            <a:chExt cx="2716190" cy="3454738"/>
+          </a:xfrm>
+        </p:grpSpPr>
+        <p:grpSp>
+          <p:nvGrpSpPr>
+            <p:cNvPr id="7" name="Gruppieren 6"/>
+            <p:cNvGrpSpPr/>
+            <p:nvPr/>
+          </p:nvGrpSpPr>
+          <p:grpSpPr>
+            <a:xfrm>
+              <a:off x="592183" y="3186526"/>
+              <a:ext cx="2716190" cy="2716191"/>
+              <a:chOff x="3112943" y="1923163"/>
+              <a:chExt cx="3960000" cy="3960000"/>
+            </a:xfrm>
+          </p:grpSpPr>
+          <p:sp>
+            <p:nvSpPr>
+              <p:cNvPr id="47" name="Abgerundetes Rechteck 46"/>
+              <p:cNvSpPr/>
+              <p:nvPr/>
+            </p:nvSpPr>
+            <p:spPr>
+              <a:xfrm>
+                <a:off x="3112943" y="1923163"/>
+                <a:ext cx="3960000" cy="3960000"/>
+              </a:xfrm>
+              <a:prstGeom prst="ellipse">
+                <a:avLst/>
+              </a:prstGeom>
+              <a:solidFill>
+                <a:schemeClr val="bg1"/>
+              </a:solidFill>
+              <a:ln>
+                <a:noFill/>
+              </a:ln>
+            </p:spPr>
+            <p:style>
+              <a:lnRef idx="2">
+                <a:schemeClr val="accent1">
+                  <a:shade val="50000"/>
+                </a:schemeClr>
+              </a:lnRef>
+              <a:fillRef idx="1">
+                <a:schemeClr val="accent1"/>
+              </a:fillRef>
+              <a:effectRef idx="0">
+                <a:schemeClr val="accent1"/>
+              </a:effectRef>
+              <a:fontRef idx="minor">
+                <a:schemeClr val="lt1"/>
+              </a:fontRef>
+            </p:style>
+            <p:txBody>
+              <a:bodyPr rtlCol="0" anchor="ctr"/>
+              <a:lstStyle/>
+              <a:p>
+                <a:pPr algn="ctr"/>
+                <a:endParaRPr lang="de-AT"/>
+              </a:p>
+            </p:txBody>
+          </p:sp>
+          <p:pic>
+            <p:nvPicPr>
+              <p:cNvPr id="6" name="Grafik 5"/>
+              <p:cNvPicPr>
+                <a:picLocks noChangeAspect="1"/>
+              </p:cNvPicPr>
+              <p:nvPr/>
+            </p:nvPicPr>
+            <p:blipFill rotWithShape="1">
+              <a:blip r:embed="rId3">
+                <a:clrChange>
+                  <a:clrFrom>
+                    <a:srgbClr val="F6F4F7"/>
+                  </a:clrFrom>
+                  <a:clrTo>
+                    <a:srgbClr val="F6F4F7">
+                      <a:alpha val="0"/>
+                    </a:srgbClr>
+                  </a:clrTo>
+                </a:clrChange>
+                <a:extLst>
+                  <a:ext uri="{28A0092B-C50C-407E-A947-70E740481C1C}">
+                    <a14:useLocalDpi xmlns:a14="http://schemas.microsoft.com/office/drawing/2010/main" val="0"/>
+                  </a:ext>
+                </a:extLst>
+              </a:blip>
+              <a:srcRect r="6362" b="6362"/>
+              <a:stretch/>
+            </p:blipFill>
+            <p:spPr>
+              <a:xfrm>
+                <a:off x="3200525" y="2036213"/>
+                <a:ext cx="3778940" cy="3778939"/>
+              </a:xfrm>
+              <a:prstGeom prst="ellipse">
+                <a:avLst/>
+              </a:prstGeom>
+            </p:spPr>
+          </p:pic>
+        </p:grpSp>
+        <p:grpSp>
+          <p:nvGrpSpPr>
+            <p:cNvPr id="10" name="Gruppieren 9"/>
+            <p:cNvGrpSpPr/>
+            <p:nvPr/>
+          </p:nvGrpSpPr>
+          <p:grpSpPr>
+            <a:xfrm>
+              <a:off x="789752" y="6164766"/>
+              <a:ext cx="2482621" cy="476498"/>
+              <a:chOff x="716990" y="5937371"/>
+              <a:chExt cx="2482621" cy="476498"/>
+            </a:xfrm>
+          </p:grpSpPr>
+          <p:pic>
+            <p:nvPicPr>
+              <p:cNvPr id="112" name="Grafik 111"/>
+              <p:cNvPicPr>
+                <a:picLocks noChangeAspect="1"/>
+              </p:cNvPicPr>
+              <p:nvPr/>
+            </p:nvPicPr>
+            <p:blipFill>
+              <a:blip r:embed="rId4" cstate="print">
+                <a:extLst>
+                  <a:ext uri="{28A0092B-C50C-407E-A947-70E740481C1C}">
+                    <a14:useLocalDpi xmlns:a14="http://schemas.microsoft.com/office/drawing/2010/main" val="0"/>
+                  </a:ext>
+                </a:extLst>
+              </a:blip>
+              <a:stretch>
+                <a:fillRect/>
+              </a:stretch>
+            </p:blipFill>
+            <p:spPr>
+              <a:xfrm>
+                <a:off x="716990" y="5952204"/>
+                <a:ext cx="432000" cy="432000"/>
+              </a:xfrm>
+              <a:prstGeom prst="rect">
+                <a:avLst/>
+              </a:prstGeom>
+            </p:spPr>
+          </p:pic>
+          <p:sp>
+            <p:nvSpPr>
+              <p:cNvPr id="114" name="Textfeld 113"/>
+              <p:cNvSpPr txBox="1"/>
+              <p:nvPr/>
+            </p:nvSpPr>
+            <p:spPr>
+              <a:xfrm>
+                <a:off x="1903246" y="5937371"/>
+                <a:ext cx="1296365" cy="461665"/>
+              </a:xfrm>
+              <a:prstGeom prst="rect">
+                <a:avLst/>
+              </a:prstGeom>
+              <a:noFill/>
+            </p:spPr>
+            <p:txBody>
+              <a:bodyPr wrap="square" rtlCol="0" anchor="ctr">
+                <a:spAutoFit/>
+              </a:bodyPr>
+              <a:lstStyle/>
+              <a:p>
+                <a:r>
+                  <a:rPr lang="de-AT" sz="2400" dirty="0" err="1">
+                    <a:solidFill>
+                      <a:schemeClr val="bg1"/>
+                    </a:solidFill>
+                  </a:rPr>
+                  <a:t>bemayr</a:t>
+                </a:r>
+                <a:endParaRPr lang="de-AT" sz="2400" dirty="0">
+                  <a:solidFill>
+                    <a:schemeClr val="bg1"/>
+                  </a:solidFill>
+                </a:endParaRPr>
+              </a:p>
+            </p:txBody>
+          </p:sp>
+          <p:pic>
+            <p:nvPicPr>
+              <p:cNvPr id="24" name="Grafik 23"/>
+              <p:cNvPicPr>
+                <a:picLocks noChangeAspect="1"/>
+              </p:cNvPicPr>
+              <p:nvPr/>
+            </p:nvPicPr>
+            <p:blipFill>
+              <a:blip r:embed="rId5">
+                <a:extLst>
+                  <a:ext uri="{28A0092B-C50C-407E-A947-70E740481C1C}">
+                    <a14:useLocalDpi xmlns:a14="http://schemas.microsoft.com/office/drawing/2010/main" val="0"/>
+                  </a:ext>
+                </a:extLst>
+              </a:blip>
+              <a:stretch>
+                <a:fillRect/>
+              </a:stretch>
+            </p:blipFill>
+            <p:spPr>
+              <a:xfrm>
+                <a:off x="1381005" y="5952204"/>
+                <a:ext cx="432000" cy="432000"/>
+              </a:xfrm>
+              <a:prstGeom prst="rect">
+                <a:avLst/>
+              </a:prstGeom>
+            </p:spPr>
+          </p:pic>
+          <p:sp>
+            <p:nvSpPr>
+              <p:cNvPr id="25" name="Textfeld 24"/>
+              <p:cNvSpPr txBox="1"/>
+              <p:nvPr/>
+            </p:nvSpPr>
+            <p:spPr>
+              <a:xfrm>
+                <a:off x="1084378" y="5952204"/>
+                <a:ext cx="279600" cy="461665"/>
+              </a:xfrm>
+              <a:prstGeom prst="rect">
+                <a:avLst/>
+              </a:prstGeom>
+              <a:noFill/>
+            </p:spPr>
+            <p:txBody>
+              <a:bodyPr wrap="square" rtlCol="0" anchor="ctr">
+                <a:spAutoFit/>
+              </a:bodyPr>
+              <a:lstStyle/>
+              <a:p>
+                <a:r>
+                  <a:rPr lang="de-AT" sz="2400" dirty="0">
+                    <a:solidFill>
+                      <a:schemeClr val="bg1"/>
+                    </a:solidFill>
+                    <a:latin typeface="+mj-lt"/>
+                  </a:rPr>
+                  <a:t>/</a:t>
+                </a:r>
+              </a:p>
+            </p:txBody>
+          </p:sp>
+        </p:grpSp>
+      </p:grpSp>
+      <p:sp>
+        <p:nvSpPr>
+          <p:cNvPr id="15" name="Textfeld 14"/>
+          <p:cNvSpPr txBox="1"/>
+          <p:nvPr/>
+        </p:nvSpPr>
+        <p:spPr>
+          <a:xfrm>
+            <a:off x="802773" y="1855710"/>
+            <a:ext cx="2184794" cy="830997"/>
+          </a:xfrm>
+          <a:prstGeom prst="rect">
+            <a:avLst/>
+          </a:prstGeom>
+          <a:noFill/>
+        </p:spPr>
+        <p:txBody>
+          <a:bodyPr wrap="square" rtlCol="0" anchor="ctr">
+            <a:spAutoFit/>
+          </a:bodyPr>
+          <a:lstStyle/>
+          <a:p>
+            <a:pPr algn="ctr"/>
+            <a:r>
+              <a:rPr lang="de-AT" sz="2400" dirty="0">
+                <a:solidFill>
+                  <a:schemeClr val="bg1"/>
+                </a:solidFill>
+              </a:rPr>
+              <a:t>Bernhard</a:t>
+            </a:r>
+            <a:br>
+              <a:rPr lang="de-AT" sz="2400" dirty="0">
+                <a:solidFill>
+                  <a:schemeClr val="bg1"/>
+                </a:solidFill>
+              </a:rPr>
+            </a:br>
+            <a:r>
+              <a:rPr lang="de-AT" sz="2400" dirty="0">
+                <a:solidFill>
+                  <a:schemeClr val="bg1"/>
+                </a:solidFill>
+              </a:rPr>
+              <a:t>Mayr</a:t>
+            </a:r>
+          </a:p>
+        </p:txBody>
+      </p:sp>
+    </p:spTree>
+    <p:extLst>
+      <p:ext uri="{BB962C8B-B14F-4D97-AF65-F5344CB8AC3E}">
+        <p14:creationId xmlns:p14="http://schemas.microsoft.com/office/powerpoint/2010/main" val="741341885"/>
+      </p:ext>
+    </p:extLst>
+  </p:cSld>
+  <p:clrMapOvr>
+    <a:masterClrMapping/>
+  </p:clrMapOvr>
+  <p:transition spd="med">
+    <p:push/>
+  </p:transition>
+</p:sld>
+</file>
+
+<file path=ppt/slides/slide8.xml><?xml version="1.0" encoding="utf-8"?>
 <p:sld xmlns:a="http://schemas.openxmlformats.org/drawingml/2006/main" xmlns:r="http://schemas.openxmlformats.org/officeDocument/2006/relationships" xmlns:p="http://schemas.openxmlformats.org/presentationml/2006/main">
   <p:cSld>
     <p:spTree>
@@ -14797,7 +16136,7 @@
           <p:nvPr/>
         </p:nvPicPr>
         <p:blipFill>
-          <a:blip r:embed="rId3">
+          <a:blip r:embed="rId2">
             <a:extLst>
               <a:ext uri="{28A0092B-C50C-407E-A947-70E740481C1C}">
                 <a14:useLocalDpi xmlns:a14="http://schemas.microsoft.com/office/drawing/2010/main" val="0"/>
@@ -14974,7 +16313,7 @@
           <p:nvPr/>
         </p:nvPicPr>
         <p:blipFill>
-          <a:blip r:embed="rId4">
+          <a:blip r:embed="rId3">
             <a:extLst>
               <a:ext uri="{28A0092B-C50C-407E-A947-70E740481C1C}">
                 <a14:useLocalDpi xmlns:a14="http://schemas.microsoft.com/office/drawing/2010/main" val="0"/>
@@ -15004,7 +16343,7 @@
           <p:nvPr/>
         </p:nvPicPr>
         <p:blipFill>
-          <a:blip r:embed="rId5">
+          <a:blip r:embed="rId4">
             <a:extLst>
               <a:ext uri="{28A0092B-C50C-407E-A947-70E740481C1C}">
                 <a14:useLocalDpi xmlns:a14="http://schemas.microsoft.com/office/drawing/2010/main" val="0"/>
@@ -15019,6 +16358,66 @@
           <a:xfrm>
             <a:off x="3751484" y="4433095"/>
             <a:ext cx="5637600" cy="1921910"/>
+          </a:xfrm>
+          <a:prstGeom prst="rect">
+            <a:avLst/>
+          </a:prstGeom>
+        </p:spPr>
+      </p:pic>
+      <p:pic>
+        <p:nvPicPr>
+          <p:cNvPr id="27" name="Grafik 26"/>
+          <p:cNvPicPr>
+            <a:picLocks noChangeAspect="1"/>
+          </p:cNvPicPr>
+          <p:nvPr/>
+        </p:nvPicPr>
+        <p:blipFill>
+          <a:blip r:embed="rId5">
+            <a:extLst>
+              <a:ext uri="{28A0092B-C50C-407E-A947-70E740481C1C}">
+                <a14:useLocalDpi xmlns:a14="http://schemas.microsoft.com/office/drawing/2010/main" val="0"/>
+              </a:ext>
+            </a:extLst>
+          </a:blip>
+          <a:stretch>
+            <a:fillRect/>
+          </a:stretch>
+        </p:blipFill>
+        <p:spPr>
+          <a:xfrm>
+            <a:off x="11419168" y="1445179"/>
+            <a:ext cx="5760000" cy="1999238"/>
+          </a:xfrm>
+          <a:prstGeom prst="rect">
+            <a:avLst/>
+          </a:prstGeom>
+        </p:spPr>
+      </p:pic>
+      <p:pic>
+        <p:nvPicPr>
+          <p:cNvPr id="29" name="Grafik 28"/>
+          <p:cNvPicPr>
+            <a:picLocks noChangeAspect="1"/>
+          </p:cNvPicPr>
+          <p:nvPr/>
+        </p:nvPicPr>
+        <p:blipFill>
+          <a:blip r:embed="rId6">
+            <a:extLst>
+              <a:ext uri="{28A0092B-C50C-407E-A947-70E740481C1C}">
+                <a14:useLocalDpi xmlns:a14="http://schemas.microsoft.com/office/drawing/2010/main" val="0"/>
+              </a:ext>
+            </a:extLst>
+          </a:blip>
+          <a:stretch>
+            <a:fillRect/>
+          </a:stretch>
+        </p:blipFill>
+        <p:spPr>
+          <a:xfrm>
+            <a:off x="11419168" y="4111635"/>
+            <a:ext cx="5760000" cy="1749334"/>
           </a:xfrm>
           <a:prstGeom prst="rect">
             <a:avLst/>
@@ -15327,7 +16726,7 @@
 </p:sld>
 </file>
 
-<file path=ppt/slides/slide7.xml><?xml version="1.0" encoding="utf-8"?>
+<file path=ppt/slides/slide9.xml><?xml version="1.0" encoding="utf-8"?>
 <p:sld xmlns:a="http://schemas.openxmlformats.org/drawingml/2006/main" xmlns:r="http://schemas.openxmlformats.org/officeDocument/2006/relationships" xmlns:p="http://schemas.openxmlformats.org/presentationml/2006/main">
   <p:cSld>
     <p:bg>
@@ -15352,6 +16751,36 @@
           <a:chExt cx="0" cy="0"/>
         </a:xfrm>
       </p:grpSpPr>
+      <p:pic>
+        <p:nvPicPr>
+          <p:cNvPr id="3" name="Grafik 2"/>
+          <p:cNvPicPr>
+            <a:picLocks noChangeAspect="1"/>
+          </p:cNvPicPr>
+          <p:nvPr/>
+        </p:nvPicPr>
+        <p:blipFill>
+          <a:blip r:embed="rId3">
+            <a:extLst>
+              <a:ext uri="{96DAC541-7B7A-43D3-8B79-37D633B846F1}">
+                <asvg:svgBlip xmlns:asvg="http://schemas.microsoft.com/office/drawing/2016/SVG/main" r:embed="rId4"/>
+              </a:ext>
+            </a:extLst>
+          </a:blip>
+          <a:stretch>
+            <a:fillRect/>
+          </a:stretch>
+        </p:blipFill>
+        <p:spPr>
+          <a:xfrm>
+            <a:off x="11180880" y="0"/>
+            <a:ext cx="1109276" cy="1109276"/>
+          </a:xfrm>
+          <a:prstGeom prst="rect">
+            <a:avLst/>
+          </a:prstGeom>
+        </p:spPr>
+      </p:pic>
       <p:sp>
         <p:nvSpPr>
           <p:cNvPr id="2" name="idea"/>
@@ -15618,980 +17047,6 @@
     <p:bldLst>
       <p:bldP spid="2" grpId="0"/>
       <p:bldP spid="4" grpId="0"/>
-    </p:bldLst>
-  </p:timing>
-</p:sld>
-</file>
-
-<file path=ppt/slides/slide8.xml><?xml version="1.0" encoding="utf-8"?>
-<p:sld xmlns:a="http://schemas.openxmlformats.org/drawingml/2006/main" xmlns:r="http://schemas.openxmlformats.org/officeDocument/2006/relationships" xmlns:p="http://schemas.openxmlformats.org/presentationml/2006/main">
-  <p:cSld>
-    <p:spTree>
-      <p:nvGrpSpPr>
-        <p:cNvPr id="1" name=""/>
-        <p:cNvGrpSpPr/>
-        <p:nvPr/>
-      </p:nvGrpSpPr>
-      <p:grpSpPr>
-        <a:xfrm>
-          <a:off x="0" y="0"/>
-          <a:ext cx="0" cy="0"/>
-          <a:chOff x="0" y="0"/>
-          <a:chExt cx="0" cy="0"/>
-        </a:xfrm>
-      </p:grpSpPr>
-      <p:sp>
-        <p:nvSpPr>
-          <p:cNvPr id="3" name="Titel 2"/>
-          <p:cNvSpPr>
-            <a:spLocks noGrp="1"/>
-          </p:cNvSpPr>
-          <p:nvPr>
-            <p:ph type="title"/>
-          </p:nvPr>
-        </p:nvSpPr>
-        <p:spPr>
-          <a:xfrm>
-            <a:off x="742484" y="383299"/>
-            <a:ext cx="9314796" cy="1391534"/>
-          </a:xfrm>
-        </p:spPr>
-        <p:txBody>
-          <a:bodyPr/>
-          <a:lstStyle/>
-          <a:p>
-            <a:pPr algn="ctr"/>
-            <a:r>
-              <a:rPr lang="en-US" sz="5400" cap="all" dirty="0"/>
-              <a:t>Pure Functions</a:t>
-            </a:r>
-            <a:br>
-              <a:rPr lang="en-US" sz="5400" cap="all" dirty="0"/>
-            </a:br>
-            <a:r>
-              <a:rPr lang="en-US" sz="2800" cap="all" dirty="0"/>
-              <a:t>no side effects</a:t>
-            </a:r>
-            <a:endParaRPr lang="de-AT" cap="all" dirty="0"/>
-          </a:p>
-        </p:txBody>
-      </p:sp>
-      <p:sp>
-        <p:nvSpPr>
-          <p:cNvPr id="7" name="Rechteck 6"/>
-          <p:cNvSpPr/>
-          <p:nvPr/>
-        </p:nvSpPr>
-        <p:spPr>
-          <a:xfrm>
-            <a:off x="2207555" y="3385227"/>
-            <a:ext cx="6384652" cy="1077218"/>
-          </a:xfrm>
-          <a:prstGeom prst="rect">
-            <a:avLst/>
-          </a:prstGeom>
-        </p:spPr>
-        <p:txBody>
-          <a:bodyPr wrap="square">
-            <a:spAutoFit/>
-          </a:bodyPr>
-          <a:lstStyle/>
-          <a:p>
-            <a:pPr>
-              <a:spcAft>
-                <a:spcPts val="600"/>
-              </a:spcAft>
-            </a:pPr>
-            <a:r>
-              <a:rPr lang="en-US" dirty="0">
-                <a:solidFill>
-                  <a:srgbClr val="008000"/>
-                </a:solidFill>
-                <a:latin typeface="Fira Code" panose="020B0509050000020004" pitchFamily="49" charset="0"/>
-              </a:rPr>
-              <a:t>// - same input =&gt; same output</a:t>
-            </a:r>
-            <a:endParaRPr lang="en-US" dirty="0">
-              <a:solidFill>
-                <a:srgbClr val="000000"/>
-              </a:solidFill>
-              <a:latin typeface="Fira Code" panose="020B0509050000020004" pitchFamily="49" charset="0"/>
-            </a:endParaRPr>
-          </a:p>
-          <a:p>
-            <a:pPr>
-              <a:spcAft>
-                <a:spcPts val="600"/>
-              </a:spcAft>
-            </a:pPr>
-            <a:r>
-              <a:rPr lang="en-US" dirty="0">
-                <a:solidFill>
-                  <a:srgbClr val="008000"/>
-                </a:solidFill>
-                <a:latin typeface="Fira Code" panose="020B0509050000020004" pitchFamily="49" charset="0"/>
-              </a:rPr>
-              <a:t>// - produce no side effects</a:t>
-            </a:r>
-            <a:endParaRPr lang="en-US" dirty="0">
-              <a:solidFill>
-                <a:srgbClr val="000000"/>
-              </a:solidFill>
-              <a:latin typeface="Fira Code" panose="020B0509050000020004" pitchFamily="49" charset="0"/>
-            </a:endParaRPr>
-          </a:p>
-          <a:p>
-            <a:pPr>
-              <a:spcAft>
-                <a:spcPts val="600"/>
-              </a:spcAft>
-            </a:pPr>
-            <a:r>
-              <a:rPr lang="en-US" dirty="0">
-                <a:solidFill>
-                  <a:srgbClr val="008000"/>
-                </a:solidFill>
-                <a:latin typeface="Fira Code" panose="020B0509050000020004" pitchFamily="49" charset="0"/>
-              </a:rPr>
-              <a:t>// - does not rely on external mutable state</a:t>
-            </a:r>
-            <a:endParaRPr lang="en-US" b="0" dirty="0">
-              <a:solidFill>
-                <a:srgbClr val="000000"/>
-              </a:solidFill>
-              <a:effectLst/>
-              <a:latin typeface="Fira Code" panose="020B0509050000020004" pitchFamily="49" charset="0"/>
-            </a:endParaRPr>
-          </a:p>
-        </p:txBody>
-      </p:sp>
-      <p:sp>
-        <p:nvSpPr>
-          <p:cNvPr id="4" name="Rechteck 3"/>
-          <p:cNvSpPr/>
-          <p:nvPr/>
-        </p:nvSpPr>
-        <p:spPr>
-          <a:xfrm>
-            <a:off x="720054" y="2708119"/>
-            <a:ext cx="4363107" cy="1354217"/>
-          </a:xfrm>
-          <a:prstGeom prst="rect">
-            <a:avLst/>
-          </a:prstGeom>
-        </p:spPr>
-        <p:txBody>
-          <a:bodyPr wrap="square">
-            <a:spAutoFit/>
-          </a:bodyPr>
-          <a:lstStyle/>
-          <a:p>
-            <a:pPr algn="ctr">
-              <a:spcAft>
-                <a:spcPts val="600"/>
-              </a:spcAft>
-            </a:pPr>
-            <a:r>
-              <a:rPr lang="de-AT" dirty="0">
-                <a:solidFill>
-                  <a:srgbClr val="008000"/>
-                </a:solidFill>
-                <a:latin typeface="Fira Code" panose="020B0509050000020004" pitchFamily="49" charset="0"/>
-              </a:rPr>
-              <a:t>// === PURE === //</a:t>
-            </a:r>
-            <a:br>
-              <a:rPr lang="de-AT" dirty="0">
-                <a:solidFill>
-                  <a:srgbClr val="008000"/>
-                </a:solidFill>
-                <a:latin typeface="Fira Code" panose="020B0509050000020004" pitchFamily="49" charset="0"/>
-              </a:rPr>
-            </a:br>
-            <a:endParaRPr lang="de-AT" dirty="0">
-              <a:solidFill>
-                <a:srgbClr val="000000"/>
-              </a:solidFill>
-              <a:latin typeface="Fira Code" panose="020B0509050000020004" pitchFamily="49" charset="0"/>
-            </a:endParaRPr>
-          </a:p>
-          <a:p>
-            <a:pPr>
-              <a:spcAft>
-                <a:spcPts val="600"/>
-              </a:spcAft>
-            </a:pPr>
-            <a:r>
-              <a:rPr lang="de-AT" dirty="0" err="1">
-                <a:solidFill>
-                  <a:srgbClr val="000000"/>
-                </a:solidFill>
-                <a:latin typeface="Fira Code" panose="020B0509050000020004" pitchFamily="49" charset="0"/>
-              </a:rPr>
-              <a:t>Math.max</a:t>
-            </a:r>
-            <a:r>
-              <a:rPr lang="de-AT" dirty="0">
-                <a:solidFill>
-                  <a:srgbClr val="000000"/>
-                </a:solidFill>
-                <a:latin typeface="Fira Code" panose="020B0509050000020004" pitchFamily="49" charset="0"/>
-              </a:rPr>
-              <a:t>(...</a:t>
-            </a:r>
-            <a:r>
-              <a:rPr lang="de-AT" dirty="0" err="1">
-                <a:solidFill>
-                  <a:srgbClr val="000000"/>
-                </a:solidFill>
-                <a:latin typeface="Fira Code" panose="020B0509050000020004" pitchFamily="49" charset="0"/>
-              </a:rPr>
-              <a:t>values</a:t>
-            </a:r>
-            <a:r>
-              <a:rPr lang="de-AT" dirty="0">
-                <a:solidFill>
-                  <a:srgbClr val="000000"/>
-                </a:solidFill>
-                <a:latin typeface="Fira Code" panose="020B0509050000020004" pitchFamily="49" charset="0"/>
-              </a:rPr>
-              <a:t>: </a:t>
-            </a:r>
-            <a:r>
-              <a:rPr lang="de-AT" dirty="0" err="1">
-                <a:solidFill>
-                  <a:srgbClr val="000000"/>
-                </a:solidFill>
-                <a:latin typeface="Fira Code" panose="020B0509050000020004" pitchFamily="49" charset="0"/>
-              </a:rPr>
-              <a:t>number</a:t>
-            </a:r>
-            <a:r>
-              <a:rPr lang="de-AT" dirty="0">
-                <a:solidFill>
-                  <a:srgbClr val="000000"/>
-                </a:solidFill>
-                <a:latin typeface="Fira Code" panose="020B0509050000020004" pitchFamily="49" charset="0"/>
-              </a:rPr>
-              <a:t>[]);</a:t>
-            </a:r>
-          </a:p>
-          <a:p>
-            <a:pPr>
-              <a:spcAft>
-                <a:spcPts val="600"/>
-              </a:spcAft>
-            </a:pPr>
-            <a:r>
-              <a:rPr lang="de-AT" dirty="0" err="1">
-                <a:solidFill>
-                  <a:srgbClr val="0000FF"/>
-                </a:solidFill>
-                <a:latin typeface="Fira Code" panose="020B0509050000020004" pitchFamily="49" charset="0"/>
-              </a:rPr>
-              <a:t>const</a:t>
-            </a:r>
-            <a:r>
-              <a:rPr lang="de-AT" dirty="0">
-                <a:solidFill>
-                  <a:srgbClr val="000000"/>
-                </a:solidFill>
-                <a:latin typeface="Fira Code" panose="020B0509050000020004" pitchFamily="49" charset="0"/>
-              </a:rPr>
-              <a:t> double = x </a:t>
-            </a:r>
-            <a:r>
-              <a:rPr lang="de-AT" dirty="0">
-                <a:solidFill>
-                  <a:srgbClr val="0000FF"/>
-                </a:solidFill>
-                <a:latin typeface="Fira Code" panose="020B0509050000020004" pitchFamily="49" charset="0"/>
-              </a:rPr>
-              <a:t>=&gt;</a:t>
-            </a:r>
-            <a:r>
-              <a:rPr lang="de-AT" dirty="0">
-                <a:solidFill>
-                  <a:srgbClr val="000000"/>
-                </a:solidFill>
-                <a:latin typeface="Fira Code" panose="020B0509050000020004" pitchFamily="49" charset="0"/>
-              </a:rPr>
-              <a:t> x * </a:t>
-            </a:r>
-            <a:r>
-              <a:rPr lang="de-AT" dirty="0">
-                <a:solidFill>
-                  <a:srgbClr val="09885A"/>
-                </a:solidFill>
-                <a:latin typeface="Fira Code" panose="020B0509050000020004" pitchFamily="49" charset="0"/>
-              </a:rPr>
-              <a:t>2</a:t>
-            </a:r>
-            <a:r>
-              <a:rPr lang="de-AT" dirty="0">
-                <a:solidFill>
-                  <a:srgbClr val="000000"/>
-                </a:solidFill>
-                <a:latin typeface="Fira Code" panose="020B0509050000020004" pitchFamily="49" charset="0"/>
-              </a:rPr>
-              <a:t>;</a:t>
-            </a:r>
-          </a:p>
-        </p:txBody>
-      </p:sp>
-      <p:sp>
-        <p:nvSpPr>
-          <p:cNvPr id="8" name="Rechteck 7"/>
-          <p:cNvSpPr/>
-          <p:nvPr/>
-        </p:nvSpPr>
-        <p:spPr>
-          <a:xfrm>
-            <a:off x="5424692" y="2708119"/>
-            <a:ext cx="4655017" cy="1908215"/>
-          </a:xfrm>
-          <a:prstGeom prst="rect">
-            <a:avLst/>
-          </a:prstGeom>
-        </p:spPr>
-        <p:txBody>
-          <a:bodyPr wrap="square">
-            <a:spAutoFit/>
-          </a:bodyPr>
-          <a:lstStyle/>
-          <a:p>
-            <a:pPr algn="ctr">
-              <a:spcAft>
-                <a:spcPts val="600"/>
-              </a:spcAft>
-            </a:pPr>
-            <a:r>
-              <a:rPr lang="de-AT" dirty="0">
-                <a:solidFill>
-                  <a:srgbClr val="008000"/>
-                </a:solidFill>
-                <a:latin typeface="Fira Code" panose="020B0509050000020004" pitchFamily="49" charset="0"/>
-              </a:rPr>
-              <a:t>// === IMPURE === //</a:t>
-            </a:r>
-            <a:br>
-              <a:rPr lang="de-AT" dirty="0">
-                <a:solidFill>
-                  <a:srgbClr val="008000"/>
-                </a:solidFill>
-                <a:latin typeface="Fira Code" panose="020B0509050000020004" pitchFamily="49" charset="0"/>
-              </a:rPr>
-            </a:br>
-            <a:endParaRPr lang="de-AT" dirty="0">
-              <a:solidFill>
-                <a:srgbClr val="000000"/>
-              </a:solidFill>
-              <a:latin typeface="Fira Code" panose="020B0509050000020004" pitchFamily="49" charset="0"/>
-            </a:endParaRPr>
-          </a:p>
-          <a:p>
-            <a:pPr>
-              <a:spcAft>
-                <a:spcPts val="600"/>
-              </a:spcAft>
-            </a:pPr>
-            <a:r>
-              <a:rPr lang="de-AT" dirty="0" err="1">
-                <a:solidFill>
-                  <a:srgbClr val="000000"/>
-                </a:solidFill>
-                <a:latin typeface="Fira Code" panose="020B0509050000020004" pitchFamily="49" charset="0"/>
-              </a:rPr>
-              <a:t>Math.random</a:t>
-            </a:r>
-            <a:r>
-              <a:rPr lang="de-AT" dirty="0">
-                <a:solidFill>
-                  <a:srgbClr val="000000"/>
-                </a:solidFill>
-                <a:latin typeface="Fira Code" panose="020B0509050000020004" pitchFamily="49" charset="0"/>
-              </a:rPr>
-              <a:t>()</a:t>
-            </a:r>
-          </a:p>
-          <a:p>
-            <a:pPr>
-              <a:spcAft>
-                <a:spcPts val="600"/>
-              </a:spcAft>
-            </a:pPr>
-            <a:r>
-              <a:rPr lang="de-AT" dirty="0" err="1">
-                <a:solidFill>
-                  <a:srgbClr val="0000FF"/>
-                </a:solidFill>
-                <a:latin typeface="Fira Code" panose="020B0509050000020004" pitchFamily="49" charset="0"/>
-              </a:rPr>
-              <a:t>function</a:t>
-            </a:r>
-            <a:r>
-              <a:rPr lang="de-AT" dirty="0">
-                <a:solidFill>
-                  <a:srgbClr val="000000"/>
-                </a:solidFill>
-                <a:latin typeface="Fira Code" panose="020B0509050000020004" pitchFamily="49" charset="0"/>
-              </a:rPr>
-              <a:t> </a:t>
-            </a:r>
-            <a:r>
-              <a:rPr lang="de-AT" dirty="0" err="1">
-                <a:solidFill>
-                  <a:srgbClr val="000000"/>
-                </a:solidFill>
-                <a:latin typeface="Fira Code" panose="020B0509050000020004" pitchFamily="49" charset="0"/>
-              </a:rPr>
-              <a:t>addToCart</a:t>
-            </a:r>
-            <a:r>
-              <a:rPr lang="de-AT" dirty="0">
-                <a:solidFill>
-                  <a:srgbClr val="000000"/>
-                </a:solidFill>
-                <a:latin typeface="Fira Code" panose="020B0509050000020004" pitchFamily="49" charset="0"/>
-              </a:rPr>
-              <a:t>(item): </a:t>
-            </a:r>
-            <a:r>
-              <a:rPr lang="de-AT" dirty="0" err="1">
-                <a:solidFill>
-                  <a:srgbClr val="000000"/>
-                </a:solidFill>
-                <a:latin typeface="Fira Code" panose="020B0509050000020004" pitchFamily="49" charset="0"/>
-              </a:rPr>
-              <a:t>void</a:t>
-            </a:r>
-            <a:r>
-              <a:rPr lang="de-AT" dirty="0">
-                <a:solidFill>
-                  <a:srgbClr val="000000"/>
-                </a:solidFill>
-                <a:latin typeface="Fira Code" panose="020B0509050000020004" pitchFamily="49" charset="0"/>
-              </a:rPr>
-              <a:t> {</a:t>
-            </a:r>
-            <a:br>
-              <a:rPr lang="de-AT" dirty="0">
-                <a:solidFill>
-                  <a:srgbClr val="000000"/>
-                </a:solidFill>
-                <a:latin typeface="Fira Code" panose="020B0509050000020004" pitchFamily="49" charset="0"/>
-              </a:rPr>
-            </a:br>
-            <a:r>
-              <a:rPr lang="de-AT" dirty="0">
-                <a:solidFill>
-                  <a:srgbClr val="000000"/>
-                </a:solidFill>
-                <a:latin typeface="Fira Code" panose="020B0509050000020004" pitchFamily="49" charset="0"/>
-              </a:rPr>
-              <a:t>  </a:t>
-            </a:r>
-            <a:r>
-              <a:rPr lang="de-AT" dirty="0" err="1">
-                <a:solidFill>
-                  <a:srgbClr val="000000"/>
-                </a:solidFill>
-                <a:latin typeface="Fira Code" panose="020B0509050000020004" pitchFamily="49" charset="0"/>
-              </a:rPr>
-              <a:t>cart.add</a:t>
-            </a:r>
-            <a:r>
-              <a:rPr lang="de-AT" dirty="0">
-                <a:solidFill>
-                  <a:srgbClr val="000000"/>
-                </a:solidFill>
-                <a:latin typeface="Fira Code" panose="020B0509050000020004" pitchFamily="49" charset="0"/>
-              </a:rPr>
-              <a:t>(item);</a:t>
-            </a:r>
-            <a:br>
-              <a:rPr lang="de-AT" dirty="0">
-                <a:solidFill>
-                  <a:srgbClr val="000000"/>
-                </a:solidFill>
-                <a:latin typeface="Fira Code" panose="020B0509050000020004" pitchFamily="49" charset="0"/>
-              </a:rPr>
-            </a:br>
-            <a:r>
-              <a:rPr lang="de-AT" dirty="0">
-                <a:solidFill>
-                  <a:srgbClr val="000000"/>
-                </a:solidFill>
-                <a:latin typeface="Fira Code" panose="020B0509050000020004" pitchFamily="49" charset="0"/>
-              </a:rPr>
-              <a:t>}</a:t>
-            </a:r>
-          </a:p>
-        </p:txBody>
-      </p:sp>
-    </p:spTree>
-    <p:extLst>
-      <p:ext uri="{BB962C8B-B14F-4D97-AF65-F5344CB8AC3E}">
-        <p14:creationId xmlns:p14="http://schemas.microsoft.com/office/powerpoint/2010/main" val="3466436804"/>
-      </p:ext>
-    </p:extLst>
-  </p:cSld>
-  <p:clrMapOvr>
-    <a:masterClrMapping/>
-  </p:clrMapOvr>
-  <p:transition spd="med">
-    <p:push dir="u"/>
-  </p:transition>
-  <p:timing>
-    <p:tnLst>
-      <p:par>
-        <p:cTn id="1" dur="indefinite" restart="never" nodeType="tmRoot">
-          <p:childTnLst>
-            <p:seq concurrent="1" nextAc="seek">
-              <p:cTn id="2" dur="indefinite" nodeType="mainSeq">
-                <p:childTnLst>
-                  <p:par>
-                    <p:cTn id="3" fill="hold">
-                      <p:stCondLst>
-                        <p:cond delay="indefinite"/>
-                      </p:stCondLst>
-                      <p:childTnLst>
-                        <p:par>
-                          <p:cTn id="4" fill="hold">
-                            <p:stCondLst>
-                              <p:cond delay="0"/>
-                            </p:stCondLst>
-                            <p:childTnLst>
-                              <p:par>
-                                <p:cTn id="5" presetID="42" presetClass="path" presetSubtype="0" accel="50000" decel="50000" fill="hold" grpId="0" nodeType="clickEffect">
-                                  <p:stCondLst>
-                                    <p:cond delay="0"/>
-                                  </p:stCondLst>
-                                  <p:childTnLst>
-                                    <p:animMotion origin="layout" path="M 3.49699E-6 -3.20838E-6 L 3.49699E-6 0.3279 " pathEditMode="relative" rAng="0" ptsTypes="AA">
-                                      <p:cBhvr>
-                                        <p:cTn id="6" dur="500" fill="hold"/>
-                                        <p:tgtEl>
-                                          <p:spTgt spid="7"/>
-                                        </p:tgtEl>
-                                        <p:attrNameLst>
-                                          <p:attrName>ppt_x</p:attrName>
-                                          <p:attrName>ppt_y</p:attrName>
-                                        </p:attrNameLst>
-                                      </p:cBhvr>
-                                      <p:rCtr x="0" y="16384"/>
-                                    </p:animMotion>
-                                  </p:childTnLst>
-                                </p:cTn>
-                              </p:par>
-                            </p:childTnLst>
-                          </p:cTn>
-                        </p:par>
-                        <p:par>
-                          <p:cTn id="7" fill="hold">
-                            <p:stCondLst>
-                              <p:cond delay="500"/>
-                            </p:stCondLst>
-                            <p:childTnLst>
-                              <p:par>
-                                <p:cTn id="8" presetID="10" presetClass="entr" presetSubtype="0" fill="hold" grpId="0" nodeType="afterEffect">
-                                  <p:stCondLst>
-                                    <p:cond delay="0"/>
-                                  </p:stCondLst>
-                                  <p:childTnLst>
-                                    <p:set>
-                                      <p:cBhvr>
-                                        <p:cTn id="9" dur="1" fill="hold">
-                                          <p:stCondLst>
-                                            <p:cond delay="0"/>
-                                          </p:stCondLst>
-                                        </p:cTn>
-                                        <p:tgtEl>
-                                          <p:spTgt spid="4"/>
-                                        </p:tgtEl>
-                                        <p:attrNameLst>
-                                          <p:attrName>style.visibility</p:attrName>
-                                        </p:attrNameLst>
-                                      </p:cBhvr>
-                                      <p:to>
-                                        <p:strVal val="visible"/>
-                                      </p:to>
-                                    </p:set>
-                                    <p:animEffect transition="in" filter="fade">
-                                      <p:cBhvr>
-                                        <p:cTn id="10" dur="250"/>
-                                        <p:tgtEl>
-                                          <p:spTgt spid="4"/>
-                                        </p:tgtEl>
-                                      </p:cBhvr>
-                                    </p:animEffect>
-                                  </p:childTnLst>
-                                </p:cTn>
-                              </p:par>
-                            </p:childTnLst>
-                          </p:cTn>
-                        </p:par>
-                      </p:childTnLst>
-                    </p:cTn>
-                  </p:par>
-                  <p:par>
-                    <p:cTn id="11" fill="hold">
-                      <p:stCondLst>
-                        <p:cond delay="indefinite"/>
-                      </p:stCondLst>
-                      <p:childTnLst>
-                        <p:par>
-                          <p:cTn id="12" fill="hold">
-                            <p:stCondLst>
-                              <p:cond delay="0"/>
-                            </p:stCondLst>
-                            <p:childTnLst>
-                              <p:par>
-                                <p:cTn id="13" presetID="10" presetClass="entr" presetSubtype="0" fill="hold" grpId="0" nodeType="clickEffect">
-                                  <p:stCondLst>
-                                    <p:cond delay="0"/>
-                                  </p:stCondLst>
-                                  <p:childTnLst>
-                                    <p:set>
-                                      <p:cBhvr>
-                                        <p:cTn id="14" dur="1" fill="hold">
-                                          <p:stCondLst>
-                                            <p:cond delay="0"/>
-                                          </p:stCondLst>
-                                        </p:cTn>
-                                        <p:tgtEl>
-                                          <p:spTgt spid="8"/>
-                                        </p:tgtEl>
-                                        <p:attrNameLst>
-                                          <p:attrName>style.visibility</p:attrName>
-                                        </p:attrNameLst>
-                                      </p:cBhvr>
-                                      <p:to>
-                                        <p:strVal val="visible"/>
-                                      </p:to>
-                                    </p:set>
-                                    <p:animEffect transition="in" filter="fade">
-                                      <p:cBhvr>
-                                        <p:cTn id="15" dur="250"/>
-                                        <p:tgtEl>
-                                          <p:spTgt spid="8"/>
-                                        </p:tgtEl>
-                                      </p:cBhvr>
-                                    </p:animEffect>
-                                  </p:childTnLst>
-                                </p:cTn>
-                              </p:par>
-                            </p:childTnLst>
-                          </p:cTn>
-                        </p:par>
-                      </p:childTnLst>
-                    </p:cTn>
-                  </p:par>
-                </p:childTnLst>
-              </p:cTn>
-              <p:prevCondLst>
-                <p:cond evt="onPrev" delay="0">
-                  <p:tgtEl>
-                    <p:sldTgt/>
-                  </p:tgtEl>
-                </p:cond>
-              </p:prevCondLst>
-              <p:nextCondLst>
-                <p:cond evt="onNext" delay="0">
-                  <p:tgtEl>
-                    <p:sldTgt/>
-                  </p:tgtEl>
-                </p:cond>
-              </p:nextCondLst>
-            </p:seq>
-          </p:childTnLst>
-        </p:cTn>
-      </p:par>
-    </p:tnLst>
-    <p:bldLst>
-      <p:bldP spid="7" grpId="0"/>
-      <p:bldP spid="4" grpId="0"/>
-      <p:bldP spid="8" grpId="0"/>
-    </p:bldLst>
-  </p:timing>
-</p:sld>
-</file>
-
-<file path=ppt/slides/slide9.xml><?xml version="1.0" encoding="utf-8"?>
-<p:sld xmlns:a="http://schemas.openxmlformats.org/drawingml/2006/main" xmlns:r="http://schemas.openxmlformats.org/officeDocument/2006/relationships" xmlns:p="http://schemas.openxmlformats.org/presentationml/2006/main">
-  <p:cSld>
-    <p:bg>
-      <p:bgPr>
-        <a:solidFill>
-          <a:schemeClr val="tx1"/>
-        </a:solidFill>
-        <a:effectLst/>
-      </p:bgPr>
-    </p:bg>
-    <p:spTree>
-      <p:nvGrpSpPr>
-        <p:cNvPr id="1" name=""/>
-        <p:cNvGrpSpPr/>
-        <p:nvPr/>
-      </p:nvGrpSpPr>
-      <p:grpSpPr>
-        <a:xfrm>
-          <a:off x="0" y="0"/>
-          <a:ext cx="0" cy="0"/>
-          <a:chOff x="0" y="0"/>
-          <a:chExt cx="0" cy="0"/>
-        </a:xfrm>
-      </p:grpSpPr>
-      <p:sp>
-        <p:nvSpPr>
-          <p:cNvPr id="2" name="idea"/>
-          <p:cNvSpPr txBox="1"/>
-          <p:nvPr/>
-        </p:nvSpPr>
-        <p:spPr>
-          <a:xfrm>
-            <a:off x="-1" y="2353161"/>
-            <a:ext cx="10799763" cy="1200329"/>
-          </a:xfrm>
-          <a:prstGeom prst="rect">
-            <a:avLst/>
-          </a:prstGeom>
-          <a:noFill/>
-        </p:spPr>
-        <p:txBody>
-          <a:bodyPr wrap="square" rtlCol="0">
-            <a:spAutoFit/>
-          </a:bodyPr>
-          <a:lstStyle/>
-          <a:p>
-            <a:pPr algn="ctr"/>
-            <a:r>
-              <a:rPr lang="en-US" sz="7200" cap="all" dirty="0">
-                <a:solidFill>
-                  <a:srgbClr val="B1F69A"/>
-                </a:solidFill>
-                <a:latin typeface="+mj-lt"/>
-              </a:rPr>
-              <a:t>FUNCTIONAL</a:t>
-            </a:r>
-            <a:endParaRPr lang="de-AT" sz="7200" cap="all" dirty="0">
-              <a:solidFill>
-                <a:srgbClr val="B1F69A"/>
-              </a:solidFill>
-              <a:latin typeface="+mj-lt"/>
-            </a:endParaRPr>
-          </a:p>
-        </p:txBody>
-      </p:sp>
-      <p:sp>
-        <p:nvSpPr>
-          <p:cNvPr id="4" name="concept"/>
-          <p:cNvSpPr txBox="1"/>
-          <p:nvPr/>
-        </p:nvSpPr>
-        <p:spPr>
-          <a:xfrm>
-            <a:off x="0" y="3553490"/>
-            <a:ext cx="10799763" cy="646331"/>
-          </a:xfrm>
-          <a:prstGeom prst="rect">
-            <a:avLst/>
-          </a:prstGeom>
-          <a:noFill/>
-        </p:spPr>
-        <p:txBody>
-          <a:bodyPr wrap="square" rtlCol="0">
-            <a:spAutoFit/>
-          </a:bodyPr>
-          <a:lstStyle/>
-          <a:p>
-            <a:pPr algn="ctr"/>
-            <a:r>
-              <a:rPr lang="en-US" sz="3600" cap="all" dirty="0">
-                <a:solidFill>
-                  <a:srgbClr val="6DDDC6"/>
-                </a:solidFill>
-                <a:latin typeface="+mj-lt"/>
-              </a:rPr>
-              <a:t>purity</a:t>
-            </a:r>
-            <a:endParaRPr lang="de-AT" sz="3600" cap="all" dirty="0">
-              <a:solidFill>
-                <a:srgbClr val="6DDDC6"/>
-              </a:solidFill>
-              <a:latin typeface="+mj-lt"/>
-            </a:endParaRPr>
-          </a:p>
-        </p:txBody>
-      </p:sp>
-      <p:sp>
-        <p:nvSpPr>
-          <p:cNvPr id="5" name="motivation"/>
-          <p:cNvSpPr txBox="1"/>
-          <p:nvPr/>
-        </p:nvSpPr>
-        <p:spPr>
-          <a:xfrm>
-            <a:off x="0" y="4199821"/>
-            <a:ext cx="10799763" cy="646331"/>
-          </a:xfrm>
-          <a:prstGeom prst="rect">
-            <a:avLst/>
-          </a:prstGeom>
-          <a:noFill/>
-        </p:spPr>
-        <p:txBody>
-          <a:bodyPr wrap="square" rtlCol="0">
-            <a:spAutoFit/>
-          </a:bodyPr>
-          <a:lstStyle/>
-          <a:p>
-            <a:pPr algn="ctr"/>
-            <a:r>
-              <a:rPr lang="en-US" sz="3600" cap="all" dirty="0">
-                <a:solidFill>
-                  <a:srgbClr val="51D3D9"/>
-                </a:solidFill>
-                <a:latin typeface="+mj-lt"/>
-              </a:rPr>
-              <a:t>declarative</a:t>
-            </a:r>
-            <a:endParaRPr lang="de-AT" sz="3600" cap="all" dirty="0">
-              <a:solidFill>
-                <a:srgbClr val="51D3D9"/>
-              </a:solidFill>
-              <a:latin typeface="+mj-lt"/>
-            </a:endParaRPr>
-          </a:p>
-        </p:txBody>
-      </p:sp>
-      <p:pic>
-        <p:nvPicPr>
-          <p:cNvPr id="6" name="Grafik 5"/>
-          <p:cNvPicPr>
-            <a:picLocks noChangeAspect="1"/>
-          </p:cNvPicPr>
-          <p:nvPr/>
-        </p:nvPicPr>
-        <p:blipFill>
-          <a:blip r:embed="rId3">
-            <a:extLst>
-              <a:ext uri="{96DAC541-7B7A-43D3-8B79-37D633B846F1}">
-                <asvg:svgBlip xmlns:asvg="http://schemas.microsoft.com/office/drawing/2016/SVG/main" r:embed="rId4"/>
-              </a:ext>
-            </a:extLst>
-          </a:blip>
-          <a:stretch>
-            <a:fillRect/>
-          </a:stretch>
-        </p:blipFill>
-        <p:spPr>
-          <a:xfrm>
-            <a:off x="5224254" y="6666815"/>
-            <a:ext cx="345600" cy="345600"/>
-          </a:xfrm>
-          <a:prstGeom prst="rect">
-            <a:avLst/>
-          </a:prstGeom>
-        </p:spPr>
-      </p:pic>
-    </p:spTree>
-    <p:extLst>
-      <p:ext uri="{BB962C8B-B14F-4D97-AF65-F5344CB8AC3E}">
-        <p14:creationId xmlns:p14="http://schemas.microsoft.com/office/powerpoint/2010/main" val="2228925781"/>
-      </p:ext>
-    </p:extLst>
-  </p:cSld>
-  <p:clrMapOvr>
-    <a:masterClrMapping/>
-  </p:clrMapOvr>
-  <p:transition spd="med">
-    <p:push dir="u"/>
-  </p:transition>
-  <p:timing>
-    <p:tnLst>
-      <p:par>
-        <p:cTn id="1" dur="indefinite" restart="never" nodeType="tmRoot">
-          <p:childTnLst>
-            <p:seq concurrent="1" nextAc="seek">
-              <p:cTn id="2" dur="indefinite" nodeType="mainSeq">
-                <p:childTnLst>
-                  <p:par>
-                    <p:cTn id="3" fill="hold">
-                      <p:stCondLst>
-                        <p:cond delay="indefinite"/>
-                      </p:stCondLst>
-                      <p:childTnLst>
-                        <p:par>
-                          <p:cTn id="4" fill="hold">
-                            <p:stCondLst>
-                              <p:cond delay="0"/>
-                            </p:stCondLst>
-                            <p:childTnLst>
-                              <p:par>
-                                <p:cTn id="5" presetID="10" presetClass="entr" presetSubtype="0" fill="hold" grpId="0" nodeType="clickEffect">
-                                  <p:stCondLst>
-                                    <p:cond delay="0"/>
-                                  </p:stCondLst>
-                                  <p:childTnLst>
-                                    <p:set>
-                                      <p:cBhvr>
-                                        <p:cTn id="6" dur="1" fill="hold">
-                                          <p:stCondLst>
-                                            <p:cond delay="0"/>
-                                          </p:stCondLst>
-                                        </p:cTn>
-                                        <p:tgtEl>
-                                          <p:spTgt spid="5"/>
-                                        </p:tgtEl>
-                                        <p:attrNameLst>
-                                          <p:attrName>style.visibility</p:attrName>
-                                        </p:attrNameLst>
-                                      </p:cBhvr>
-                                      <p:to>
-                                        <p:strVal val="visible"/>
-                                      </p:to>
-                                    </p:set>
-                                    <p:animEffect transition="in" filter="fade">
-                                      <p:cBhvr>
-                                        <p:cTn id="7" dur="250"/>
-                                        <p:tgtEl>
-                                          <p:spTgt spid="5"/>
-                                        </p:tgtEl>
-                                      </p:cBhvr>
-                                    </p:animEffect>
-                                  </p:childTnLst>
-                                </p:cTn>
-                              </p:par>
-                            </p:childTnLst>
-                          </p:cTn>
-                        </p:par>
-                      </p:childTnLst>
-                    </p:cTn>
-                  </p:par>
-                </p:childTnLst>
-              </p:cTn>
-              <p:prevCondLst>
-                <p:cond evt="onPrev" delay="0">
-                  <p:tgtEl>
-                    <p:sldTgt/>
-                  </p:tgtEl>
-                </p:cond>
-              </p:prevCondLst>
-              <p:nextCondLst>
-                <p:cond evt="onNext" delay="0">
-                  <p:tgtEl>
-                    <p:sldTgt/>
-                  </p:tgtEl>
-                </p:cond>
-              </p:nextCondLst>
-            </p:seq>
-          </p:childTnLst>
-        </p:cTn>
-      </p:par>
-    </p:tnLst>
-    <p:bldLst>
-      <p:bldP spid="5" grpId="0"/>
     </p:bldLst>
   </p:timing>
 </p:sld>
